--- a/First Semester/Database Management Systems/Notes/5.2-DBMS_DS.pptx
+++ b/First Semester/Database Management Systems/Notes/5.2-DBMS_DS.pptx
@@ -1,36 +1,35 @@
 
 <file path=ppt/presentation.xml><?xml version="1.0" encoding="utf-8"?>
-<p:presentation xmlns:a="http://schemas.openxmlformats.org/drawingml/2006/main" xmlns:r="http://schemas.openxmlformats.org/officeDocument/2006/relationships" xmlns:p="http://schemas.openxmlformats.org/presentationml/2006/main" xmlns:m="http://schemas.openxmlformats.org/officeDocument/2006/math" xmlns:a14="http://schemas.microsoft.com/office/drawing/2010/main">
+<p:presentation xmlns:a="http://schemas.openxmlformats.org/drawingml/2006/main" xmlns:r="http://schemas.openxmlformats.org/officeDocument/2006/relationships" xmlns:p="http://schemas.openxmlformats.org/presentationml/2006/main">
   <p:sldMasterIdLst>
-    <p:sldMasterId id="2147483648" r:id="rId5"/>
+    <p:sldMasterId id="2147483648" r:id="rId1"/>
   </p:sldMasterIdLst>
   <p:notesMasterIdLst>
-    <p:notesMasterId r:id="rId7"/>
+    <p:notesMasterId r:id="rId25"/>
   </p:notesMasterIdLst>
   <p:sldIdLst>
-    <p:sldId id="256" r:id="rId8"/>
-    <p:sldId id="257" r:id="rId9"/>
-    <p:sldId id="258" r:id="rId10"/>
-    <p:sldId id="259" r:id="rId11"/>
-    <p:sldId id="260" r:id="rId12"/>
-    <p:sldId id="261" r:id="rId13"/>
-    <p:sldId id="262" r:id="rId14"/>
-    <p:sldId id="263" r:id="rId15"/>
-    <p:sldId id="264" r:id="rId16"/>
-    <p:sldId id="265" r:id="rId17"/>
-    <p:sldId id="266" r:id="rId18"/>
-    <p:sldId id="267" r:id="rId19"/>
-    <p:sldId id="268" r:id="rId20"/>
-    <p:sldId id="269" r:id="rId21"/>
-    <p:sldId id="270" r:id="rId22"/>
-    <p:sldId id="271" r:id="rId23"/>
-    <p:sldId id="272" r:id="rId24"/>
-    <p:sldId id="273" r:id="rId25"/>
-    <p:sldId id="274" r:id="rId26"/>
-    <p:sldId id="275" r:id="rId27"/>
-    <p:sldId id="276" r:id="rId28"/>
-    <p:sldId id="277" r:id="rId29"/>
-    <p:sldId id="278" r:id="rId30"/>
+    <p:sldId id="256" r:id="rId3"/>
+    <p:sldId id="257" r:id="rId4"/>
+    <p:sldId id="258" r:id="rId5"/>
+    <p:sldId id="259" r:id="rId6"/>
+    <p:sldId id="260" r:id="rId7"/>
+    <p:sldId id="261" r:id="rId8"/>
+    <p:sldId id="262" r:id="rId9"/>
+    <p:sldId id="263" r:id="rId10"/>
+    <p:sldId id="264" r:id="rId11"/>
+    <p:sldId id="265" r:id="rId12"/>
+    <p:sldId id="266" r:id="rId13"/>
+    <p:sldId id="267" r:id="rId14"/>
+    <p:sldId id="268" r:id="rId15"/>
+    <p:sldId id="269" r:id="rId16"/>
+    <p:sldId id="271" r:id="rId17"/>
+    <p:sldId id="272" r:id="rId18"/>
+    <p:sldId id="273" r:id="rId19"/>
+    <p:sldId id="274" r:id="rId20"/>
+    <p:sldId id="275" r:id="rId21"/>
+    <p:sldId id="276" r:id="rId22"/>
+    <p:sldId id="277" r:id="rId23"/>
+    <p:sldId id="278" r:id="rId24"/>
   </p:sldIdLst>
   <p:sldSz cx="9144000" cy="6858000"/>
   <p:notesSz cx="6858000" cy="9144000"/>
@@ -49,8 +48,7 @@
       <a:buSzTx/>
       <a:buFontTx/>
       <a:buNone/>
-      <a:tabLst/>
-      <a:defRPr b="0" baseline="0" cap="none" i="0" spc="0" strike="noStrike" sz="1800" u="none" kumimoji="0" normalizeH="0">
+      <a:defRPr kumimoji="0" sz="1800" b="0" i="0" u="none" strike="noStrike" cap="none" spc="0" normalizeH="0" baseline="0">
         <a:ln>
           <a:noFill/>
         </a:ln>
@@ -75,8 +73,7 @@
       <a:buSzTx/>
       <a:buFontTx/>
       <a:buNone/>
-      <a:tabLst/>
-      <a:defRPr b="0" baseline="0" cap="none" i="0" spc="0" strike="noStrike" sz="1800" u="none" kumimoji="0" normalizeH="0">
+      <a:defRPr kumimoji="0" sz="1800" b="0" i="0" u="none" strike="noStrike" cap="none" spc="0" normalizeH="0" baseline="0">
         <a:ln>
           <a:noFill/>
         </a:ln>
@@ -88,7 +85,7 @@
         <a:latin typeface="+mj-lt"/>
         <a:ea typeface="+mj-ea"/>
         <a:cs typeface="+mj-cs"/>
-        <a:sym typeface="Times New Roman"/>
+        <a:sym typeface="Times New Roman" panose="02020603050405020304"/>
       </a:defRPr>
     </a:lvl1pPr>
     <a:lvl2pPr marL="0" marR="0" indent="457200" algn="l" defTabSz="457200" rtl="0" fontAlgn="auto" latinLnBrk="0" hangingPunct="0">
@@ -105,8 +102,7 @@
       <a:buSzTx/>
       <a:buFontTx/>
       <a:buNone/>
-      <a:tabLst/>
-      <a:defRPr b="0" baseline="0" cap="none" i="0" spc="0" strike="noStrike" sz="1800" u="none" kumimoji="0" normalizeH="0">
+      <a:defRPr kumimoji="0" sz="1800" b="0" i="0" u="none" strike="noStrike" cap="none" spc="0" normalizeH="0" baseline="0">
         <a:ln>
           <a:noFill/>
         </a:ln>
@@ -118,7 +114,7 @@
         <a:latin typeface="+mj-lt"/>
         <a:ea typeface="+mj-ea"/>
         <a:cs typeface="+mj-cs"/>
-        <a:sym typeface="Times New Roman"/>
+        <a:sym typeface="Times New Roman" panose="02020603050405020304"/>
       </a:defRPr>
     </a:lvl2pPr>
     <a:lvl3pPr marL="0" marR="0" indent="914400" algn="l" defTabSz="457200" rtl="0" fontAlgn="auto" latinLnBrk="0" hangingPunct="0">
@@ -135,8 +131,7 @@
       <a:buSzTx/>
       <a:buFontTx/>
       <a:buNone/>
-      <a:tabLst/>
-      <a:defRPr b="0" baseline="0" cap="none" i="0" spc="0" strike="noStrike" sz="1800" u="none" kumimoji="0" normalizeH="0">
+      <a:defRPr kumimoji="0" sz="1800" b="0" i="0" u="none" strike="noStrike" cap="none" spc="0" normalizeH="0" baseline="0">
         <a:ln>
           <a:noFill/>
         </a:ln>
@@ -148,7 +143,7 @@
         <a:latin typeface="+mj-lt"/>
         <a:ea typeface="+mj-ea"/>
         <a:cs typeface="+mj-cs"/>
-        <a:sym typeface="Times New Roman"/>
+        <a:sym typeface="Times New Roman" panose="02020603050405020304"/>
       </a:defRPr>
     </a:lvl3pPr>
     <a:lvl4pPr marL="0" marR="0" indent="1371600" algn="l" defTabSz="457200" rtl="0" fontAlgn="auto" latinLnBrk="0" hangingPunct="0">
@@ -165,8 +160,7 @@
       <a:buSzTx/>
       <a:buFontTx/>
       <a:buNone/>
-      <a:tabLst/>
-      <a:defRPr b="0" baseline="0" cap="none" i="0" spc="0" strike="noStrike" sz="1800" u="none" kumimoji="0" normalizeH="0">
+      <a:defRPr kumimoji="0" sz="1800" b="0" i="0" u="none" strike="noStrike" cap="none" spc="0" normalizeH="0" baseline="0">
         <a:ln>
           <a:noFill/>
         </a:ln>
@@ -178,7 +172,7 @@
         <a:latin typeface="+mj-lt"/>
         <a:ea typeface="+mj-ea"/>
         <a:cs typeface="+mj-cs"/>
-        <a:sym typeface="Times New Roman"/>
+        <a:sym typeface="Times New Roman" panose="02020603050405020304"/>
       </a:defRPr>
     </a:lvl4pPr>
     <a:lvl5pPr marL="0" marR="0" indent="1828800" algn="l" defTabSz="457200" rtl="0" fontAlgn="auto" latinLnBrk="0" hangingPunct="0">
@@ -195,8 +189,7 @@
       <a:buSzTx/>
       <a:buFontTx/>
       <a:buNone/>
-      <a:tabLst/>
-      <a:defRPr b="0" baseline="0" cap="none" i="0" spc="0" strike="noStrike" sz="1800" u="none" kumimoji="0" normalizeH="0">
+      <a:defRPr kumimoji="0" sz="1800" b="0" i="0" u="none" strike="noStrike" cap="none" spc="0" normalizeH="0" baseline="0">
         <a:ln>
           <a:noFill/>
         </a:ln>
@@ -208,7 +201,7 @@
         <a:latin typeface="+mj-lt"/>
         <a:ea typeface="+mj-ea"/>
         <a:cs typeface="+mj-cs"/>
-        <a:sym typeface="Times New Roman"/>
+        <a:sym typeface="Times New Roman" panose="02020603050405020304"/>
       </a:defRPr>
     </a:lvl5pPr>
     <a:lvl6pPr marL="0" marR="0" indent="0" algn="l" defTabSz="457200" rtl="0" fontAlgn="auto" latinLnBrk="0" hangingPunct="0">
@@ -225,8 +218,7 @@
       <a:buSzTx/>
       <a:buFontTx/>
       <a:buNone/>
-      <a:tabLst/>
-      <a:defRPr b="0" baseline="0" cap="none" i="0" spc="0" strike="noStrike" sz="1800" u="none" kumimoji="0" normalizeH="0">
+      <a:defRPr kumimoji="0" sz="1800" b="0" i="0" u="none" strike="noStrike" cap="none" spc="0" normalizeH="0" baseline="0">
         <a:ln>
           <a:noFill/>
         </a:ln>
@@ -238,7 +230,7 @@
         <a:latin typeface="+mj-lt"/>
         <a:ea typeface="+mj-ea"/>
         <a:cs typeface="+mj-cs"/>
-        <a:sym typeface="Times New Roman"/>
+        <a:sym typeface="Times New Roman" panose="02020603050405020304"/>
       </a:defRPr>
     </a:lvl6pPr>
     <a:lvl7pPr marL="0" marR="0" indent="0" algn="l" defTabSz="457200" rtl="0" fontAlgn="auto" latinLnBrk="0" hangingPunct="0">
@@ -255,8 +247,7 @@
       <a:buSzTx/>
       <a:buFontTx/>
       <a:buNone/>
-      <a:tabLst/>
-      <a:defRPr b="0" baseline="0" cap="none" i="0" spc="0" strike="noStrike" sz="1800" u="none" kumimoji="0" normalizeH="0">
+      <a:defRPr kumimoji="0" sz="1800" b="0" i="0" u="none" strike="noStrike" cap="none" spc="0" normalizeH="0" baseline="0">
         <a:ln>
           <a:noFill/>
         </a:ln>
@@ -268,7 +259,7 @@
         <a:latin typeface="+mj-lt"/>
         <a:ea typeface="+mj-ea"/>
         <a:cs typeface="+mj-cs"/>
-        <a:sym typeface="Times New Roman"/>
+        <a:sym typeface="Times New Roman" panose="02020603050405020304"/>
       </a:defRPr>
     </a:lvl7pPr>
     <a:lvl8pPr marL="0" marR="0" indent="0" algn="l" defTabSz="457200" rtl="0" fontAlgn="auto" latinLnBrk="0" hangingPunct="0">
@@ -285,8 +276,7 @@
       <a:buSzTx/>
       <a:buFontTx/>
       <a:buNone/>
-      <a:tabLst/>
-      <a:defRPr b="0" baseline="0" cap="none" i="0" spc="0" strike="noStrike" sz="1800" u="none" kumimoji="0" normalizeH="0">
+      <a:defRPr kumimoji="0" sz="1800" b="0" i="0" u="none" strike="noStrike" cap="none" spc="0" normalizeH="0" baseline="0">
         <a:ln>
           <a:noFill/>
         </a:ln>
@@ -298,7 +288,7 @@
         <a:latin typeface="+mj-lt"/>
         <a:ea typeface="+mj-ea"/>
         <a:cs typeface="+mj-cs"/>
-        <a:sym typeface="Times New Roman"/>
+        <a:sym typeface="Times New Roman" panose="02020603050405020304"/>
       </a:defRPr>
     </a:lvl8pPr>
     <a:lvl9pPr marL="0" marR="0" indent="0" algn="l" defTabSz="457200" rtl="0" fontAlgn="auto" latinLnBrk="0" hangingPunct="0">
@@ -315,8 +305,7 @@
       <a:buSzTx/>
       <a:buFontTx/>
       <a:buNone/>
-      <a:tabLst/>
-      <a:defRPr b="0" baseline="0" cap="none" i="0" spc="0" strike="noStrike" sz="1800" u="none" kumimoji="0" normalizeH="0">
+      <a:defRPr kumimoji="0" sz="1800" b="0" i="0" u="none" strike="noStrike" cap="none" spc="0" normalizeH="0" baseline="0">
         <a:ln>
           <a:noFill/>
         </a:ln>
@@ -328,20 +317,21 @@
         <a:latin typeface="+mj-lt"/>
         <a:ea typeface="+mj-ea"/>
         <a:cs typeface="+mj-cs"/>
-        <a:sym typeface="Times New Roman"/>
+        <a:sym typeface="Times New Roman" panose="02020603050405020304"/>
       </a:defRPr>
     </a:lvl9pPr>
   </p:defaultTextStyle>
 </p:presentation>
 </file>
 
-<file path=ppt/commentAuthors.xml><?xml version="1.0" encoding="utf-8"?>
-<p:cmAuthorLst xmlns:a="http://schemas.openxmlformats.org/drawingml/2006/main" xmlns:r="http://schemas.openxmlformats.org/officeDocument/2006/relationships" xmlns:p="http://schemas.openxmlformats.org/presentationml/2006/main" xmlns:m="http://schemas.openxmlformats.org/officeDocument/2006/math" xmlns:a14="http://schemas.microsoft.com/office/drawing/2010/main"/>
-</file>
-
 <file path=ppt/notesMasters/notesMaster1.xml><?xml version="1.0" encoding="utf-8"?>
-<p:notesMaster xmlns:a="http://schemas.openxmlformats.org/drawingml/2006/main" xmlns:r="http://schemas.openxmlformats.org/officeDocument/2006/relationships" xmlns:p="http://schemas.openxmlformats.org/presentationml/2006/main" xmlns:m="http://schemas.openxmlformats.org/officeDocument/2006/math" xmlns:a14="http://schemas.microsoft.com/office/drawing/2010/main">
+<p:notesMaster xmlns:a="http://schemas.openxmlformats.org/drawingml/2006/main" xmlns:r="http://schemas.openxmlformats.org/officeDocument/2006/relationships" xmlns:p="http://schemas.openxmlformats.org/presentationml/2006/main">
   <p:cSld>
+    <p:bg>
+      <p:bgRef idx="1001">
+        <a:schemeClr val="bg1"/>
+      </p:bgRef>
+    </p:bg>
     <p:spTree>
       <p:nvGrpSpPr>
         <p:cNvPr id="1" name=""/>
@@ -376,9 +366,7 @@
         <p:txBody>
           <a:bodyPr/>
           <a:lstStyle/>
-          <a:p>
-            <a:pPr/>
-          </a:p>
+          <a:p/>
         </p:txBody>
       </p:sp>
       <p:sp>
@@ -401,9 +389,7 @@
         <p:txBody>
           <a:bodyPr/>
           <a:lstStyle/>
-          <a:p>
-            <a:pPr/>
-          </a:p>
+          <a:p/>
         </p:txBody>
       </p:sp>
     </p:spTree>
@@ -418,7 +404,7 @@
         <a:latin typeface="+mj-lt"/>
         <a:ea typeface="+mj-ea"/>
         <a:cs typeface="+mj-cs"/>
-        <a:sym typeface="Times New Roman"/>
+        <a:sym typeface="Times New Roman" panose="02020603050405020304"/>
       </a:defRPr>
     </a:lvl1pPr>
     <a:lvl2pPr indent="228600" defTabSz="457200" latinLnBrk="0">
@@ -429,7 +415,7 @@
         <a:latin typeface="+mj-lt"/>
         <a:ea typeface="+mj-ea"/>
         <a:cs typeface="+mj-cs"/>
-        <a:sym typeface="Times New Roman"/>
+        <a:sym typeface="Times New Roman" panose="02020603050405020304"/>
       </a:defRPr>
     </a:lvl2pPr>
     <a:lvl3pPr indent="457200" defTabSz="457200" latinLnBrk="0">
@@ -440,7 +426,7 @@
         <a:latin typeface="+mj-lt"/>
         <a:ea typeface="+mj-ea"/>
         <a:cs typeface="+mj-cs"/>
-        <a:sym typeface="Times New Roman"/>
+        <a:sym typeface="Times New Roman" panose="02020603050405020304"/>
       </a:defRPr>
     </a:lvl3pPr>
     <a:lvl4pPr indent="685800" defTabSz="457200" latinLnBrk="0">
@@ -451,7 +437,7 @@
         <a:latin typeface="+mj-lt"/>
         <a:ea typeface="+mj-ea"/>
         <a:cs typeface="+mj-cs"/>
-        <a:sym typeface="Times New Roman"/>
+        <a:sym typeface="Times New Roman" panose="02020603050405020304"/>
       </a:defRPr>
     </a:lvl4pPr>
     <a:lvl5pPr indent="914400" defTabSz="457200" latinLnBrk="0">
@@ -462,7 +448,7 @@
         <a:latin typeface="+mj-lt"/>
         <a:ea typeface="+mj-ea"/>
         <a:cs typeface="+mj-cs"/>
-        <a:sym typeface="Times New Roman"/>
+        <a:sym typeface="Times New Roman" panose="02020603050405020304"/>
       </a:defRPr>
     </a:lvl5pPr>
     <a:lvl6pPr indent="1143000" defTabSz="457200" latinLnBrk="0">
@@ -473,7 +459,7 @@
         <a:latin typeface="+mj-lt"/>
         <a:ea typeface="+mj-ea"/>
         <a:cs typeface="+mj-cs"/>
-        <a:sym typeface="Times New Roman"/>
+        <a:sym typeface="Times New Roman" panose="02020603050405020304"/>
       </a:defRPr>
     </a:lvl6pPr>
     <a:lvl7pPr indent="1371600" defTabSz="457200" latinLnBrk="0">
@@ -484,7 +470,7 @@
         <a:latin typeface="+mj-lt"/>
         <a:ea typeface="+mj-ea"/>
         <a:cs typeface="+mj-cs"/>
-        <a:sym typeface="Times New Roman"/>
+        <a:sym typeface="Times New Roman" panose="02020603050405020304"/>
       </a:defRPr>
     </a:lvl7pPr>
     <a:lvl8pPr indent="1600200" defTabSz="457200" latinLnBrk="0">
@@ -495,7 +481,7 @@
         <a:latin typeface="+mj-lt"/>
         <a:ea typeface="+mj-ea"/>
         <a:cs typeface="+mj-cs"/>
-        <a:sym typeface="Times New Roman"/>
+        <a:sym typeface="Times New Roman" panose="02020603050405020304"/>
       </a:defRPr>
     </a:lvl8pPr>
     <a:lvl9pPr indent="1828800" defTabSz="457200" latinLnBrk="0">
@@ -506,7 +492,7 @@
         <a:latin typeface="+mj-lt"/>
         <a:ea typeface="+mj-ea"/>
         <a:cs typeface="+mj-cs"/>
-        <a:sym typeface="Times New Roman"/>
+        <a:sym typeface="Times New Roman" panose="02020603050405020304"/>
       </a:defRPr>
     </a:lvl9pPr>
   </p:notesStyle>
@@ -514,7 +500,7 @@
 </file>
 
 <file path=ppt/slideLayouts/slideLayout1.xml><?xml version="1.0" encoding="utf-8"?>
-<p:sldLayout xmlns:a="http://schemas.openxmlformats.org/drawingml/2006/main" xmlns:r="http://schemas.openxmlformats.org/officeDocument/2006/relationships" xmlns:p="http://schemas.openxmlformats.org/presentationml/2006/main" xmlns:m="http://schemas.openxmlformats.org/officeDocument/2006/math" xmlns:a14="http://schemas.microsoft.com/office/drawing/2010/main" type="title" showMasterSp="1" showMasterPhAnim="1">
+<p:sldLayout xmlns:a="http://schemas.openxmlformats.org/drawingml/2006/main" xmlns:r="http://schemas.openxmlformats.org/officeDocument/2006/relationships" xmlns:p="http://schemas.openxmlformats.org/presentationml/2006/main" type="title">
   <p:cSld name="Default">
     <p:spTree>
       <p:nvGrpSpPr>
@@ -535,7 +521,7 @@
           <p:cNvPr id="15" name="Title Text"/>
           <p:cNvSpPr txBox="1"/>
           <p:nvPr>
-            <p:ph type="title"/>
+            <p:ph type="title" hasCustomPrompt="1"/>
           </p:nvPr>
         </p:nvSpPr>
         <p:spPr>
@@ -547,7 +533,6 @@
           <a:bodyPr/>
           <a:lstStyle/>
           <a:p>
-            <a:pPr/>
             <a:r>
               <a:t>Title Text</a:t>
             </a:r>
@@ -559,7 +544,7 @@
           <p:cNvPr id="16" name="Body Level One…"/>
           <p:cNvSpPr txBox="1"/>
           <p:nvPr>
-            <p:ph type="body" idx="1"/>
+            <p:ph type="body" idx="1" hasCustomPrompt="1"/>
           </p:nvPr>
         </p:nvSpPr>
         <p:spPr>
@@ -571,7 +556,6 @@
           <a:bodyPr/>
           <a:lstStyle/>
           <a:p>
-            <a:pPr/>
             <a:r>
               <a:t>Body Level One</a:t>
             </a:r>
@@ -619,8 +603,10 @@
           <a:bodyPr/>
           <a:lstStyle/>
           <a:p>
-            <a:pPr/>
-            <a:fld id="{86CB4B4D-7CA3-9044-876B-883B54F8677D}" type="slidenum"/>
+            <a:fld id="{86CB4B4D-7CA3-9044-876B-883B54F8677D}" type="slidenum">
+              <a:rPr/>
+            </a:fld>
+            <a:endParaRPr/>
           </a:p>
         </p:txBody>
       </p:sp>
@@ -629,22 +615,23 @@
   <p:clrMapOvr>
     <a:masterClrMapping/>
   </p:clrMapOvr>
-  <p:transition xmlns:p14="http://schemas.microsoft.com/office/powerpoint/2010/main" spd="med" advClick="1"/>
+  <p:transition spd="med"/>
 </p:sldLayout>
 </file>
 
 <file path=ppt/slideLayouts/slideLayout2.xml><?xml version="1.0" encoding="utf-8"?>
-<p:sldLayout xmlns:a="http://schemas.openxmlformats.org/drawingml/2006/main" xmlns:r="http://schemas.openxmlformats.org/officeDocument/2006/relationships" xmlns:p="http://schemas.openxmlformats.org/presentationml/2006/main" xmlns:m="http://schemas.openxmlformats.org/officeDocument/2006/math" xmlns:a14="http://schemas.microsoft.com/office/drawing/2010/main" type="tx" showMasterSp="0" showMasterPhAnim="1">
+<p:sldLayout xmlns:a="http://schemas.openxmlformats.org/drawingml/2006/main" xmlns:r="http://schemas.openxmlformats.org/officeDocument/2006/relationships" xmlns:p="http://schemas.openxmlformats.org/presentationml/2006/main" type="tx" showMasterSp="0">
   <p:cSld name="Default">
     <p:bg>
       <p:bgPr>
         <a:blipFill rotWithShape="1">
           <a:blip r:embed="rId2"/>
-          <a:srcRect l="0" t="0" r="0" b="0"/>
+          <a:srcRect/>
           <a:stretch>
             <a:fillRect/>
           </a:stretch>
         </a:blipFill>
+        <a:effectLst/>
       </p:bgPr>
     </p:bg>
     <p:spTree>
@@ -678,11 +665,6 @@
           <a:ln w="12700">
             <a:miter lim="400000"/>
           </a:ln>
-          <a:extLst>
-            <a:ext uri="{C572A759-6A51-4108-AA02-DFA0A04FC94B}">
-              <ma14:wrappingTextBoxFlag xmlns:ma14="http://schemas.microsoft.com/office/mac/drawingml/2011/main" val="1"/>
-            </a:ext>
-          </a:extLst>
         </p:spPr>
         <p:txBody>
           <a:bodyPr lIns="46799" tIns="46799" rIns="46799" bIns="46799" anchor="b">
@@ -716,15 +698,14 @@
                 <a:tab pos="9144000" algn="l"/>
               </a:tabLst>
               <a:defRPr sz="1000">
-                <a:latin typeface="Century Gothic"/>
-                <a:ea typeface="Century Gothic"/>
-                <a:cs typeface="Century Gothic"/>
-                <a:sym typeface="Century Gothic"/>
+                <a:latin typeface="Century Gothic" panose="020B0502020202020204"/>
+                <a:ea typeface="Century Gothic" panose="020B0502020202020204"/>
+                <a:cs typeface="Century Gothic" panose="020B0502020202020204"/>
+                <a:sym typeface="Century Gothic" panose="020B0502020202020204"/>
               </a:defRPr>
             </a:lvl1pPr>
           </a:lstStyle>
           <a:p>
-            <a:pPr/>
             <a:r>
               <a:t>Copyright © 2011 Pearson Education, Inc. Publishing as Pearson Addison-Wesley</a:t>
             </a:r>
@@ -740,9 +721,7 @@
           <p:nvPr/>
         </p:nvPicPr>
         <p:blipFill>
-          <a:blip r:embed="rId3">
-            <a:extLst/>
-          </a:blip>
+          <a:blip r:embed="rId3"/>
           <a:stretch>
             <a:fillRect/>
           </a:stretch>
@@ -757,6 +736,8 @@
           </a:prstGeom>
           <a:ln w="12700">
             <a:miter lim="400000"/>
+            <a:headEnd/>
+            <a:tailEnd/>
           </a:ln>
         </p:spPr>
       </p:pic>
@@ -769,9 +750,7 @@
           <p:nvPr/>
         </p:nvPicPr>
         <p:blipFill>
-          <a:blip r:embed="rId4">
-            <a:extLst/>
-          </a:blip>
+          <a:blip r:embed="rId4"/>
           <a:stretch>
             <a:fillRect/>
           </a:stretch>
@@ -786,6 +765,8 @@
           </a:prstGeom>
           <a:ln w="12700">
             <a:miter lim="400000"/>
+            <a:headEnd/>
+            <a:tailEnd/>
           </a:ln>
         </p:spPr>
       </p:pic>
@@ -794,7 +775,7 @@
           <p:cNvPr id="27" name="Title Text"/>
           <p:cNvSpPr txBox="1"/>
           <p:nvPr>
-            <p:ph type="title"/>
+            <p:ph type="title" hasCustomPrompt="1"/>
           </p:nvPr>
         </p:nvSpPr>
         <p:spPr>
@@ -810,7 +791,6 @@
           <a:bodyPr/>
           <a:lstStyle/>
           <a:p>
-            <a:pPr/>
             <a:r>
               <a:t>Title Text</a:t>
             </a:r>
@@ -822,7 +802,7 @@
           <p:cNvPr id="28" name="Body Level One…"/>
           <p:cNvSpPr txBox="1"/>
           <p:nvPr>
-            <p:ph type="body" sz="quarter" idx="1"/>
+            <p:ph type="body" sz="quarter" idx="1" hasCustomPrompt="1"/>
           </p:nvPr>
         </p:nvSpPr>
         <p:spPr>
@@ -844,7 +824,6 @@
             <a:lvl5pPr algn="ctr"/>
           </a:lstStyle>
           <a:p>
-            <a:pPr/>
             <a:r>
               <a:t>Body Level One</a:t>
             </a:r>
@@ -892,8 +871,10 @@
           <a:bodyPr/>
           <a:lstStyle/>
           <a:p>
-            <a:pPr/>
-            <a:fld id="{86CB4B4D-7CA3-9044-876B-883B54F8677D}" type="slidenum"/>
+            <a:fld id="{86CB4B4D-7CA3-9044-876B-883B54F8677D}" type="slidenum">
+              <a:rPr/>
+            </a:fld>
+            <a:endParaRPr/>
           </a:p>
         </p:txBody>
       </p:sp>
@@ -902,22 +883,23 @@
   <p:clrMapOvr>
     <a:masterClrMapping/>
   </p:clrMapOvr>
-  <p:transition xmlns:p14="http://schemas.microsoft.com/office/powerpoint/2010/main" spd="med" advClick="1"/>
+  <p:transition spd="med"/>
 </p:sldLayout>
 </file>
 
 <file path=ppt/slideLayouts/slideLayout3.xml><?xml version="1.0" encoding="utf-8"?>
-<p:sldLayout xmlns:a="http://schemas.openxmlformats.org/drawingml/2006/main" xmlns:r="http://schemas.openxmlformats.org/officeDocument/2006/relationships" xmlns:p="http://schemas.openxmlformats.org/presentationml/2006/main" xmlns:m="http://schemas.openxmlformats.org/officeDocument/2006/math" xmlns:a14="http://schemas.microsoft.com/office/drawing/2010/main" type="tx" showMasterSp="0" showMasterPhAnim="1">
+<p:sldLayout xmlns:a="http://schemas.openxmlformats.org/drawingml/2006/main" xmlns:r="http://schemas.openxmlformats.org/officeDocument/2006/relationships" xmlns:p="http://schemas.openxmlformats.org/presentationml/2006/main" type="tx" showMasterSp="0">
   <p:cSld name="Default">
     <p:bg>
       <p:bgPr>
         <a:blipFill rotWithShape="1">
           <a:blip r:embed="rId2"/>
-          <a:srcRect l="0" t="0" r="0" b="0"/>
+          <a:srcRect/>
           <a:stretch>
             <a:fillRect/>
           </a:stretch>
         </a:blipFill>
+        <a:effectLst/>
       </p:bgPr>
     </p:bg>
     <p:spTree>
@@ -951,11 +933,6 @@
           <a:ln w="12700">
             <a:miter lim="400000"/>
           </a:ln>
-          <a:extLst>
-            <a:ext uri="{C572A759-6A51-4108-AA02-DFA0A04FC94B}">
-              <ma14:wrappingTextBoxFlag xmlns:ma14="http://schemas.microsoft.com/office/mac/drawingml/2011/main" val="1"/>
-            </a:ext>
-          </a:extLst>
         </p:spPr>
         <p:txBody>
           <a:bodyPr lIns="46799" tIns="46799" rIns="46799" bIns="46799" anchor="b">
@@ -989,15 +966,14 @@
                 <a:tab pos="9144000" algn="l"/>
               </a:tabLst>
               <a:defRPr sz="1000">
-                <a:latin typeface="Century Gothic"/>
-                <a:ea typeface="Century Gothic"/>
-                <a:cs typeface="Century Gothic"/>
-                <a:sym typeface="Century Gothic"/>
+                <a:latin typeface="Century Gothic" panose="020B0502020202020204"/>
+                <a:ea typeface="Century Gothic" panose="020B0502020202020204"/>
+                <a:cs typeface="Century Gothic" panose="020B0502020202020204"/>
+                <a:sym typeface="Century Gothic" panose="020B0502020202020204"/>
               </a:defRPr>
             </a:lvl1pPr>
           </a:lstStyle>
           <a:p>
-            <a:pPr/>
             <a:r>
               <a:t>Copyright © 2011 Pearson Education, Inc. Publishing as Pearson Addison-Wesley</a:t>
             </a:r>
@@ -1013,9 +989,7 @@
           <p:nvPr/>
         </p:nvPicPr>
         <p:blipFill>
-          <a:blip r:embed="rId3">
-            <a:extLst/>
-          </a:blip>
+          <a:blip r:embed="rId3"/>
           <a:stretch>
             <a:fillRect/>
           </a:stretch>
@@ -1030,6 +1004,8 @@
           </a:prstGeom>
           <a:ln w="12700">
             <a:miter lim="400000"/>
+            <a:headEnd/>
+            <a:tailEnd/>
           </a:ln>
         </p:spPr>
       </p:pic>
@@ -1042,9 +1018,7 @@
           <p:nvPr/>
         </p:nvPicPr>
         <p:blipFill>
-          <a:blip r:embed="rId4">
-            <a:extLst/>
-          </a:blip>
+          <a:blip r:embed="rId4"/>
           <a:stretch>
             <a:fillRect/>
           </a:stretch>
@@ -1059,6 +1033,8 @@
           </a:prstGeom>
           <a:ln w="12700">
             <a:miter lim="400000"/>
+            <a:headEnd/>
+            <a:tailEnd/>
           </a:ln>
         </p:spPr>
       </p:pic>
@@ -1067,7 +1043,7 @@
           <p:cNvPr id="39" name="Title Text"/>
           <p:cNvSpPr txBox="1"/>
           <p:nvPr>
-            <p:ph type="title"/>
+            <p:ph type="title" hasCustomPrompt="1"/>
           </p:nvPr>
         </p:nvSpPr>
         <p:spPr>
@@ -1079,7 +1055,6 @@
           <a:bodyPr/>
           <a:lstStyle/>
           <a:p>
-            <a:pPr/>
             <a:r>
               <a:t>Title Text</a:t>
             </a:r>
@@ -1091,7 +1066,7 @@
           <p:cNvPr id="40" name="Body Level One…"/>
           <p:cNvSpPr txBox="1"/>
           <p:nvPr>
-            <p:ph type="body" idx="1"/>
+            <p:ph type="body" idx="1" hasCustomPrompt="1"/>
           </p:nvPr>
         </p:nvSpPr>
         <p:spPr>
@@ -1103,7 +1078,6 @@
           <a:bodyPr/>
           <a:lstStyle/>
           <a:p>
-            <a:pPr/>
             <a:r>
               <a:t>Body Level One</a:t>
             </a:r>
@@ -1151,8 +1125,10 @@
           <a:bodyPr/>
           <a:lstStyle/>
           <a:p>
-            <a:pPr/>
-            <a:fld id="{86CB4B4D-7CA3-9044-876B-883B54F8677D}" type="slidenum"/>
+            <a:fld id="{86CB4B4D-7CA3-9044-876B-883B54F8677D}" type="slidenum">
+              <a:rPr/>
+            </a:fld>
+            <a:endParaRPr/>
           </a:p>
         </p:txBody>
       </p:sp>
@@ -1161,22 +1137,23 @@
   <p:clrMapOvr>
     <a:masterClrMapping/>
   </p:clrMapOvr>
-  <p:transition xmlns:p14="http://schemas.microsoft.com/office/powerpoint/2010/main" spd="med" advClick="1"/>
+  <p:transition spd="med"/>
 </p:sldLayout>
 </file>
 
 <file path=ppt/slideLayouts/slideLayout4.xml><?xml version="1.0" encoding="utf-8"?>
-<p:sldLayout xmlns:a="http://schemas.openxmlformats.org/drawingml/2006/main" xmlns:r="http://schemas.openxmlformats.org/officeDocument/2006/relationships" xmlns:p="http://schemas.openxmlformats.org/presentationml/2006/main" xmlns:m="http://schemas.openxmlformats.org/officeDocument/2006/math" xmlns:a14="http://schemas.microsoft.com/office/drawing/2010/main" type="tx" showMasterSp="0" showMasterPhAnim="1">
+<p:sldLayout xmlns:a="http://schemas.openxmlformats.org/drawingml/2006/main" xmlns:r="http://schemas.openxmlformats.org/officeDocument/2006/relationships" xmlns:p="http://schemas.openxmlformats.org/presentationml/2006/main" type="tx" showMasterSp="0">
   <p:cSld name="Default">
     <p:bg>
       <p:bgPr>
         <a:blipFill rotWithShape="1">
           <a:blip r:embed="rId2"/>
-          <a:srcRect l="0" t="0" r="0" b="0"/>
+          <a:srcRect/>
           <a:stretch>
             <a:fillRect/>
           </a:stretch>
         </a:blipFill>
+        <a:effectLst/>
       </p:bgPr>
     </p:bg>
     <p:spTree>
@@ -1210,11 +1187,6 @@
           <a:ln w="12700">
             <a:miter lim="400000"/>
           </a:ln>
-          <a:extLst>
-            <a:ext uri="{C572A759-6A51-4108-AA02-DFA0A04FC94B}">
-              <ma14:wrappingTextBoxFlag xmlns:ma14="http://schemas.microsoft.com/office/mac/drawingml/2011/main" val="1"/>
-            </a:ext>
-          </a:extLst>
         </p:spPr>
         <p:txBody>
           <a:bodyPr lIns="46799" tIns="46799" rIns="46799" bIns="46799" anchor="b">
@@ -1248,15 +1220,14 @@
                 <a:tab pos="9144000" algn="l"/>
               </a:tabLst>
               <a:defRPr sz="1000">
-                <a:latin typeface="Century Gothic"/>
-                <a:ea typeface="Century Gothic"/>
-                <a:cs typeface="Century Gothic"/>
-                <a:sym typeface="Century Gothic"/>
+                <a:latin typeface="Century Gothic" panose="020B0502020202020204"/>
+                <a:ea typeface="Century Gothic" panose="020B0502020202020204"/>
+                <a:cs typeface="Century Gothic" panose="020B0502020202020204"/>
+                <a:sym typeface="Century Gothic" panose="020B0502020202020204"/>
               </a:defRPr>
             </a:lvl1pPr>
           </a:lstStyle>
           <a:p>
-            <a:pPr/>
             <a:r>
               <a:t>Copyright © 2011 Pearson Education, Inc. Publishing as Pearson Addison-Wesley</a:t>
             </a:r>
@@ -1272,9 +1243,7 @@
           <p:nvPr/>
         </p:nvPicPr>
         <p:blipFill>
-          <a:blip r:embed="rId3">
-            <a:extLst/>
-          </a:blip>
+          <a:blip r:embed="rId3"/>
           <a:stretch>
             <a:fillRect/>
           </a:stretch>
@@ -1289,6 +1258,8 @@
           </a:prstGeom>
           <a:ln w="12700">
             <a:miter lim="400000"/>
+            <a:headEnd/>
+            <a:tailEnd/>
           </a:ln>
         </p:spPr>
       </p:pic>
@@ -1301,9 +1272,7 @@
           <p:nvPr/>
         </p:nvPicPr>
         <p:blipFill>
-          <a:blip r:embed="rId4">
-            <a:extLst/>
-          </a:blip>
+          <a:blip r:embed="rId4"/>
           <a:stretch>
             <a:fillRect/>
           </a:stretch>
@@ -1318,6 +1287,8 @@
           </a:prstGeom>
           <a:ln w="12700">
             <a:miter lim="400000"/>
+            <a:headEnd/>
+            <a:tailEnd/>
           </a:ln>
         </p:spPr>
       </p:pic>
@@ -1326,7 +1297,7 @@
           <p:cNvPr id="51" name="Title Text"/>
           <p:cNvSpPr txBox="1"/>
           <p:nvPr>
-            <p:ph type="title"/>
+            <p:ph type="title" hasCustomPrompt="1"/>
           </p:nvPr>
         </p:nvSpPr>
         <p:spPr>
@@ -1338,7 +1309,6 @@
           <a:bodyPr/>
           <a:lstStyle/>
           <a:p>
-            <a:pPr/>
             <a:r>
               <a:t>Title Text</a:t>
             </a:r>
@@ -1350,7 +1320,7 @@
           <p:cNvPr id="52" name="Body Level One…"/>
           <p:cNvSpPr txBox="1"/>
           <p:nvPr>
-            <p:ph type="body" sz="half" idx="1"/>
+            <p:ph type="body" sz="half" idx="1" hasCustomPrompt="1"/>
           </p:nvPr>
         </p:nvSpPr>
         <p:spPr>
@@ -1366,7 +1336,6 @@
           <a:bodyPr/>
           <a:lstStyle/>
           <a:p>
-            <a:pPr/>
             <a:r>
               <a:t>Body Level One</a:t>
             </a:r>
@@ -1414,8 +1383,10 @@
           <a:bodyPr/>
           <a:lstStyle/>
           <a:p>
-            <a:pPr/>
-            <a:fld id="{86CB4B4D-7CA3-9044-876B-883B54F8677D}" type="slidenum"/>
+            <a:fld id="{86CB4B4D-7CA3-9044-876B-883B54F8677D}" type="slidenum">
+              <a:rPr/>
+            </a:fld>
+            <a:endParaRPr/>
           </a:p>
         </p:txBody>
       </p:sp>
@@ -1424,22 +1395,23 @@
   <p:clrMapOvr>
     <a:masterClrMapping/>
   </p:clrMapOvr>
-  <p:transition xmlns:p14="http://schemas.microsoft.com/office/powerpoint/2010/main" spd="med" advClick="1"/>
+  <p:transition spd="med"/>
 </p:sldLayout>
 </file>
 
 <file path=ppt/slideMasters/slideMaster1.xml><?xml version="1.0" encoding="utf-8"?>
-<p:sldMaster xmlns:a="http://schemas.openxmlformats.org/drawingml/2006/main" xmlns:r="http://schemas.openxmlformats.org/officeDocument/2006/relationships" xmlns:p="http://schemas.openxmlformats.org/presentationml/2006/main" xmlns:m="http://schemas.openxmlformats.org/officeDocument/2006/math" xmlns:a14="http://schemas.microsoft.com/office/drawing/2010/main">
+<p:sldMaster xmlns:a="http://schemas.openxmlformats.org/drawingml/2006/main" xmlns:r="http://schemas.openxmlformats.org/officeDocument/2006/relationships" xmlns:p="http://schemas.openxmlformats.org/presentationml/2006/main">
   <p:cSld>
     <p:bg>
       <p:bgPr>
         <a:blipFill rotWithShape="1">
-          <a:blip r:embed="rId2"/>
-          <a:srcRect l="0" t="0" r="0" b="0"/>
+          <a:blip r:embed="rId5"/>
+          <a:srcRect/>
           <a:stretch>
             <a:fillRect/>
           </a:stretch>
         </a:blipFill>
+        <a:effectLst/>
       </p:bgPr>
     </p:bg>
     <p:spTree>
@@ -1473,11 +1445,6 @@
           <a:ln w="12700">
             <a:miter lim="400000"/>
           </a:ln>
-          <a:extLst>
-            <a:ext uri="{C572A759-6A51-4108-AA02-DFA0A04FC94B}">
-              <ma14:wrappingTextBoxFlag xmlns:ma14="http://schemas.microsoft.com/office/mac/drawingml/2011/main" val="1"/>
-            </a:ext>
-          </a:extLst>
         </p:spPr>
         <p:txBody>
           <a:bodyPr lIns="46799" tIns="46799" rIns="46799" bIns="46799" anchor="b">
@@ -1511,15 +1478,14 @@
                 <a:tab pos="9144000" algn="l"/>
               </a:tabLst>
               <a:defRPr sz="1000">
-                <a:latin typeface="Century Gothic"/>
-                <a:ea typeface="Century Gothic"/>
-                <a:cs typeface="Century Gothic"/>
-                <a:sym typeface="Century Gothic"/>
+                <a:latin typeface="Century Gothic" panose="020B0502020202020204"/>
+                <a:ea typeface="Century Gothic" panose="020B0502020202020204"/>
+                <a:cs typeface="Century Gothic" panose="020B0502020202020204"/>
+                <a:sym typeface="Century Gothic" panose="020B0502020202020204"/>
               </a:defRPr>
             </a:lvl1pPr>
           </a:lstStyle>
           <a:p>
-            <a:pPr/>
             <a:r>
               <a:t>Copyright © 2011 Pearson Education, Inc. Publishing as Pearson Addison-Wesley</a:t>
             </a:r>
@@ -1535,9 +1501,7 @@
           <p:nvPr/>
         </p:nvPicPr>
         <p:blipFill>
-          <a:blip r:embed="rId3">
-            <a:extLst/>
-          </a:blip>
+          <a:blip r:embed="rId6"/>
           <a:stretch>
             <a:fillRect/>
           </a:stretch>
@@ -1552,6 +1516,8 @@
           </a:prstGeom>
           <a:ln w="12700">
             <a:miter lim="400000"/>
+            <a:headEnd/>
+            <a:tailEnd/>
           </a:ln>
         </p:spPr>
       </p:pic>
@@ -1564,9 +1530,7 @@
           <p:nvPr/>
         </p:nvPicPr>
         <p:blipFill>
-          <a:blip r:embed="rId4">
-            <a:extLst/>
-          </a:blip>
+          <a:blip r:embed="rId7"/>
           <a:stretch>
             <a:fillRect/>
           </a:stretch>
@@ -1581,6 +1545,8 @@
           </a:prstGeom>
           <a:ln w="12700">
             <a:miter lim="400000"/>
+            <a:headEnd/>
+            <a:tailEnd/>
           </a:ln>
         </p:spPr>
       </p:pic>
@@ -1601,11 +1567,6 @@
           <a:ln w="12700">
             <a:miter lim="400000"/>
           </a:ln>
-          <a:extLst>
-            <a:ext uri="{C572A759-6A51-4108-AA02-DFA0A04FC94B}">
-              <ma14:wrappingTextBoxFlag xmlns:ma14="http://schemas.microsoft.com/office/mac/drawingml/2011/main" val="1"/>
-            </a:ext>
-          </a:extLst>
         </p:spPr>
         <p:txBody>
           <a:bodyPr lIns="46799" tIns="46799" rIns="46799" bIns="46799">
@@ -1639,14 +1600,14 @@
                 <a:tab pos="8686800" algn="l"/>
                 <a:tab pos="9144000" algn="l"/>
               </a:tabLst>
-              <a:defRPr b="1" sz="2800">
+              <a:defRPr sz="2800" b="1">
                 <a:solidFill>
                   <a:srgbClr val="800000"/>
                 </a:solidFill>
-                <a:latin typeface="Century Gothic"/>
-                <a:ea typeface="Century Gothic"/>
-                <a:cs typeface="Century Gothic"/>
-                <a:sym typeface="Century Gothic"/>
+                <a:latin typeface="Century Gothic" panose="020B0502020202020204"/>
+                <a:ea typeface="Century Gothic" panose="020B0502020202020204"/>
+                <a:cs typeface="Century Gothic" panose="020B0502020202020204"/>
+                <a:sym typeface="Century Gothic" panose="020B0502020202020204"/>
               </a:defRPr>
             </a:pPr>
             <a:r>
@@ -1680,14 +1641,14 @@
                 <a:tab pos="8686800" algn="l"/>
                 <a:tab pos="9144000" algn="l"/>
               </a:tabLst>
-              <a:defRPr b="1" sz="2800">
+              <a:defRPr sz="2800" b="1">
                 <a:solidFill>
                   <a:srgbClr val="800000"/>
                 </a:solidFill>
-                <a:latin typeface="Century Gothic"/>
-                <a:ea typeface="Century Gothic"/>
-                <a:cs typeface="Century Gothic"/>
-                <a:sym typeface="Century Gothic"/>
+                <a:latin typeface="Century Gothic" panose="020B0502020202020204"/>
+                <a:ea typeface="Century Gothic" panose="020B0502020202020204"/>
+                <a:cs typeface="Century Gothic" panose="020B0502020202020204"/>
+                <a:sym typeface="Century Gothic" panose="020B0502020202020204"/>
               </a:defRPr>
             </a:pPr>
             <a:r>
@@ -1715,19 +1676,13 @@
           <a:ln w="12700">
             <a:miter lim="400000"/>
           </a:ln>
-          <a:extLst>
-            <a:ext uri="{C572A759-6A51-4108-AA02-DFA0A04FC94B}">
-              <ma14:wrappingTextBoxFlag xmlns:ma14="http://schemas.microsoft.com/office/mac/drawingml/2011/main" val="1"/>
-            </a:ext>
-          </a:extLst>
         </p:spPr>
         <p:txBody>
           <a:bodyPr lIns="0" tIns="0" rIns="0" bIns="0" anchor="ctr">
-            <a:normAutofit fontScale="100000" lnSpcReduction="0"/>
+            <a:normAutofit/>
           </a:bodyPr>
           <a:lstStyle/>
           <a:p>
-            <a:pPr/>
             <a:r>
               <a:t>Title Text</a:t>
             </a:r>
@@ -1753,19 +1708,13 @@
           <a:ln w="12700">
             <a:miter lim="400000"/>
           </a:ln>
-          <a:extLst>
-            <a:ext uri="{C572A759-6A51-4108-AA02-DFA0A04FC94B}">
-              <ma14:wrappingTextBoxFlag xmlns:ma14="http://schemas.microsoft.com/office/mac/drawingml/2011/main" val="1"/>
-            </a:ext>
-          </a:extLst>
         </p:spPr>
         <p:txBody>
           <a:bodyPr lIns="0" tIns="0" rIns="0" bIns="0">
-            <a:normAutofit fontScale="100000" lnSpcReduction="0"/>
+            <a:normAutofit/>
           </a:bodyPr>
           <a:lstStyle/>
           <a:p>
-            <a:pPr/>
             <a:r>
               <a:t>Body Level One</a:t>
             </a:r>
@@ -1823,16 +1772,18 @@
           <a:lstStyle>
             <a:lvl1pPr algn="r">
               <a:defRPr sz="1200">
-                <a:latin typeface="Arial"/>
-                <a:ea typeface="Arial"/>
-                <a:cs typeface="Arial"/>
-                <a:sym typeface="Arial"/>
+                <a:latin typeface="Arial" panose="020B0604020202020204"/>
+                <a:ea typeface="Arial" panose="020B0604020202020204"/>
+                <a:cs typeface="Arial" panose="020B0604020202020204"/>
+                <a:sym typeface="Arial" panose="020B0604020202020204"/>
               </a:defRPr>
             </a:lvl1pPr>
           </a:lstStyle>
           <a:p>
-            <a:pPr/>
-            <a:fld id="{86CB4B4D-7CA3-9044-876B-883B54F8677D}" type="slidenum"/>
+            <a:fld id="{86CB4B4D-7CA3-9044-876B-883B54F8677D}" type="slidenum">
+              <a:rPr/>
+            </a:fld>
+            <a:endParaRPr/>
           </a:p>
         </p:txBody>
       </p:sp>
@@ -1840,12 +1791,12 @@
   </p:cSld>
   <p:clrMap bg1="lt1" tx1="dk1" bg2="lt2" tx2="dk2" accent1="accent1" accent2="accent2" accent3="accent3" accent4="accent4" accent5="accent5" accent6="accent6" hlink="hlink" folHlink="folHlink"/>
   <p:sldLayoutIdLst>
-    <p:sldLayoutId id="2147483649" r:id="rId5"/>
-    <p:sldLayoutId id="2147483650" r:id="rId6"/>
-    <p:sldLayoutId id="2147483651" r:id="rId7"/>
-    <p:sldLayoutId id="2147483652" r:id="rId8"/>
+    <p:sldLayoutId id="2147483649" r:id="rId1"/>
+    <p:sldLayoutId id="2147483650" r:id="rId2"/>
+    <p:sldLayoutId id="2147483651" r:id="rId3"/>
+    <p:sldLayoutId id="2147483652" r:id="rId4"/>
   </p:sldLayoutIdLst>
-  <p:transition xmlns:p14="http://schemas.microsoft.com/office/powerpoint/2010/main" spd="med" advClick="1"/>
+  <p:transition spd="med"/>
   <p:txStyles>
     <p:titleStyle>
       <a:lvl1pPr marL="0" marR="0" indent="0" algn="ctr" defTabSz="457200" rtl="0" latinLnBrk="0">
@@ -1862,8 +1813,7 @@
         <a:buSzTx/>
         <a:buFontTx/>
         <a:buNone/>
-        <a:tabLst/>
-        <a:defRPr b="0" baseline="0" cap="none" i="0" spc="0" strike="noStrike" sz="4400" u="none">
+        <a:defRPr sz="4400" b="0" i="0" u="none" strike="noStrike" cap="none" spc="0" baseline="0">
           <a:ln>
             <a:noFill/>
           </a:ln>
@@ -1871,10 +1821,10 @@
             <a:srgbClr val="000000"/>
           </a:solidFill>
           <a:uFillTx/>
-          <a:latin typeface="Arial"/>
-          <a:ea typeface="Arial"/>
-          <a:cs typeface="Arial"/>
-          <a:sym typeface="Arial"/>
+          <a:latin typeface="Arial" panose="020B0604020202020204"/>
+          <a:ea typeface="Arial" panose="020B0604020202020204"/>
+          <a:cs typeface="Arial" panose="020B0604020202020204"/>
+          <a:sym typeface="Arial" panose="020B0604020202020204"/>
         </a:defRPr>
       </a:lvl1pPr>
       <a:lvl2pPr marL="0" marR="0" indent="0" algn="ctr" defTabSz="457200" rtl="0" latinLnBrk="0">
@@ -1891,8 +1841,7 @@
         <a:buSzTx/>
         <a:buFontTx/>
         <a:buNone/>
-        <a:tabLst/>
-        <a:defRPr b="0" baseline="0" cap="none" i="0" spc="0" strike="noStrike" sz="4400" u="none">
+        <a:defRPr sz="4400" b="0" i="0" u="none" strike="noStrike" cap="none" spc="0" baseline="0">
           <a:ln>
             <a:noFill/>
           </a:ln>
@@ -1900,10 +1849,10 @@
             <a:srgbClr val="000000"/>
           </a:solidFill>
           <a:uFillTx/>
-          <a:latin typeface="Arial"/>
-          <a:ea typeface="Arial"/>
-          <a:cs typeface="Arial"/>
-          <a:sym typeface="Arial"/>
+          <a:latin typeface="Arial" panose="020B0604020202020204"/>
+          <a:ea typeface="Arial" panose="020B0604020202020204"/>
+          <a:cs typeface="Arial" panose="020B0604020202020204"/>
+          <a:sym typeface="Arial" panose="020B0604020202020204"/>
         </a:defRPr>
       </a:lvl2pPr>
       <a:lvl3pPr marL="0" marR="0" indent="0" algn="ctr" defTabSz="457200" rtl="0" latinLnBrk="0">
@@ -1920,8 +1869,7 @@
         <a:buSzTx/>
         <a:buFontTx/>
         <a:buNone/>
-        <a:tabLst/>
-        <a:defRPr b="0" baseline="0" cap="none" i="0" spc="0" strike="noStrike" sz="4400" u="none">
+        <a:defRPr sz="4400" b="0" i="0" u="none" strike="noStrike" cap="none" spc="0" baseline="0">
           <a:ln>
             <a:noFill/>
           </a:ln>
@@ -1929,10 +1877,10 @@
             <a:srgbClr val="000000"/>
           </a:solidFill>
           <a:uFillTx/>
-          <a:latin typeface="Arial"/>
-          <a:ea typeface="Arial"/>
-          <a:cs typeface="Arial"/>
-          <a:sym typeface="Arial"/>
+          <a:latin typeface="Arial" panose="020B0604020202020204"/>
+          <a:ea typeface="Arial" panose="020B0604020202020204"/>
+          <a:cs typeface="Arial" panose="020B0604020202020204"/>
+          <a:sym typeface="Arial" panose="020B0604020202020204"/>
         </a:defRPr>
       </a:lvl3pPr>
       <a:lvl4pPr marL="0" marR="0" indent="0" algn="ctr" defTabSz="457200" rtl="0" latinLnBrk="0">
@@ -1949,8 +1897,7 @@
         <a:buSzTx/>
         <a:buFontTx/>
         <a:buNone/>
-        <a:tabLst/>
-        <a:defRPr b="0" baseline="0" cap="none" i="0" spc="0" strike="noStrike" sz="4400" u="none">
+        <a:defRPr sz="4400" b="0" i="0" u="none" strike="noStrike" cap="none" spc="0" baseline="0">
           <a:ln>
             <a:noFill/>
           </a:ln>
@@ -1958,10 +1905,10 @@
             <a:srgbClr val="000000"/>
           </a:solidFill>
           <a:uFillTx/>
-          <a:latin typeface="Arial"/>
-          <a:ea typeface="Arial"/>
-          <a:cs typeface="Arial"/>
-          <a:sym typeface="Arial"/>
+          <a:latin typeface="Arial" panose="020B0604020202020204"/>
+          <a:ea typeface="Arial" panose="020B0604020202020204"/>
+          <a:cs typeface="Arial" panose="020B0604020202020204"/>
+          <a:sym typeface="Arial" panose="020B0604020202020204"/>
         </a:defRPr>
       </a:lvl4pPr>
       <a:lvl5pPr marL="0" marR="0" indent="0" algn="ctr" defTabSz="457200" rtl="0" latinLnBrk="0">
@@ -1978,8 +1925,7 @@
         <a:buSzTx/>
         <a:buFontTx/>
         <a:buNone/>
-        <a:tabLst/>
-        <a:defRPr b="0" baseline="0" cap="none" i="0" spc="0" strike="noStrike" sz="4400" u="none">
+        <a:defRPr sz="4400" b="0" i="0" u="none" strike="noStrike" cap="none" spc="0" baseline="0">
           <a:ln>
             <a:noFill/>
           </a:ln>
@@ -1987,10 +1933,10 @@
             <a:srgbClr val="000000"/>
           </a:solidFill>
           <a:uFillTx/>
-          <a:latin typeface="Arial"/>
-          <a:ea typeface="Arial"/>
-          <a:cs typeface="Arial"/>
-          <a:sym typeface="Arial"/>
+          <a:latin typeface="Arial" panose="020B0604020202020204"/>
+          <a:ea typeface="Arial" panose="020B0604020202020204"/>
+          <a:cs typeface="Arial" panose="020B0604020202020204"/>
+          <a:sym typeface="Arial" panose="020B0604020202020204"/>
         </a:defRPr>
       </a:lvl5pPr>
       <a:lvl6pPr marL="0" marR="0" indent="457200" algn="ctr" defTabSz="457200" rtl="0" latinLnBrk="0">
@@ -2007,8 +1953,7 @@
         <a:buSzTx/>
         <a:buFontTx/>
         <a:buNone/>
-        <a:tabLst/>
-        <a:defRPr b="0" baseline="0" cap="none" i="0" spc="0" strike="noStrike" sz="4400" u="none">
+        <a:defRPr sz="4400" b="0" i="0" u="none" strike="noStrike" cap="none" spc="0" baseline="0">
           <a:ln>
             <a:noFill/>
           </a:ln>
@@ -2016,10 +1961,10 @@
             <a:srgbClr val="000000"/>
           </a:solidFill>
           <a:uFillTx/>
-          <a:latin typeface="Arial"/>
-          <a:ea typeface="Arial"/>
-          <a:cs typeface="Arial"/>
-          <a:sym typeface="Arial"/>
+          <a:latin typeface="Arial" panose="020B0604020202020204"/>
+          <a:ea typeface="Arial" panose="020B0604020202020204"/>
+          <a:cs typeface="Arial" panose="020B0604020202020204"/>
+          <a:sym typeface="Arial" panose="020B0604020202020204"/>
         </a:defRPr>
       </a:lvl6pPr>
       <a:lvl7pPr marL="0" marR="0" indent="914400" algn="ctr" defTabSz="457200" rtl="0" latinLnBrk="0">
@@ -2036,8 +1981,7 @@
         <a:buSzTx/>
         <a:buFontTx/>
         <a:buNone/>
-        <a:tabLst/>
-        <a:defRPr b="0" baseline="0" cap="none" i="0" spc="0" strike="noStrike" sz="4400" u="none">
+        <a:defRPr sz="4400" b="0" i="0" u="none" strike="noStrike" cap="none" spc="0" baseline="0">
           <a:ln>
             <a:noFill/>
           </a:ln>
@@ -2045,10 +1989,10 @@
             <a:srgbClr val="000000"/>
           </a:solidFill>
           <a:uFillTx/>
-          <a:latin typeface="Arial"/>
-          <a:ea typeface="Arial"/>
-          <a:cs typeface="Arial"/>
-          <a:sym typeface="Arial"/>
+          <a:latin typeface="Arial" panose="020B0604020202020204"/>
+          <a:ea typeface="Arial" panose="020B0604020202020204"/>
+          <a:cs typeface="Arial" panose="020B0604020202020204"/>
+          <a:sym typeface="Arial" panose="020B0604020202020204"/>
         </a:defRPr>
       </a:lvl7pPr>
       <a:lvl8pPr marL="0" marR="0" indent="1371600" algn="ctr" defTabSz="457200" rtl="0" latinLnBrk="0">
@@ -2065,8 +2009,7 @@
         <a:buSzTx/>
         <a:buFontTx/>
         <a:buNone/>
-        <a:tabLst/>
-        <a:defRPr b="0" baseline="0" cap="none" i="0" spc="0" strike="noStrike" sz="4400" u="none">
+        <a:defRPr sz="4400" b="0" i="0" u="none" strike="noStrike" cap="none" spc="0" baseline="0">
           <a:ln>
             <a:noFill/>
           </a:ln>
@@ -2074,10 +2017,10 @@
             <a:srgbClr val="000000"/>
           </a:solidFill>
           <a:uFillTx/>
-          <a:latin typeface="Arial"/>
-          <a:ea typeface="Arial"/>
-          <a:cs typeface="Arial"/>
-          <a:sym typeface="Arial"/>
+          <a:latin typeface="Arial" panose="020B0604020202020204"/>
+          <a:ea typeface="Arial" panose="020B0604020202020204"/>
+          <a:cs typeface="Arial" panose="020B0604020202020204"/>
+          <a:sym typeface="Arial" panose="020B0604020202020204"/>
         </a:defRPr>
       </a:lvl8pPr>
       <a:lvl9pPr marL="0" marR="0" indent="1828800" algn="ctr" defTabSz="457200" rtl="0" latinLnBrk="0">
@@ -2094,8 +2037,7 @@
         <a:buSzTx/>
         <a:buFontTx/>
         <a:buNone/>
-        <a:tabLst/>
-        <a:defRPr b="0" baseline="0" cap="none" i="0" spc="0" strike="noStrike" sz="4400" u="none">
+        <a:defRPr sz="4400" b="0" i="0" u="none" strike="noStrike" cap="none" spc="0" baseline="0">
           <a:ln>
             <a:noFill/>
           </a:ln>
@@ -2103,10 +2045,10 @@
             <a:srgbClr val="000000"/>
           </a:solidFill>
           <a:uFillTx/>
-          <a:latin typeface="Arial"/>
-          <a:ea typeface="Arial"/>
-          <a:cs typeface="Arial"/>
-          <a:sym typeface="Arial"/>
+          <a:latin typeface="Arial" panose="020B0604020202020204"/>
+          <a:ea typeface="Arial" panose="020B0604020202020204"/>
+          <a:cs typeface="Arial" panose="020B0604020202020204"/>
+          <a:sym typeface="Arial" panose="020B0604020202020204"/>
         </a:defRPr>
       </a:lvl9pPr>
     </p:titleStyle>
@@ -2125,8 +2067,7 @@
         <a:buSzTx/>
         <a:buFontTx/>
         <a:buNone/>
-        <a:tabLst/>
-        <a:defRPr b="0" baseline="0" cap="none" i="0" spc="0" strike="noStrike" sz="3200" u="none">
+        <a:defRPr sz="3200" b="0" i="0" u="none" strike="noStrike" cap="none" spc="0" baseline="0">
           <a:ln>
             <a:noFill/>
           </a:ln>
@@ -2134,10 +2075,10 @@
             <a:srgbClr val="000000"/>
           </a:solidFill>
           <a:uFillTx/>
-          <a:latin typeface="Arial"/>
-          <a:ea typeface="Arial"/>
-          <a:cs typeface="Arial"/>
-          <a:sym typeface="Arial"/>
+          <a:latin typeface="Arial" panose="020B0604020202020204"/>
+          <a:ea typeface="Arial" panose="020B0604020202020204"/>
+          <a:cs typeface="Arial" panose="020B0604020202020204"/>
+          <a:sym typeface="Arial" panose="020B0604020202020204"/>
         </a:defRPr>
       </a:lvl1pPr>
       <a:lvl2pPr marL="342900" marR="0" indent="114300" algn="l" defTabSz="457200" rtl="0" latinLnBrk="0">
@@ -2154,8 +2095,7 @@
         <a:buSzTx/>
         <a:buFontTx/>
         <a:buNone/>
-        <a:tabLst/>
-        <a:defRPr b="0" baseline="0" cap="none" i="0" spc="0" strike="noStrike" sz="3200" u="none">
+        <a:defRPr sz="3200" b="0" i="0" u="none" strike="noStrike" cap="none" spc="0" baseline="0">
           <a:ln>
             <a:noFill/>
           </a:ln>
@@ -2163,10 +2103,10 @@
             <a:srgbClr val="000000"/>
           </a:solidFill>
           <a:uFillTx/>
-          <a:latin typeface="Arial"/>
-          <a:ea typeface="Arial"/>
-          <a:cs typeface="Arial"/>
-          <a:sym typeface="Arial"/>
+          <a:latin typeface="Arial" panose="020B0604020202020204"/>
+          <a:ea typeface="Arial" panose="020B0604020202020204"/>
+          <a:cs typeface="Arial" panose="020B0604020202020204"/>
+          <a:sym typeface="Arial" panose="020B0604020202020204"/>
         </a:defRPr>
       </a:lvl2pPr>
       <a:lvl3pPr marL="342900" marR="0" indent="571500" algn="l" defTabSz="457200" rtl="0" latinLnBrk="0">
@@ -2183,8 +2123,7 @@
         <a:buSzTx/>
         <a:buFontTx/>
         <a:buNone/>
-        <a:tabLst/>
-        <a:defRPr b="0" baseline="0" cap="none" i="0" spc="0" strike="noStrike" sz="3200" u="none">
+        <a:defRPr sz="3200" b="0" i="0" u="none" strike="noStrike" cap="none" spc="0" baseline="0">
           <a:ln>
             <a:noFill/>
           </a:ln>
@@ -2192,10 +2131,10 @@
             <a:srgbClr val="000000"/>
           </a:solidFill>
           <a:uFillTx/>
-          <a:latin typeface="Arial"/>
-          <a:ea typeface="Arial"/>
-          <a:cs typeface="Arial"/>
-          <a:sym typeface="Arial"/>
+          <a:latin typeface="Arial" panose="020B0604020202020204"/>
+          <a:ea typeface="Arial" panose="020B0604020202020204"/>
+          <a:cs typeface="Arial" panose="020B0604020202020204"/>
+          <a:sym typeface="Arial" panose="020B0604020202020204"/>
         </a:defRPr>
       </a:lvl3pPr>
       <a:lvl4pPr marL="342900" marR="0" indent="1028700" algn="l" defTabSz="457200" rtl="0" latinLnBrk="0">
@@ -2212,8 +2151,7 @@
         <a:buSzTx/>
         <a:buFontTx/>
         <a:buNone/>
-        <a:tabLst/>
-        <a:defRPr b="0" baseline="0" cap="none" i="0" spc="0" strike="noStrike" sz="3200" u="none">
+        <a:defRPr sz="3200" b="0" i="0" u="none" strike="noStrike" cap="none" spc="0" baseline="0">
           <a:ln>
             <a:noFill/>
           </a:ln>
@@ -2221,10 +2159,10 @@
             <a:srgbClr val="000000"/>
           </a:solidFill>
           <a:uFillTx/>
-          <a:latin typeface="Arial"/>
-          <a:ea typeface="Arial"/>
-          <a:cs typeface="Arial"/>
-          <a:sym typeface="Arial"/>
+          <a:latin typeface="Arial" panose="020B0604020202020204"/>
+          <a:ea typeface="Arial" panose="020B0604020202020204"/>
+          <a:cs typeface="Arial" panose="020B0604020202020204"/>
+          <a:sym typeface="Arial" panose="020B0604020202020204"/>
         </a:defRPr>
       </a:lvl4pPr>
       <a:lvl5pPr marL="342900" marR="0" indent="1485900" algn="l" defTabSz="457200" rtl="0" latinLnBrk="0">
@@ -2241,8 +2179,7 @@
         <a:buSzTx/>
         <a:buFontTx/>
         <a:buNone/>
-        <a:tabLst/>
-        <a:defRPr b="0" baseline="0" cap="none" i="0" spc="0" strike="noStrike" sz="3200" u="none">
+        <a:defRPr sz="3200" b="0" i="0" u="none" strike="noStrike" cap="none" spc="0" baseline="0">
           <a:ln>
             <a:noFill/>
           </a:ln>
@@ -2250,10 +2187,10 @@
             <a:srgbClr val="000000"/>
           </a:solidFill>
           <a:uFillTx/>
-          <a:latin typeface="Arial"/>
-          <a:ea typeface="Arial"/>
-          <a:cs typeface="Arial"/>
-          <a:sym typeface="Arial"/>
+          <a:latin typeface="Arial" panose="020B0604020202020204"/>
+          <a:ea typeface="Arial" panose="020B0604020202020204"/>
+          <a:cs typeface="Arial" panose="020B0604020202020204"/>
+          <a:sym typeface="Arial" panose="020B0604020202020204"/>
         </a:defRPr>
       </a:lvl5pPr>
       <a:lvl6pPr marL="342900" marR="0" indent="1943100" algn="l" defTabSz="457200" rtl="0" latinLnBrk="0">
@@ -2270,8 +2207,7 @@
         <a:buSzTx/>
         <a:buFontTx/>
         <a:buNone/>
-        <a:tabLst/>
-        <a:defRPr b="0" baseline="0" cap="none" i="0" spc="0" strike="noStrike" sz="3200" u="none">
+        <a:defRPr sz="3200" b="0" i="0" u="none" strike="noStrike" cap="none" spc="0" baseline="0">
           <a:ln>
             <a:noFill/>
           </a:ln>
@@ -2279,10 +2215,10 @@
             <a:srgbClr val="000000"/>
           </a:solidFill>
           <a:uFillTx/>
-          <a:latin typeface="Arial"/>
-          <a:ea typeface="Arial"/>
-          <a:cs typeface="Arial"/>
-          <a:sym typeface="Arial"/>
+          <a:latin typeface="Arial" panose="020B0604020202020204"/>
+          <a:ea typeface="Arial" panose="020B0604020202020204"/>
+          <a:cs typeface="Arial" panose="020B0604020202020204"/>
+          <a:sym typeface="Arial" panose="020B0604020202020204"/>
         </a:defRPr>
       </a:lvl6pPr>
       <a:lvl7pPr marL="342900" marR="0" indent="2400300" algn="l" defTabSz="457200" rtl="0" latinLnBrk="0">
@@ -2299,8 +2235,7 @@
         <a:buSzTx/>
         <a:buFontTx/>
         <a:buNone/>
-        <a:tabLst/>
-        <a:defRPr b="0" baseline="0" cap="none" i="0" spc="0" strike="noStrike" sz="3200" u="none">
+        <a:defRPr sz="3200" b="0" i="0" u="none" strike="noStrike" cap="none" spc="0" baseline="0">
           <a:ln>
             <a:noFill/>
           </a:ln>
@@ -2308,10 +2243,10 @@
             <a:srgbClr val="000000"/>
           </a:solidFill>
           <a:uFillTx/>
-          <a:latin typeface="Arial"/>
-          <a:ea typeface="Arial"/>
-          <a:cs typeface="Arial"/>
-          <a:sym typeface="Arial"/>
+          <a:latin typeface="Arial" panose="020B0604020202020204"/>
+          <a:ea typeface="Arial" panose="020B0604020202020204"/>
+          <a:cs typeface="Arial" panose="020B0604020202020204"/>
+          <a:sym typeface="Arial" panose="020B0604020202020204"/>
         </a:defRPr>
       </a:lvl7pPr>
       <a:lvl8pPr marL="342900" marR="0" indent="2857500" algn="l" defTabSz="457200" rtl="0" latinLnBrk="0">
@@ -2328,8 +2263,7 @@
         <a:buSzTx/>
         <a:buFontTx/>
         <a:buNone/>
-        <a:tabLst/>
-        <a:defRPr b="0" baseline="0" cap="none" i="0" spc="0" strike="noStrike" sz="3200" u="none">
+        <a:defRPr sz="3200" b="0" i="0" u="none" strike="noStrike" cap="none" spc="0" baseline="0">
           <a:ln>
             <a:noFill/>
           </a:ln>
@@ -2337,10 +2271,10 @@
             <a:srgbClr val="000000"/>
           </a:solidFill>
           <a:uFillTx/>
-          <a:latin typeface="Arial"/>
-          <a:ea typeface="Arial"/>
-          <a:cs typeface="Arial"/>
-          <a:sym typeface="Arial"/>
+          <a:latin typeface="Arial" panose="020B0604020202020204"/>
+          <a:ea typeface="Arial" panose="020B0604020202020204"/>
+          <a:cs typeface="Arial" panose="020B0604020202020204"/>
+          <a:sym typeface="Arial" panose="020B0604020202020204"/>
         </a:defRPr>
       </a:lvl8pPr>
       <a:lvl9pPr marL="342900" marR="0" indent="3314700" algn="l" defTabSz="457200" rtl="0" latinLnBrk="0">
@@ -2357,8 +2291,7 @@
         <a:buSzTx/>
         <a:buFontTx/>
         <a:buNone/>
-        <a:tabLst/>
-        <a:defRPr b="0" baseline="0" cap="none" i="0" spc="0" strike="noStrike" sz="3200" u="none">
+        <a:defRPr sz="3200" b="0" i="0" u="none" strike="noStrike" cap="none" spc="0" baseline="0">
           <a:ln>
             <a:noFill/>
           </a:ln>
@@ -2366,10 +2299,10 @@
             <a:srgbClr val="000000"/>
           </a:solidFill>
           <a:uFillTx/>
-          <a:latin typeface="Arial"/>
-          <a:ea typeface="Arial"/>
-          <a:cs typeface="Arial"/>
-          <a:sym typeface="Arial"/>
+          <a:latin typeface="Arial" panose="020B0604020202020204"/>
+          <a:ea typeface="Arial" panose="020B0604020202020204"/>
+          <a:cs typeface="Arial" panose="020B0604020202020204"/>
+          <a:sym typeface="Arial" panose="020B0604020202020204"/>
         </a:defRPr>
       </a:lvl9pPr>
     </p:bodyStyle>
@@ -2388,8 +2321,7 @@
         <a:buSzTx/>
         <a:buFontTx/>
         <a:buNone/>
-        <a:tabLst/>
-        <a:defRPr b="0" baseline="0" cap="none" i="0" spc="0" strike="noStrike" sz="1200" u="none">
+        <a:defRPr sz="1200" b="0" i="0" u="none" strike="noStrike" cap="none" spc="0" baseline="0">
           <a:ln>
             <a:noFill/>
           </a:ln>
@@ -2400,7 +2332,7 @@
           <a:latin typeface="+mn-lt"/>
           <a:ea typeface="+mn-ea"/>
           <a:cs typeface="+mn-cs"/>
-          <a:sym typeface="Arial"/>
+          <a:sym typeface="Arial" panose="020B0604020202020204"/>
         </a:defRPr>
       </a:lvl1pPr>
       <a:lvl2pPr marL="0" marR="0" indent="457200" algn="r" defTabSz="457200" rtl="0" latinLnBrk="0">
@@ -2417,8 +2349,7 @@
         <a:buSzTx/>
         <a:buFontTx/>
         <a:buNone/>
-        <a:tabLst/>
-        <a:defRPr b="0" baseline="0" cap="none" i="0" spc="0" strike="noStrike" sz="1200" u="none">
+        <a:defRPr sz="1200" b="0" i="0" u="none" strike="noStrike" cap="none" spc="0" baseline="0">
           <a:ln>
             <a:noFill/>
           </a:ln>
@@ -2429,7 +2360,7 @@
           <a:latin typeface="+mn-lt"/>
           <a:ea typeface="+mn-ea"/>
           <a:cs typeface="+mn-cs"/>
-          <a:sym typeface="Arial"/>
+          <a:sym typeface="Arial" panose="020B0604020202020204"/>
         </a:defRPr>
       </a:lvl2pPr>
       <a:lvl3pPr marL="0" marR="0" indent="914400" algn="r" defTabSz="457200" rtl="0" latinLnBrk="0">
@@ -2446,8 +2377,7 @@
         <a:buSzTx/>
         <a:buFontTx/>
         <a:buNone/>
-        <a:tabLst/>
-        <a:defRPr b="0" baseline="0" cap="none" i="0" spc="0" strike="noStrike" sz="1200" u="none">
+        <a:defRPr sz="1200" b="0" i="0" u="none" strike="noStrike" cap="none" spc="0" baseline="0">
           <a:ln>
             <a:noFill/>
           </a:ln>
@@ -2458,7 +2388,7 @@
           <a:latin typeface="+mn-lt"/>
           <a:ea typeface="+mn-ea"/>
           <a:cs typeface="+mn-cs"/>
-          <a:sym typeface="Arial"/>
+          <a:sym typeface="Arial" panose="020B0604020202020204"/>
         </a:defRPr>
       </a:lvl3pPr>
       <a:lvl4pPr marL="0" marR="0" indent="1371600" algn="r" defTabSz="457200" rtl="0" latinLnBrk="0">
@@ -2475,8 +2405,7 @@
         <a:buSzTx/>
         <a:buFontTx/>
         <a:buNone/>
-        <a:tabLst/>
-        <a:defRPr b="0" baseline="0" cap="none" i="0" spc="0" strike="noStrike" sz="1200" u="none">
+        <a:defRPr sz="1200" b="0" i="0" u="none" strike="noStrike" cap="none" spc="0" baseline="0">
           <a:ln>
             <a:noFill/>
           </a:ln>
@@ -2487,7 +2416,7 @@
           <a:latin typeface="+mn-lt"/>
           <a:ea typeface="+mn-ea"/>
           <a:cs typeface="+mn-cs"/>
-          <a:sym typeface="Arial"/>
+          <a:sym typeface="Arial" panose="020B0604020202020204"/>
         </a:defRPr>
       </a:lvl4pPr>
       <a:lvl5pPr marL="0" marR="0" indent="1828800" algn="r" defTabSz="457200" rtl="0" latinLnBrk="0">
@@ -2504,8 +2433,7 @@
         <a:buSzTx/>
         <a:buFontTx/>
         <a:buNone/>
-        <a:tabLst/>
-        <a:defRPr b="0" baseline="0" cap="none" i="0" spc="0" strike="noStrike" sz="1200" u="none">
+        <a:defRPr sz="1200" b="0" i="0" u="none" strike="noStrike" cap="none" spc="0" baseline="0">
           <a:ln>
             <a:noFill/>
           </a:ln>
@@ -2516,7 +2444,7 @@
           <a:latin typeface="+mn-lt"/>
           <a:ea typeface="+mn-ea"/>
           <a:cs typeface="+mn-cs"/>
-          <a:sym typeface="Arial"/>
+          <a:sym typeface="Arial" panose="020B0604020202020204"/>
         </a:defRPr>
       </a:lvl5pPr>
       <a:lvl6pPr marL="0" marR="0" indent="0" algn="r" defTabSz="457200" rtl="0" latinLnBrk="0">
@@ -2533,8 +2461,7 @@
         <a:buSzTx/>
         <a:buFontTx/>
         <a:buNone/>
-        <a:tabLst/>
-        <a:defRPr b="0" baseline="0" cap="none" i="0" spc="0" strike="noStrike" sz="1200" u="none">
+        <a:defRPr sz="1200" b="0" i="0" u="none" strike="noStrike" cap="none" spc="0" baseline="0">
           <a:ln>
             <a:noFill/>
           </a:ln>
@@ -2545,7 +2472,7 @@
           <a:latin typeface="+mn-lt"/>
           <a:ea typeface="+mn-ea"/>
           <a:cs typeface="+mn-cs"/>
-          <a:sym typeface="Arial"/>
+          <a:sym typeface="Arial" panose="020B0604020202020204"/>
         </a:defRPr>
       </a:lvl6pPr>
       <a:lvl7pPr marL="0" marR="0" indent="0" algn="r" defTabSz="457200" rtl="0" latinLnBrk="0">
@@ -2562,8 +2489,7 @@
         <a:buSzTx/>
         <a:buFontTx/>
         <a:buNone/>
-        <a:tabLst/>
-        <a:defRPr b="0" baseline="0" cap="none" i="0" spc="0" strike="noStrike" sz="1200" u="none">
+        <a:defRPr sz="1200" b="0" i="0" u="none" strike="noStrike" cap="none" spc="0" baseline="0">
           <a:ln>
             <a:noFill/>
           </a:ln>
@@ -2574,7 +2500,7 @@
           <a:latin typeface="+mn-lt"/>
           <a:ea typeface="+mn-ea"/>
           <a:cs typeface="+mn-cs"/>
-          <a:sym typeface="Arial"/>
+          <a:sym typeface="Arial" panose="020B0604020202020204"/>
         </a:defRPr>
       </a:lvl7pPr>
       <a:lvl8pPr marL="0" marR="0" indent="0" algn="r" defTabSz="457200" rtl="0" latinLnBrk="0">
@@ -2591,8 +2517,7 @@
         <a:buSzTx/>
         <a:buFontTx/>
         <a:buNone/>
-        <a:tabLst/>
-        <a:defRPr b="0" baseline="0" cap="none" i="0" spc="0" strike="noStrike" sz="1200" u="none">
+        <a:defRPr sz="1200" b="0" i="0" u="none" strike="noStrike" cap="none" spc="0" baseline="0">
           <a:ln>
             <a:noFill/>
           </a:ln>
@@ -2603,7 +2528,7 @@
           <a:latin typeface="+mn-lt"/>
           <a:ea typeface="+mn-ea"/>
           <a:cs typeface="+mn-cs"/>
-          <a:sym typeface="Arial"/>
+          <a:sym typeface="Arial" panose="020B0604020202020204"/>
         </a:defRPr>
       </a:lvl8pPr>
       <a:lvl9pPr marL="0" marR="0" indent="0" algn="r" defTabSz="457200" rtl="0" latinLnBrk="0">
@@ -2620,8 +2545,7 @@
         <a:buSzTx/>
         <a:buFontTx/>
         <a:buNone/>
-        <a:tabLst/>
-        <a:defRPr b="0" baseline="0" cap="none" i="0" spc="0" strike="noStrike" sz="1200" u="none">
+        <a:defRPr sz="1200" b="0" i="0" u="none" strike="noStrike" cap="none" spc="0" baseline="0">
           <a:ln>
             <a:noFill/>
           </a:ln>
@@ -2632,7 +2556,7 @@
           <a:latin typeface="+mn-lt"/>
           <a:ea typeface="+mn-ea"/>
           <a:cs typeface="+mn-cs"/>
-          <a:sym typeface="Arial"/>
+          <a:sym typeface="Arial" panose="020B0604020202020204"/>
         </a:defRPr>
       </a:lvl9pPr>
     </p:otherStyle>
@@ -2641,7 +2565,7 @@
 </file>
 
 <file path=ppt/slides/slide1.xml><?xml version="1.0" encoding="utf-8"?>
-<p:sld xmlns:a="http://schemas.openxmlformats.org/drawingml/2006/main" xmlns:r="http://schemas.openxmlformats.org/officeDocument/2006/relationships" xmlns:p="http://schemas.openxmlformats.org/presentationml/2006/main" xmlns:m="http://schemas.openxmlformats.org/officeDocument/2006/math" xmlns:a14="http://schemas.microsoft.com/office/drawing/2010/main" showMasterSp="1" showMasterPhAnim="1">
+<p:sld xmlns:a="http://schemas.openxmlformats.org/drawingml/2006/main" xmlns:r="http://schemas.openxmlformats.org/officeDocument/2006/relationships" xmlns:p="http://schemas.openxmlformats.org/presentationml/2006/main">
   <p:cSld>
     <p:spTree>
       <p:nvGrpSpPr>
@@ -2744,12 +2668,12 @@
   <p:clrMapOvr>
     <a:masterClrMapping/>
   </p:clrMapOvr>
-  <p:transition xmlns:p14="http://schemas.microsoft.com/office/powerpoint/2010/main" spd="med" advClick="1"/>
+  <p:transition spd="med"/>
 </p:sld>
 </file>
 
 <file path=ppt/slides/slide10.xml><?xml version="1.0" encoding="utf-8"?>
-<p:sld xmlns:a="http://schemas.openxmlformats.org/drawingml/2006/main" xmlns:r="http://schemas.openxmlformats.org/officeDocument/2006/relationships" xmlns:p="http://schemas.openxmlformats.org/presentationml/2006/main" xmlns:m="http://schemas.openxmlformats.org/officeDocument/2006/math" xmlns:a14="http://schemas.microsoft.com/office/drawing/2010/main" showMasterSp="1" showMasterPhAnim="1">
+<p:sld xmlns:a="http://schemas.openxmlformats.org/drawingml/2006/main" xmlns:r="http://schemas.openxmlformats.org/officeDocument/2006/relationships" xmlns:p="http://schemas.openxmlformats.org/presentationml/2006/main">
   <p:cSld>
     <p:spTree>
       <p:nvGrpSpPr>
@@ -2808,11 +2732,10 @@
                 <a:tab pos="8686800" algn="l"/>
                 <a:tab pos="9144000" algn="l"/>
               </a:tabLst>
-              <a:defRPr b="1" sz="3600"/>
+              <a:defRPr sz="3600" b="1"/>
             </a:lvl1pPr>
           </a:lstStyle>
           <a:p>
-            <a:pPr/>
             <a:r>
               <a:t>2PL Concurrency Control (cont.)</a:t>
             </a:r>
@@ -2840,7 +2763,7 @@
           <a:bodyPr lIns="46799" tIns="46799" rIns="46799" bIns="46799"/>
           <a:lstStyle/>
           <a:p>
-            <a:pPr marL="557212" indent="-542925">
+            <a:pPr marL="556895" indent="-542925">
               <a:spcBef>
                 <a:spcPts val="600"/>
               </a:spcBef>
@@ -2867,14 +2790,14 @@
                 <a:tab pos="8902700" algn="l"/>
                 <a:tab pos="9359900" algn="l"/>
               </a:tabLst>
-              <a:defRPr b="1" sz="2400"/>
+              <a:defRPr sz="2400" b="1"/>
             </a:pPr>
             <a:r>
               <a:t>Two-Phase Locking Techniques: Essential components</a:t>
             </a:r>
           </a:p>
           <a:p>
-            <a:pPr lvl="1" marL="0" indent="685800" algn="just">
+            <a:pPr marL="0" lvl="1" indent="685800" algn="just">
               <a:spcBef>
                 <a:spcPts val="600"/>
               </a:spcBef>
@@ -2901,7 +2824,7 @@
                 <a:tab pos="8902700" algn="l"/>
                 <a:tab pos="9359900" algn="l"/>
               </a:tabLst>
-              <a:defRPr b="1" sz="2400"/>
+              <a:defRPr sz="2400" b="1"/>
             </a:pPr>
             <a:r>
               <a:t>Lock Manager:</a:t>
@@ -2910,9 +2833,10 @@
               <a:rPr b="0"/>
               <a:t> Subsystem of DBMS that manages locks on data items.</a:t>
             </a:r>
-          </a:p>
-          <a:p>
-            <a:pPr lvl="1" marL="0" indent="685800" algn="just">
+            <a:endParaRPr b="0"/>
+          </a:p>
+          <a:p>
+            <a:pPr marL="0" lvl="1" indent="685800" algn="just">
               <a:spcBef>
                 <a:spcPts val="600"/>
               </a:spcBef>
@@ -2939,7 +2863,7 @@
                 <a:tab pos="8902700" algn="l"/>
                 <a:tab pos="9359900" algn="l"/>
               </a:tabLst>
-              <a:defRPr b="1" sz="2400"/>
+              <a:defRPr sz="2400" b="1"/>
             </a:pPr>
             <a:r>
               <a:t>Lock table:</a:t>
@@ -2963,6 +2887,7 @@
               <a:rPr b="0"/>
               <a:t> with item id as hash key can be used.</a:t>
             </a:r>
+            <a:endParaRPr b="0"/>
           </a:p>
         </p:txBody>
       </p:sp>
@@ -2975,9 +2900,7 @@
           <p:nvPr/>
         </p:nvPicPr>
         <p:blipFill>
-          <a:blip r:embed="rId2">
-            <a:extLst/>
-          </a:blip>
+          <a:blip r:embed="rId1"/>
           <a:stretch>
             <a:fillRect/>
           </a:stretch>
@@ -2992,6 +2915,8 @@
           </a:prstGeom>
           <a:ln w="12700">
             <a:miter lim="400000"/>
+            <a:headEnd/>
+            <a:tailEnd/>
           </a:ln>
         </p:spPr>
       </p:pic>
@@ -3000,12 +2925,12 @@
   <p:clrMapOvr>
     <a:masterClrMapping/>
   </p:clrMapOvr>
-  <p:transition xmlns:p14="http://schemas.microsoft.com/office/powerpoint/2010/main" spd="med" advClick="1"/>
+  <p:transition spd="med"/>
 </p:sld>
 </file>
 
 <file path=ppt/slides/slide11.xml><?xml version="1.0" encoding="utf-8"?>
-<p:sld xmlns:a="http://schemas.openxmlformats.org/drawingml/2006/main" xmlns:r="http://schemas.openxmlformats.org/officeDocument/2006/relationships" xmlns:p="http://schemas.openxmlformats.org/presentationml/2006/main" xmlns:m="http://schemas.openxmlformats.org/officeDocument/2006/math" xmlns:a14="http://schemas.microsoft.com/office/drawing/2010/main" showMasterSp="1" showMasterPhAnim="1">
+<p:sld xmlns:a="http://schemas.openxmlformats.org/drawingml/2006/main" xmlns:r="http://schemas.openxmlformats.org/officeDocument/2006/relationships" xmlns:p="http://schemas.openxmlformats.org/presentationml/2006/main">
   <p:cSld>
     <p:spTree>
       <p:nvGrpSpPr>
@@ -3064,11 +2989,10 @@
                 <a:tab pos="8686800" algn="l"/>
                 <a:tab pos="9144000" algn="l"/>
               </a:tabLst>
-              <a:defRPr b="1" sz="3600"/>
+              <a:defRPr sz="3600" b="1"/>
             </a:lvl1pPr>
           </a:lstStyle>
           <a:p>
-            <a:pPr/>
             <a:r>
               <a:t>2PL Concurrency Control (cont.)</a:t>
             </a:r>
@@ -3122,11 +3046,11 @@
                 <a:tab pos="8331200" algn="l"/>
                 <a:tab pos="8788400" algn="l"/>
               </a:tabLst>
-              <a:defRPr b="1" sz="2400"/>
-            </a:pPr>
-          </a:p>
-          <a:p>
-            <a:pPr lvl="1" marL="0" indent="685800" algn="just">
+              <a:defRPr sz="2400" b="1"/>
+            </a:pPr>
+          </a:p>
+          <a:p>
+            <a:pPr marL="0" lvl="1" indent="685800" algn="just">
               <a:spcBef>
                 <a:spcPts val="600"/>
               </a:spcBef>
@@ -3152,7 +3076,7 @@
                 <a:tab pos="8331200" algn="l"/>
                 <a:tab pos="8788400" algn="l"/>
               </a:tabLst>
-              <a:defRPr b="1" sz="2400"/>
+              <a:defRPr sz="2400" b="1"/>
             </a:pPr>
             <a:r>
               <a:t>Rules for locking:</a:t>
@@ -3177,11 +3101,6 @@
           <a:ln w="12700">
             <a:miter lim="400000"/>
           </a:ln>
-          <a:extLst>
-            <a:ext uri="{C572A759-6A51-4108-AA02-DFA0A04FC94B}">
-              <ma14:wrappingTextBoxFlag xmlns:ma14="http://schemas.microsoft.com/office/mac/drawingml/2011/main" val="1"/>
-            </a:ext>
-          </a:extLst>
         </p:spPr>
         <p:txBody>
           <a:bodyPr lIns="46799" tIns="46799" rIns="46799" bIns="46799">
@@ -3189,12 +3108,12 @@
           </a:bodyPr>
           <a:lstStyle/>
           <a:p>
-            <a:pPr marL="328612" indent="-328612">
+            <a:pPr marL="328295" indent="-328295">
               <a:buClr>
                 <a:srgbClr val="000000"/>
               </a:buClr>
               <a:buSzPct val="100000"/>
-              <a:buFont typeface="Times New Roman"/>
+              <a:buFont typeface="Times New Roman" panose="02020603050405020304"/>
               <a:buChar char="•"/>
               <a:tabLst>
                 <a:tab pos="317500" algn="l"/>
@@ -3220,10 +3139,10 @@
                 <a:tab pos="9461500" algn="l"/>
               </a:tabLst>
               <a:defRPr sz="2400">
-                <a:latin typeface="Arial"/>
-                <a:ea typeface="Arial"/>
-                <a:cs typeface="Arial"/>
-                <a:sym typeface="Arial"/>
+                <a:latin typeface="Arial" panose="020B0604020202020204"/>
+                <a:ea typeface="Arial" panose="020B0604020202020204"/>
+                <a:cs typeface="Arial" panose="020B0604020202020204"/>
+                <a:sym typeface="Arial" panose="020B0604020202020204"/>
               </a:defRPr>
             </a:pPr>
             <a:r>
@@ -3231,12 +3150,12 @@
             </a:r>
           </a:p>
           <a:p>
-            <a:pPr marL="328612" indent="-328612">
+            <a:pPr marL="328295" indent="-328295">
               <a:buClr>
                 <a:srgbClr val="000000"/>
               </a:buClr>
               <a:buSzPct val="100000"/>
-              <a:buFont typeface="Times New Roman"/>
+              <a:buFont typeface="Times New Roman" panose="02020603050405020304"/>
               <a:buChar char="•"/>
               <a:tabLst>
                 <a:tab pos="317500" algn="l"/>
@@ -3262,10 +3181,10 @@
                 <a:tab pos="9461500" algn="l"/>
               </a:tabLst>
               <a:defRPr sz="2400">
-                <a:latin typeface="Arial"/>
-                <a:ea typeface="Arial"/>
-                <a:cs typeface="Arial"/>
-                <a:sym typeface="Arial"/>
+                <a:latin typeface="Arial" panose="020B0604020202020204"/>
+                <a:ea typeface="Arial" panose="020B0604020202020204"/>
+                <a:cs typeface="Arial" panose="020B0604020202020204"/>
+                <a:sym typeface="Arial" panose="020B0604020202020204"/>
               </a:defRPr>
             </a:pPr>
             <a:r>
@@ -3273,12 +3192,12 @@
             </a:r>
           </a:p>
           <a:p>
-            <a:pPr marL="328612" indent="-328612">
+            <a:pPr marL="328295" indent="-328295">
               <a:buClr>
                 <a:srgbClr val="000000"/>
               </a:buClr>
               <a:buSzPct val="100000"/>
-              <a:buFont typeface="Times New Roman"/>
+              <a:buFont typeface="Times New Roman" panose="02020603050405020304"/>
               <a:buChar char="•"/>
               <a:tabLst>
                 <a:tab pos="317500" algn="l"/>
@@ -3304,10 +3223,10 @@
                 <a:tab pos="9461500" algn="l"/>
               </a:tabLst>
               <a:defRPr sz="2400">
-                <a:latin typeface="Arial"/>
-                <a:ea typeface="Arial"/>
-                <a:cs typeface="Arial"/>
-                <a:sym typeface="Arial"/>
+                <a:latin typeface="Arial" panose="020B0604020202020204"/>
+                <a:ea typeface="Arial" panose="020B0604020202020204"/>
+                <a:cs typeface="Arial" panose="020B0604020202020204"/>
+                <a:sym typeface="Arial" panose="020B0604020202020204"/>
               </a:defRPr>
             </a:pPr>
             <a:r>
@@ -3315,12 +3234,12 @@
             </a:r>
           </a:p>
           <a:p>
-            <a:pPr marL="328612" indent="-328612">
+            <a:pPr marL="328295" indent="-328295">
               <a:buClr>
                 <a:srgbClr val="000000"/>
               </a:buClr>
               <a:buSzPct val="100000"/>
-              <a:buFont typeface="Times New Roman"/>
+              <a:buFont typeface="Times New Roman" panose="02020603050405020304"/>
               <a:buChar char="•"/>
               <a:tabLst>
                 <a:tab pos="317500" algn="l"/>
@@ -3346,10 +3265,10 @@
                 <a:tab pos="9461500" algn="l"/>
               </a:tabLst>
               <a:defRPr sz="2400">
-                <a:latin typeface="Arial"/>
-                <a:ea typeface="Arial"/>
-                <a:cs typeface="Arial"/>
-                <a:sym typeface="Arial"/>
+                <a:latin typeface="Arial" panose="020B0604020202020204"/>
+                <a:ea typeface="Arial" panose="020B0604020202020204"/>
+                <a:cs typeface="Arial" panose="020B0604020202020204"/>
+                <a:sym typeface="Arial" panose="020B0604020202020204"/>
               </a:defRPr>
             </a:pPr>
             <a:r>
@@ -3357,12 +3276,12 @@
             </a:r>
           </a:p>
           <a:p>
-            <a:pPr marL="328612" indent="-328612">
+            <a:pPr marL="328295" indent="-328295">
               <a:buClr>
                 <a:srgbClr val="000000"/>
               </a:buClr>
               <a:buSzPct val="100000"/>
-              <a:buFont typeface="Times New Roman"/>
+              <a:buFont typeface="Times New Roman" panose="02020603050405020304"/>
               <a:buChar char="•"/>
               <a:tabLst>
                 <a:tab pos="317500" algn="l"/>
@@ -3388,10 +3307,10 @@
                 <a:tab pos="9461500" algn="l"/>
               </a:tabLst>
               <a:defRPr sz="2400">
-                <a:latin typeface="Arial"/>
-                <a:ea typeface="Arial"/>
-                <a:cs typeface="Arial"/>
-                <a:sym typeface="Arial"/>
+                <a:latin typeface="Arial" panose="020B0604020202020204"/>
+                <a:ea typeface="Arial" panose="020B0604020202020204"/>
+                <a:cs typeface="Arial" panose="020B0604020202020204"/>
+                <a:sym typeface="Arial" panose="020B0604020202020204"/>
               </a:defRPr>
             </a:pPr>
             <a:r>
@@ -3405,12 +3324,12 @@
   <p:clrMapOvr>
     <a:masterClrMapping/>
   </p:clrMapOvr>
-  <p:transition xmlns:p14="http://schemas.microsoft.com/office/powerpoint/2010/main" spd="med" advClick="1"/>
+  <p:transition spd="med"/>
 </p:sld>
 </file>
 
 <file path=ppt/slides/slide12.xml><?xml version="1.0" encoding="utf-8"?>
-<p:sld xmlns:a="http://schemas.openxmlformats.org/drawingml/2006/main" xmlns:r="http://schemas.openxmlformats.org/officeDocument/2006/relationships" xmlns:p="http://schemas.openxmlformats.org/presentationml/2006/main" xmlns:m="http://schemas.openxmlformats.org/officeDocument/2006/math" xmlns:a14="http://schemas.microsoft.com/office/drawing/2010/main" showMasterSp="1" showMasterPhAnim="1">
+<p:sld xmlns:a="http://schemas.openxmlformats.org/drawingml/2006/main" xmlns:r="http://schemas.openxmlformats.org/officeDocument/2006/relationships" xmlns:p="http://schemas.openxmlformats.org/presentationml/2006/main">
   <p:cSld>
     <p:spTree>
       <p:nvGrpSpPr>
@@ -3469,11 +3388,10 @@
                 <a:tab pos="8686800" algn="l"/>
                 <a:tab pos="9144000" algn="l"/>
               </a:tabLst>
-              <a:defRPr b="1" sz="3600"/>
+              <a:defRPr sz="3600" b="1"/>
             </a:lvl1pPr>
           </a:lstStyle>
           <a:p>
-            <a:pPr/>
             <a:r>
               <a:t>2PL Concurrency Control (cont.)</a:t>
             </a:r>
@@ -3497,11 +3415,6 @@
           <a:ln w="12700">
             <a:miter lim="400000"/>
           </a:ln>
-          <a:extLst>
-            <a:ext uri="{C572A759-6A51-4108-AA02-DFA0A04FC94B}">
-              <ma14:wrappingTextBoxFlag xmlns:ma14="http://schemas.microsoft.com/office/mac/drawingml/2011/main" val="1"/>
-            </a:ext>
-          </a:extLst>
         </p:spPr>
         <p:txBody>
           <a:bodyPr lIns="46799" tIns="46799" rIns="46799" bIns="46799">
@@ -3520,7 +3433,7 @@
                 <a:srgbClr val="FFFFFF"/>
               </a:buClr>
               <a:buSzPct val="100000"/>
-              <a:buFont typeface="Times New Roman"/>
+              <a:buFont typeface="Times New Roman" panose="02020603050405020304"/>
               <a:buChar char="•"/>
               <a:tabLst>
                 <a:tab pos="685800" algn="l"/>
@@ -3545,11 +3458,11 @@
                 <a:tab pos="9372600" algn="l"/>
                 <a:tab pos="9829800" algn="l"/>
               </a:tabLst>
-              <a:defRPr b="1" sz="2400">
-                <a:latin typeface="Arial"/>
-                <a:ea typeface="Arial"/>
-                <a:cs typeface="Arial"/>
-                <a:sym typeface="Arial"/>
+              <a:defRPr sz="2400" b="1">
+                <a:latin typeface="Arial" panose="020B0604020202020204"/>
+                <a:ea typeface="Arial" panose="020B0604020202020204"/>
+                <a:cs typeface="Arial" panose="020B0604020202020204"/>
+                <a:sym typeface="Arial" panose="020B0604020202020204"/>
               </a:defRPr>
             </a:pPr>
             <a:r>
@@ -3568,7 +3481,7 @@
                 <a:srgbClr val="FFFFFF"/>
               </a:buClr>
               <a:buSzPct val="100000"/>
-              <a:buFont typeface="Times New Roman"/>
+              <a:buFont typeface="Times New Roman" panose="02020603050405020304"/>
               <a:buChar char="•"/>
               <a:tabLst>
                 <a:tab pos="685800" algn="l"/>
@@ -3593,11 +3506,11 @@
                 <a:tab pos="9372600" algn="l"/>
                 <a:tab pos="9829800" algn="l"/>
               </a:tabLst>
-              <a:defRPr b="1" sz="2400">
-                <a:latin typeface="Arial"/>
-                <a:ea typeface="Arial"/>
-                <a:cs typeface="Arial"/>
-                <a:sym typeface="Arial"/>
+              <a:defRPr sz="2400" b="1">
+                <a:latin typeface="Arial" panose="020B0604020202020204"/>
+                <a:ea typeface="Arial" panose="020B0604020202020204"/>
+                <a:cs typeface="Arial" panose="020B0604020202020204"/>
+                <a:sym typeface="Arial" panose="020B0604020202020204"/>
               </a:defRPr>
             </a:pPr>
             <a:r>
@@ -3616,7 +3529,7 @@
                 <a:srgbClr val="FFFFFF"/>
               </a:buClr>
               <a:buSzPct val="100000"/>
-              <a:buFont typeface="Times New Roman"/>
+              <a:buFont typeface="Times New Roman" panose="02020603050405020304"/>
               <a:buChar char="•"/>
               <a:tabLst>
                 <a:tab pos="685800" algn="l"/>
@@ -3642,10 +3555,10 @@
                 <a:tab pos="9829800" algn="l"/>
               </a:tabLst>
               <a:defRPr>
-                <a:latin typeface="Arial"/>
-                <a:ea typeface="Arial"/>
-                <a:cs typeface="Arial"/>
-                <a:sym typeface="Arial"/>
+                <a:latin typeface="Arial" panose="020B0604020202020204"/>
+                <a:ea typeface="Arial" panose="020B0604020202020204"/>
+                <a:cs typeface="Arial" panose="020B0604020202020204"/>
+                <a:sym typeface="Arial" panose="020B0604020202020204"/>
               </a:defRPr>
             </a:pPr>
             <a:r>
@@ -3653,10 +3566,10 @@
             </a:r>
             <a:r>
               <a:rPr>
-                <a:latin typeface="Symbol"/>
-                <a:ea typeface="Symbol"/>
-                <a:cs typeface="Symbol"/>
-                <a:sym typeface="Symbol"/>
+                <a:latin typeface="Symbol" panose="05050102010706020507"/>
+                <a:ea typeface="Symbol" panose="05050102010706020507"/>
+                <a:cs typeface="Symbol" panose="05050102010706020507"/>
+                <a:sym typeface="Symbol" panose="05050102010706020507"/>
               </a:rPr>
               <a:t>¹</a:t>
             </a:r>
@@ -3676,7 +3589,7 @@
                 <a:srgbClr val="FFFFFF"/>
               </a:buClr>
               <a:buSzPct val="100000"/>
-              <a:buFont typeface="Times New Roman"/>
+              <a:buFont typeface="Times New Roman" panose="02020603050405020304"/>
               <a:buChar char="•"/>
               <a:tabLst>
                 <a:tab pos="685800" algn="l"/>
@@ -3702,10 +3615,10 @@
                 <a:tab pos="9829800" algn="l"/>
               </a:tabLst>
               <a:defRPr>
-                <a:latin typeface="Arial"/>
-                <a:ea typeface="Arial"/>
-                <a:cs typeface="Arial"/>
-                <a:sym typeface="Arial"/>
+                <a:latin typeface="Arial" panose="020B0604020202020204"/>
+                <a:ea typeface="Arial" panose="020B0604020202020204"/>
+                <a:cs typeface="Arial" panose="020B0604020202020204"/>
+                <a:sym typeface="Arial" panose="020B0604020202020204"/>
               </a:defRPr>
             </a:pPr>
             <a:r>
@@ -3751,10 +3664,10 @@
                 <a:tab pos="9829800" algn="l"/>
               </a:tabLst>
               <a:defRPr>
-                <a:latin typeface="Arial"/>
-                <a:ea typeface="Arial"/>
-                <a:cs typeface="Arial"/>
-                <a:sym typeface="Arial"/>
+                <a:latin typeface="Arial" panose="020B0604020202020204"/>
+                <a:ea typeface="Arial" panose="020B0604020202020204"/>
+                <a:cs typeface="Arial" panose="020B0604020202020204"/>
+                <a:sym typeface="Arial" panose="020B0604020202020204"/>
               </a:defRPr>
             </a:pPr>
             <a:r>
@@ -3793,10 +3706,10 @@
                 <a:tab pos="9829800" algn="l"/>
               </a:tabLst>
               <a:defRPr>
-                <a:latin typeface="Arial"/>
-                <a:ea typeface="Arial"/>
-                <a:cs typeface="Arial"/>
-                <a:sym typeface="Arial"/>
+                <a:latin typeface="Arial" panose="020B0604020202020204"/>
+                <a:ea typeface="Arial" panose="020B0604020202020204"/>
+                <a:cs typeface="Arial" panose="020B0604020202020204"/>
+                <a:sym typeface="Arial" panose="020B0604020202020204"/>
               </a:defRPr>
             </a:pPr>
             <a:r>
@@ -3834,11 +3747,11 @@
                 <a:tab pos="9372600" algn="l"/>
                 <a:tab pos="9829800" algn="l"/>
               </a:tabLst>
-              <a:defRPr b="1" sz="2400">
-                <a:latin typeface="Arial"/>
-                <a:ea typeface="Arial"/>
-                <a:cs typeface="Arial"/>
-                <a:sym typeface="Arial"/>
+              <a:defRPr sz="2400" b="1">
+                <a:latin typeface="Arial" panose="020B0604020202020204"/>
+                <a:ea typeface="Arial" panose="020B0604020202020204"/>
+                <a:cs typeface="Arial" panose="020B0604020202020204"/>
+                <a:sym typeface="Arial" panose="020B0604020202020204"/>
               </a:defRPr>
             </a:pPr>
             <a:r>
@@ -3877,10 +3790,10 @@
                 <a:tab pos="9829800" algn="l"/>
               </a:tabLst>
               <a:defRPr>
-                <a:latin typeface="Arial"/>
-                <a:ea typeface="Arial"/>
-                <a:cs typeface="Arial"/>
-                <a:sym typeface="Arial"/>
+                <a:latin typeface="Arial" panose="020B0604020202020204"/>
+                <a:ea typeface="Arial" panose="020B0604020202020204"/>
+                <a:cs typeface="Arial" panose="020B0604020202020204"/>
+                <a:sym typeface="Arial" panose="020B0604020202020204"/>
               </a:defRPr>
             </a:pPr>
             <a:r>
@@ -3888,7 +3801,7 @@
             </a:r>
           </a:p>
           <a:p>
-            <a:pPr lvl="3" marL="1371600" indent="0">
+            <a:pPr marL="1371600" lvl="3" indent="0">
               <a:lnSpc>
                 <a:spcPct val="95000"/>
               </a:lnSpc>
@@ -3899,7 +3812,7 @@
                 <a:srgbClr val="FFFFFF"/>
               </a:buClr>
               <a:buSzPct val="100000"/>
-              <a:buFont typeface="Times New Roman"/>
+              <a:buFont typeface="Times New Roman" panose="02020603050405020304"/>
               <a:buChar char="•"/>
               <a:tabLst>
                 <a:tab pos="685800" algn="l"/>
@@ -3925,10 +3838,10 @@
                 <a:tab pos="9829800" algn="l"/>
               </a:tabLst>
               <a:defRPr>
-                <a:latin typeface="Arial"/>
-                <a:ea typeface="Arial"/>
-                <a:cs typeface="Arial"/>
-                <a:sym typeface="Arial"/>
+                <a:latin typeface="Arial" panose="020B0604020202020204"/>
+                <a:ea typeface="Arial" panose="020B0604020202020204"/>
+                <a:cs typeface="Arial" panose="020B0604020202020204"/>
+                <a:sym typeface="Arial" panose="020B0604020202020204"/>
               </a:defRPr>
             </a:pPr>
             <a:r>
@@ -3967,10 +3880,10 @@
                 <a:tab pos="9829800" algn="l"/>
               </a:tabLst>
               <a:defRPr>
-                <a:latin typeface="Arial"/>
-                <a:ea typeface="Arial"/>
-                <a:cs typeface="Arial"/>
-                <a:sym typeface="Arial"/>
+                <a:latin typeface="Arial" panose="020B0604020202020204"/>
+                <a:ea typeface="Arial" panose="020B0604020202020204"/>
+                <a:cs typeface="Arial" panose="020B0604020202020204"/>
+                <a:sym typeface="Arial" panose="020B0604020202020204"/>
               </a:defRPr>
             </a:pPr>
             <a:r>
@@ -4016,10 +3929,10 @@
                 <a:tab pos="9829800" algn="l"/>
               </a:tabLst>
               <a:defRPr>
-                <a:latin typeface="Arial"/>
-                <a:ea typeface="Arial"/>
-                <a:cs typeface="Arial"/>
-                <a:sym typeface="Arial"/>
+                <a:latin typeface="Arial" panose="020B0604020202020204"/>
+                <a:ea typeface="Arial" panose="020B0604020202020204"/>
+                <a:cs typeface="Arial" panose="020B0604020202020204"/>
+                <a:sym typeface="Arial" panose="020B0604020202020204"/>
               </a:defRPr>
             </a:pPr>
             <a:r>
@@ -4058,10 +3971,10 @@
                 <a:tab pos="9829800" algn="l"/>
               </a:tabLst>
               <a:defRPr>
-                <a:latin typeface="Arial"/>
-                <a:ea typeface="Arial"/>
-                <a:cs typeface="Arial"/>
-                <a:sym typeface="Arial"/>
+                <a:latin typeface="Arial" panose="020B0604020202020204"/>
+                <a:ea typeface="Arial" panose="020B0604020202020204"/>
+                <a:cs typeface="Arial" panose="020B0604020202020204"/>
+                <a:sym typeface="Arial" panose="020B0604020202020204"/>
               </a:defRPr>
             </a:pPr>
             <a:r>
@@ -4075,12 +3988,12 @@
   <p:clrMapOvr>
     <a:masterClrMapping/>
   </p:clrMapOvr>
-  <p:transition xmlns:p14="http://schemas.microsoft.com/office/powerpoint/2010/main" spd="med" advClick="1"/>
+  <p:transition spd="med"/>
 </p:sld>
 </file>
 
 <file path=ppt/slides/slide13.xml><?xml version="1.0" encoding="utf-8"?>
-<p:sld xmlns:a="http://schemas.openxmlformats.org/drawingml/2006/main" xmlns:r="http://schemas.openxmlformats.org/officeDocument/2006/relationships" xmlns:p="http://schemas.openxmlformats.org/presentationml/2006/main" xmlns:m="http://schemas.openxmlformats.org/officeDocument/2006/math" xmlns:a14="http://schemas.microsoft.com/office/drawing/2010/main" showMasterSp="1" showMasterPhAnim="1">
+<p:sld xmlns:a="http://schemas.openxmlformats.org/drawingml/2006/main" xmlns:r="http://schemas.openxmlformats.org/officeDocument/2006/relationships" xmlns:p="http://schemas.openxmlformats.org/presentationml/2006/main">
   <p:cSld>
     <p:spTree>
       <p:nvGrpSpPr>
@@ -4139,11 +4052,10 @@
                 <a:tab pos="8686800" algn="l"/>
                 <a:tab pos="9144000" algn="l"/>
               </a:tabLst>
-              <a:defRPr b="1" sz="3600"/>
+              <a:defRPr sz="3600" b="1"/>
             </a:lvl1pPr>
           </a:lstStyle>
           <a:p>
-            <a:pPr/>
             <a:r>
               <a:t>2PL Concurrency Control (cont.)</a:t>
             </a:r>
@@ -4167,11 +4079,6 @@
           <a:ln w="12700">
             <a:miter lim="400000"/>
           </a:ln>
-          <a:extLst>
-            <a:ext uri="{C572A759-6A51-4108-AA02-DFA0A04FC94B}">
-              <ma14:wrappingTextBoxFlag xmlns:ma14="http://schemas.microsoft.com/office/mac/drawingml/2011/main" val="1"/>
-            </a:ext>
-          </a:extLst>
         </p:spPr>
         <p:txBody>
           <a:bodyPr lIns="46799" tIns="46799" rIns="46799" bIns="46799">
@@ -4179,7 +4086,7 @@
           </a:bodyPr>
           <a:lstStyle/>
           <a:p>
-            <a:pPr marL="442912" indent="-428625">
+            <a:pPr marL="442595" indent="-428625">
               <a:spcBef>
                 <a:spcPts val="600"/>
               </a:spcBef>
@@ -4206,11 +4113,11 @@
                 <a:tab pos="9144000" algn="l"/>
                 <a:tab pos="9601200" algn="l"/>
               </a:tabLst>
-              <a:defRPr b="1" sz="2400">
-                <a:latin typeface="Arial"/>
-                <a:ea typeface="Arial"/>
-                <a:cs typeface="Arial"/>
-                <a:sym typeface="Arial"/>
+              <a:defRPr sz="2400" b="1">
+                <a:latin typeface="Arial" panose="020B0604020202020204"/>
+                <a:ea typeface="Arial" panose="020B0604020202020204"/>
+                <a:cs typeface="Arial" panose="020B0604020202020204"/>
+                <a:sym typeface="Arial" panose="020B0604020202020204"/>
               </a:defRPr>
             </a:pPr>
             <a:r>
@@ -4218,7 +4125,7 @@
             </a:r>
           </a:p>
           <a:p>
-            <a:pPr marL="442912" indent="-428625">
+            <a:pPr marL="442595" indent="-428625">
               <a:spcBef>
                 <a:spcPts val="1100"/>
               </a:spcBef>
@@ -4246,10 +4153,10 @@
                 <a:tab pos="9601200" algn="l"/>
               </a:tabLst>
               <a:defRPr>
-                <a:latin typeface="Arial"/>
-                <a:ea typeface="Arial"/>
-                <a:cs typeface="Arial"/>
-                <a:sym typeface="Arial"/>
+                <a:latin typeface="Arial" panose="020B0604020202020204"/>
+                <a:ea typeface="Arial" panose="020B0604020202020204"/>
+                <a:cs typeface="Arial" panose="020B0604020202020204"/>
+                <a:sym typeface="Arial" panose="020B0604020202020204"/>
               </a:defRPr>
             </a:pPr>
             <a:r>
@@ -4257,7 +4164,7 @@
             </a:r>
           </a:p>
           <a:p>
-            <a:pPr marL="442912" indent="-428625">
+            <a:pPr marL="442595" indent="-428625">
               <a:spcBef>
                 <a:spcPts val="1100"/>
               </a:spcBef>
@@ -4285,10 +4192,10 @@
                 <a:tab pos="9601200" algn="l"/>
               </a:tabLst>
               <a:defRPr>
-                <a:latin typeface="Arial"/>
-                <a:ea typeface="Arial"/>
-                <a:cs typeface="Arial"/>
-                <a:sym typeface="Arial"/>
+                <a:latin typeface="Arial" panose="020B0604020202020204"/>
+                <a:ea typeface="Arial" panose="020B0604020202020204"/>
+                <a:cs typeface="Arial" panose="020B0604020202020204"/>
+                <a:sym typeface="Arial" panose="020B0604020202020204"/>
               </a:defRPr>
             </a:pPr>
             <a:r>
@@ -4303,7 +4210,7 @@
             </a:r>
           </a:p>
           <a:p>
-            <a:pPr marL="442912" indent="-428625" algn="just">
+            <a:pPr marL="442595" indent="-428625" algn="just">
               <a:spcBef>
                 <a:spcPts val="1100"/>
               </a:spcBef>
@@ -4331,10 +4238,10 @@
                 <a:tab pos="9601200" algn="l"/>
               </a:tabLst>
               <a:defRPr b="1">
-                <a:latin typeface="Arial"/>
-                <a:ea typeface="Arial"/>
-                <a:cs typeface="Arial"/>
-                <a:sym typeface="Arial"/>
+                <a:latin typeface="Arial" panose="020B0604020202020204"/>
+                <a:ea typeface="Arial" panose="020B0604020202020204"/>
+                <a:cs typeface="Arial" panose="020B0604020202020204"/>
+                <a:sym typeface="Arial" panose="020B0604020202020204"/>
               </a:defRPr>
             </a:pPr>
             <a:r>
@@ -4344,9 +4251,10 @@
               <a:rPr b="0"/>
               <a:t>:  A transaction applies locks (read or write) on desired data items one at a time. Can also try to upgrade a lock.</a:t>
             </a:r>
-          </a:p>
-          <a:p>
-            <a:pPr marL="442912" indent="-428625" algn="just">
+            <a:endParaRPr b="0"/>
+          </a:p>
+          <a:p>
+            <a:pPr marL="442595" indent="-428625" algn="just">
               <a:spcBef>
                 <a:spcPts val="1100"/>
               </a:spcBef>
@@ -4374,10 +4282,10 @@
                 <a:tab pos="9601200" algn="l"/>
               </a:tabLst>
               <a:defRPr b="1">
-                <a:latin typeface="Arial"/>
-                <a:ea typeface="Arial"/>
-                <a:cs typeface="Arial"/>
-                <a:sym typeface="Arial"/>
+                <a:latin typeface="Arial" panose="020B0604020202020204"/>
+                <a:ea typeface="Arial" panose="020B0604020202020204"/>
+                <a:cs typeface="Arial" panose="020B0604020202020204"/>
+                <a:sym typeface="Arial" panose="020B0604020202020204"/>
               </a:defRPr>
             </a:pPr>
             <a:r>
@@ -4387,9 +4295,10 @@
               <a:rPr b="0"/>
               <a:t>: A transaction unlocks its locked data items one at a time. Can also downgrade a lock.</a:t>
             </a:r>
-          </a:p>
-          <a:p>
-            <a:pPr marL="442912" indent="-428625" algn="just">
+            <a:endParaRPr b="0"/>
+          </a:p>
+          <a:p>
+            <a:pPr marL="442595" indent="-428625" algn="just">
               <a:spcBef>
                 <a:spcPts val="1100"/>
               </a:spcBef>
@@ -4417,10 +4326,10 @@
                 <a:tab pos="9601200" algn="l"/>
               </a:tabLst>
               <a:defRPr>
-                <a:latin typeface="Arial"/>
-                <a:ea typeface="Arial"/>
-                <a:cs typeface="Arial"/>
-                <a:sym typeface="Arial"/>
+                <a:latin typeface="Arial" panose="020B0604020202020204"/>
+                <a:ea typeface="Arial" panose="020B0604020202020204"/>
+                <a:cs typeface="Arial" panose="020B0604020202020204"/>
+                <a:sym typeface="Arial" panose="020B0604020202020204"/>
               </a:defRPr>
             </a:pPr>
             <a:r>
@@ -4466,10 +4375,10 @@
                 <a:tab pos="9601200" algn="l"/>
               </a:tabLst>
               <a:defRPr>
-                <a:latin typeface="Arial"/>
-                <a:ea typeface="Arial"/>
-                <a:cs typeface="Arial"/>
-                <a:sym typeface="Arial"/>
+                <a:latin typeface="Arial" panose="020B0604020202020204"/>
+                <a:ea typeface="Arial" panose="020B0604020202020204"/>
+                <a:cs typeface="Arial" panose="020B0604020202020204"/>
+                <a:sym typeface="Arial" panose="020B0604020202020204"/>
               </a:defRPr>
             </a:pPr>
             <a:r>
@@ -4508,10 +4417,10 @@
                 <a:tab pos="9601200" algn="l"/>
               </a:tabLst>
               <a:defRPr>
-                <a:latin typeface="Arial"/>
-                <a:ea typeface="Arial"/>
-                <a:cs typeface="Arial"/>
-                <a:sym typeface="Arial"/>
+                <a:latin typeface="Arial" panose="020B0604020202020204"/>
+                <a:ea typeface="Arial" panose="020B0604020202020204"/>
+                <a:cs typeface="Arial" panose="020B0604020202020204"/>
+                <a:sym typeface="Arial" panose="020B0604020202020204"/>
               </a:defRPr>
             </a:pPr>
             <a:r>
@@ -4525,12 +4434,12 @@
   <p:clrMapOvr>
     <a:masterClrMapping/>
   </p:clrMapOvr>
-  <p:transition xmlns:p14="http://schemas.microsoft.com/office/powerpoint/2010/main" spd="med" advClick="1"/>
+  <p:transition spd="med"/>
 </p:sld>
 </file>
 
 <file path=ppt/slides/slide14.xml><?xml version="1.0" encoding="utf-8"?>
-<p:sld xmlns:a="http://schemas.openxmlformats.org/drawingml/2006/main" xmlns:r="http://schemas.openxmlformats.org/officeDocument/2006/relationships" xmlns:p="http://schemas.openxmlformats.org/presentationml/2006/main" xmlns:m="http://schemas.openxmlformats.org/officeDocument/2006/math" xmlns:a14="http://schemas.microsoft.com/office/drawing/2010/main" showMasterSp="1" showMasterPhAnim="1">
+<p:sld xmlns:a="http://schemas.openxmlformats.org/drawingml/2006/main" xmlns:r="http://schemas.openxmlformats.org/officeDocument/2006/relationships" xmlns:p="http://schemas.openxmlformats.org/presentationml/2006/main">
   <p:cSld>
     <p:spTree>
       <p:nvGrpSpPr>
@@ -4589,11 +4498,10 @@
                 <a:tab pos="8686800" algn="l"/>
                 <a:tab pos="9144000" algn="l"/>
               </a:tabLst>
-              <a:defRPr b="1" sz="3600"/>
+              <a:defRPr sz="3600" b="1"/>
             </a:lvl1pPr>
           </a:lstStyle>
           <a:p>
-            <a:pPr/>
             <a:r>
               <a:t>2PL Concurrency Control (cont.)</a:t>
             </a:r>
@@ -4617,11 +4525,6 @@
           <a:ln w="12700">
             <a:miter lim="400000"/>
           </a:ln>
-          <a:extLst>
-            <a:ext uri="{C572A759-6A51-4108-AA02-DFA0A04FC94B}">
-              <ma14:wrappingTextBoxFlag xmlns:ma14="http://schemas.microsoft.com/office/mac/drawingml/2011/main" val="1"/>
-            </a:ext>
-          </a:extLst>
         </p:spPr>
         <p:txBody>
           <a:bodyPr lIns="46799" tIns="46799" rIns="46799" bIns="46799">
@@ -4629,7 +4532,7 @@
           </a:bodyPr>
           <a:lstStyle/>
           <a:p>
-            <a:pPr marL="442912" indent="-428625">
+            <a:pPr marL="442595" indent="-428625">
               <a:spcBef>
                 <a:spcPts val="1100"/>
               </a:spcBef>
@@ -4656,11 +4559,11 @@
                 <a:tab pos="9144000" algn="l"/>
                 <a:tab pos="9601200" algn="l"/>
               </a:tabLst>
-              <a:defRPr b="1" sz="2400">
-                <a:latin typeface="Arial"/>
-                <a:ea typeface="Arial"/>
-                <a:cs typeface="Arial"/>
-                <a:sym typeface="Arial"/>
+              <a:defRPr sz="2400" b="1">
+                <a:latin typeface="Arial" panose="020B0604020202020204"/>
+                <a:ea typeface="Arial" panose="020B0604020202020204"/>
+                <a:cs typeface="Arial" panose="020B0604020202020204"/>
+                <a:sym typeface="Arial" panose="020B0604020202020204"/>
               </a:defRPr>
             </a:pPr>
             <a:r>
@@ -4668,7 +4571,7 @@
             </a:r>
           </a:p>
           <a:p>
-            <a:pPr marL="442912" indent="-428625">
+            <a:pPr marL="442595" indent="-428625">
               <a:spcBef>
                 <a:spcPts val="1100"/>
               </a:spcBef>
@@ -4696,10 +4599,10 @@
                 <a:tab pos="9601200" algn="l"/>
               </a:tabLst>
               <a:defRPr>
-                <a:latin typeface="Arial"/>
-                <a:ea typeface="Arial"/>
-                <a:cs typeface="Arial"/>
-                <a:sym typeface="Arial"/>
+                <a:latin typeface="Arial" panose="020B0604020202020204"/>
+                <a:ea typeface="Arial" panose="020B0604020202020204"/>
+                <a:cs typeface="Arial" panose="020B0604020202020204"/>
+                <a:sym typeface="Arial" panose="020B0604020202020204"/>
               </a:defRPr>
             </a:pPr>
             <a:r>
@@ -4721,7 +4624,7 @@
             </a:r>
           </a:p>
           <a:p>
-            <a:pPr marL="442912" indent="-428625" algn="just">
+            <a:pPr marL="442595" indent="-428625" algn="just">
               <a:spcBef>
                 <a:spcPts val="1100"/>
               </a:spcBef>
@@ -4749,10 +4652,10 @@
                 <a:tab pos="9601200" algn="l"/>
               </a:tabLst>
               <a:defRPr b="1">
-                <a:latin typeface="Arial"/>
-                <a:ea typeface="Arial"/>
-                <a:cs typeface="Arial"/>
-                <a:sym typeface="Arial"/>
+                <a:latin typeface="Arial" panose="020B0604020202020204"/>
+                <a:ea typeface="Arial" panose="020B0604020202020204"/>
+                <a:cs typeface="Arial" panose="020B0604020202020204"/>
+                <a:sym typeface="Arial" panose="020B0604020202020204"/>
               </a:defRPr>
             </a:pPr>
             <a:r>
@@ -4769,9 +4672,10 @@
               <a:rPr b="0"/>
               <a:t>and can no longer upgrade locks or request new locks.</a:t>
             </a:r>
-          </a:p>
-          <a:p>
-            <a:pPr marL="442912" indent="-428625" algn="just">
+            <a:endParaRPr b="0"/>
+          </a:p>
+          <a:p>
+            <a:pPr marL="442595" indent="-428625" algn="just">
               <a:spcBef>
                 <a:spcPts val="1100"/>
               </a:spcBef>
@@ -4799,10 +4703,10 @@
                 <a:tab pos="9601200" algn="l"/>
               </a:tabLst>
               <a:defRPr b="1">
-                <a:latin typeface="Arial"/>
-                <a:ea typeface="Arial"/>
-                <a:cs typeface="Arial"/>
-                <a:sym typeface="Arial"/>
+                <a:latin typeface="Arial" panose="020B0604020202020204"/>
+                <a:ea typeface="Arial" panose="020B0604020202020204"/>
+                <a:cs typeface="Arial" panose="020B0604020202020204"/>
+                <a:sym typeface="Arial" panose="020B0604020202020204"/>
               </a:defRPr>
             </a:pPr>
             <a:r>
@@ -4815,7 +4719,7 @@
             <a:endParaRPr i="1"/>
           </a:p>
           <a:p>
-            <a:pPr marL="442912" indent="-428625" algn="just">
+            <a:pPr marL="442595" indent="-428625" algn="just">
               <a:spcBef>
                 <a:spcPts val="1100"/>
               </a:spcBef>
@@ -4843,10 +4747,10 @@
                 <a:tab pos="9601200" algn="l"/>
               </a:tabLst>
               <a:defRPr>
-                <a:latin typeface="Arial"/>
-                <a:ea typeface="Arial"/>
-                <a:cs typeface="Arial"/>
-                <a:sym typeface="Arial"/>
+                <a:latin typeface="Arial" panose="020B0604020202020204"/>
+                <a:ea typeface="Arial" panose="020B0604020202020204"/>
+                <a:cs typeface="Arial" panose="020B0604020202020204"/>
+                <a:sym typeface="Arial" panose="020B0604020202020204"/>
               </a:defRPr>
             </a:pPr>
             <a:r>
@@ -4899,10 +4803,10 @@
                 <a:tab pos="9601200" algn="l"/>
               </a:tabLst>
               <a:defRPr>
-                <a:latin typeface="Arial"/>
-                <a:ea typeface="Arial"/>
-                <a:cs typeface="Arial"/>
-                <a:sym typeface="Arial"/>
+                <a:latin typeface="Arial" panose="020B0604020202020204"/>
+                <a:ea typeface="Arial" panose="020B0604020202020204"/>
+                <a:cs typeface="Arial" panose="020B0604020202020204"/>
+                <a:sym typeface="Arial" panose="020B0604020202020204"/>
               </a:defRPr>
             </a:pPr>
             <a:r>
@@ -4916,38 +4820,12 @@
   <p:clrMapOvr>
     <a:masterClrMapping/>
   </p:clrMapOvr>
-  <p:transition xmlns:p14="http://schemas.microsoft.com/office/powerpoint/2010/main" spd="med" advClick="1"/>
+  <p:transition spd="med"/>
 </p:sld>
 </file>
 
 <file path=ppt/slides/slide15.xml><?xml version="1.0" encoding="utf-8"?>
-<p:sld xmlns:a="http://schemas.openxmlformats.org/drawingml/2006/main" xmlns:r="http://schemas.openxmlformats.org/officeDocument/2006/relationships" xmlns:p="http://schemas.openxmlformats.org/presentationml/2006/main" xmlns:m="http://schemas.openxmlformats.org/officeDocument/2006/math" xmlns:a14="http://schemas.microsoft.com/office/drawing/2010/main" showMasterSp="1" showMasterPhAnim="1">
-  <p:cSld>
-    <p:spTree>
-      <p:nvGrpSpPr>
-        <p:cNvPr id="1" name=""/>
-        <p:cNvGrpSpPr/>
-        <p:nvPr/>
-      </p:nvGrpSpPr>
-      <p:grpSpPr>
-        <a:xfrm>
-          <a:off x="0" y="0"/>
-          <a:ext cx="0" cy="0"/>
-          <a:chOff x="0" y="0"/>
-          <a:chExt cx="0" cy="0"/>
-        </a:xfrm>
-      </p:grpSpPr>
-    </p:spTree>
-  </p:cSld>
-  <p:clrMapOvr>
-    <a:masterClrMapping/>
-  </p:clrMapOvr>
-  <p:transition xmlns:p14="http://schemas.microsoft.com/office/powerpoint/2010/main" spd="med" advClick="1"/>
-</p:sld>
-</file>
-
-<file path=ppt/slides/slide16.xml><?xml version="1.0" encoding="utf-8"?>
-<p:sld xmlns:a="http://schemas.openxmlformats.org/drawingml/2006/main" xmlns:r="http://schemas.openxmlformats.org/officeDocument/2006/relationships" xmlns:p="http://schemas.openxmlformats.org/presentationml/2006/main" xmlns:m="http://schemas.openxmlformats.org/officeDocument/2006/math" xmlns:a14="http://schemas.microsoft.com/office/drawing/2010/main" showMasterSp="1" showMasterPhAnim="1">
+<p:sld xmlns:a="http://schemas.openxmlformats.org/drawingml/2006/main" xmlns:r="http://schemas.openxmlformats.org/officeDocument/2006/relationships" xmlns:p="http://schemas.openxmlformats.org/presentationml/2006/main">
   <p:cSld>
     <p:spTree>
       <p:nvGrpSpPr>
@@ -5006,11 +4884,10 @@
                 <a:tab pos="8686800" algn="l"/>
                 <a:tab pos="9144000" algn="l"/>
               </a:tabLst>
-              <a:defRPr b="1" sz="3600"/>
+              <a:defRPr sz="3600" b="1"/>
             </a:lvl1pPr>
           </a:lstStyle>
           <a:p>
-            <a:pPr/>
             <a:r>
               <a:t>2PL Concurrency Control (cont.)</a:t>
             </a:r>
@@ -5034,11 +4911,6 @@
           <a:ln w="12700">
             <a:miter lim="400000"/>
           </a:ln>
-          <a:extLst>
-            <a:ext uri="{C572A759-6A51-4108-AA02-DFA0A04FC94B}">
-              <ma14:wrappingTextBoxFlag xmlns:ma14="http://schemas.microsoft.com/office/mac/drawingml/2011/main" val="1"/>
-            </a:ext>
-          </a:extLst>
         </p:spPr>
         <p:txBody>
           <a:bodyPr lIns="46799" tIns="46799" rIns="46799" bIns="46799">
@@ -5046,7 +4918,7 @@
           </a:bodyPr>
           <a:lstStyle/>
           <a:p>
-            <a:pPr marL="442912" indent="-428625">
+            <a:pPr marL="442595" indent="-428625">
               <a:spcBef>
                 <a:spcPts val="600"/>
               </a:spcBef>
@@ -5073,11 +4945,11 @@
                 <a:tab pos="9144000" algn="l"/>
                 <a:tab pos="9601200" algn="l"/>
               </a:tabLst>
-              <a:defRPr b="1" sz="2400">
-                <a:latin typeface="Arial"/>
-                <a:ea typeface="Arial"/>
-                <a:cs typeface="Arial"/>
-                <a:sym typeface="Arial"/>
+              <a:defRPr sz="2400" b="1">
+                <a:latin typeface="Arial" panose="020B0604020202020204"/>
+                <a:ea typeface="Arial" panose="020B0604020202020204"/>
+                <a:cs typeface="Arial" panose="020B0604020202020204"/>
+                <a:sym typeface="Arial" panose="020B0604020202020204"/>
               </a:defRPr>
             </a:pPr>
             <a:r>
@@ -5085,7 +4957,7 @@
             </a:r>
           </a:p>
           <a:p>
-            <a:pPr marL="442912" indent="-428625" algn="just">
+            <a:pPr marL="442595" indent="-428625" algn="just">
               <a:spcBef>
                 <a:spcPts val="1100"/>
               </a:spcBef>
@@ -5113,10 +4985,10 @@
                 <a:tab pos="9601200" algn="l"/>
               </a:tabLst>
               <a:defRPr b="1">
-                <a:latin typeface="Arial"/>
-                <a:ea typeface="Arial"/>
-                <a:cs typeface="Arial"/>
-                <a:sym typeface="Arial"/>
+                <a:latin typeface="Arial" panose="020B0604020202020204"/>
+                <a:ea typeface="Arial" panose="020B0604020202020204"/>
+                <a:cs typeface="Arial" panose="020B0604020202020204"/>
+                <a:sym typeface="Arial" panose="020B0604020202020204"/>
               </a:defRPr>
             </a:pPr>
             <a:r>
@@ -5124,7 +4996,7 @@
             </a:r>
           </a:p>
           <a:p>
-            <a:pPr marL="442912" indent="-428625" algn="just">
+            <a:pPr marL="442595" indent="-428625" algn="just">
               <a:spcBef>
                 <a:spcPts val="1100"/>
               </a:spcBef>
@@ -5152,10 +5024,10 @@
                 <a:tab pos="9601200" algn="l"/>
               </a:tabLst>
               <a:defRPr b="1">
-                <a:latin typeface="Arial"/>
-                <a:ea typeface="Arial"/>
-                <a:cs typeface="Arial"/>
-                <a:sym typeface="Arial"/>
+                <a:latin typeface="Arial" panose="020B0604020202020204"/>
+                <a:ea typeface="Arial" panose="020B0604020202020204"/>
+                <a:cs typeface="Arial" panose="020B0604020202020204"/>
+                <a:sym typeface="Arial" panose="020B0604020202020204"/>
               </a:defRPr>
             </a:pPr>
             <a:r>
@@ -5181,9 +5053,10 @@
               <a:rPr b="0"/>
               <a:t> since no lock requests are issued once transaction execution starts.</a:t>
             </a:r>
-          </a:p>
-          <a:p>
-            <a:pPr marL="442912" indent="-428625" algn="just">
+            <a:endParaRPr b="0"/>
+          </a:p>
+          <a:p>
+            <a:pPr marL="442595" indent="-428625" algn="just">
               <a:spcBef>
                 <a:spcPts val="1100"/>
               </a:spcBef>
@@ -5211,10 +5084,10 @@
                 <a:tab pos="9601200" algn="l"/>
               </a:tabLst>
               <a:defRPr b="1">
-                <a:latin typeface="Arial"/>
-                <a:ea typeface="Arial"/>
-                <a:cs typeface="Arial"/>
-                <a:sym typeface="Arial"/>
+                <a:latin typeface="Arial" panose="020B0604020202020204"/>
+                <a:ea typeface="Arial" panose="020B0604020202020204"/>
+                <a:cs typeface="Arial" panose="020B0604020202020204"/>
+                <a:sym typeface="Arial" panose="020B0604020202020204"/>
               </a:defRPr>
             </a:pPr>
             <a:r>
@@ -5240,9 +5113,10 @@
               <a:rPr b="0"/>
               <a:t>. This is the most commonly used two-phase locking algorithm, and ensures strict schedules (for recoverability).</a:t>
             </a:r>
-          </a:p>
-          <a:p>
-            <a:pPr marL="442912" indent="-428625" algn="just">
+            <a:endParaRPr b="0"/>
+          </a:p>
+          <a:p>
+            <a:pPr marL="442595" indent="-428625" algn="just">
               <a:spcBef>
                 <a:spcPts val="1100"/>
               </a:spcBef>
@@ -5270,10 +5144,10 @@
                 <a:tab pos="9601200" algn="l"/>
               </a:tabLst>
               <a:defRPr b="1">
-                <a:latin typeface="Arial"/>
-                <a:ea typeface="Arial"/>
-                <a:cs typeface="Arial"/>
-                <a:sym typeface="Arial"/>
+                <a:latin typeface="Arial" panose="020B0604020202020204"/>
+                <a:ea typeface="Arial" panose="020B0604020202020204"/>
+                <a:cs typeface="Arial" panose="020B0604020202020204"/>
+                <a:sym typeface="Arial" panose="020B0604020202020204"/>
               </a:defRPr>
             </a:pPr>
             <a:r>
@@ -5299,6 +5173,7 @@
               <a:rPr b="0"/>
               <a:t>. Also guarantees strict schedules.</a:t>
             </a:r>
+            <a:endParaRPr b="0"/>
           </a:p>
           <a:p>
             <a:pPr lvl="1" indent="7581900" algn="just">
@@ -5332,10 +5207,10 @@
                 <a:tab pos="9601200" algn="l"/>
               </a:tabLst>
               <a:defRPr>
-                <a:latin typeface="Arial"/>
-                <a:ea typeface="Arial"/>
-                <a:cs typeface="Arial"/>
-                <a:sym typeface="Arial"/>
+                <a:latin typeface="Arial" panose="020B0604020202020204"/>
+                <a:ea typeface="Arial" panose="020B0604020202020204"/>
+                <a:cs typeface="Arial" panose="020B0604020202020204"/>
+                <a:sym typeface="Arial" panose="020B0604020202020204"/>
               </a:defRPr>
             </a:pPr>
             <a:r>
@@ -5368,9 +5243,7 @@
         <p:txBody>
           <a:bodyPr lIns="45719" rIns="45719"/>
           <a:lstStyle/>
-          <a:p>
-            <a:pPr/>
-          </a:p>
+          <a:p/>
         </p:txBody>
       </p:sp>
     </p:spTree>
@@ -5378,12 +5251,12 @@
   <p:clrMapOvr>
     <a:masterClrMapping/>
   </p:clrMapOvr>
-  <p:transition xmlns:p14="http://schemas.microsoft.com/office/powerpoint/2010/main" spd="med" advClick="1"/>
+  <p:transition spd="med"/>
 </p:sld>
 </file>
 
-<file path=ppt/slides/slide17.xml><?xml version="1.0" encoding="utf-8"?>
-<p:sld xmlns:a="http://schemas.openxmlformats.org/drawingml/2006/main" xmlns:r="http://schemas.openxmlformats.org/officeDocument/2006/relationships" xmlns:p="http://schemas.openxmlformats.org/presentationml/2006/main" xmlns:m="http://schemas.openxmlformats.org/officeDocument/2006/math" xmlns:a14="http://schemas.microsoft.com/office/drawing/2010/main" showMasterSp="1" showMasterPhAnim="1">
+<file path=ppt/slides/slide16.xml><?xml version="1.0" encoding="utf-8"?>
+<p:sld xmlns:a="http://schemas.openxmlformats.org/drawingml/2006/main" xmlns:r="http://schemas.openxmlformats.org/officeDocument/2006/relationships" xmlns:p="http://schemas.openxmlformats.org/presentationml/2006/main">
   <p:cSld>
     <p:spTree>
       <p:nvGrpSpPr>
@@ -5442,11 +5315,10 @@
                 <a:tab pos="8686800" algn="l"/>
                 <a:tab pos="9144000" algn="l"/>
               </a:tabLst>
-              <a:defRPr b="1" sz="3600"/>
+              <a:defRPr sz="3600" b="1"/>
             </a:lvl1pPr>
           </a:lstStyle>
           <a:p>
-            <a:pPr/>
             <a:r>
               <a:t>2PL Concurrency Control (cont.)</a:t>
             </a:r>
@@ -5470,11 +5342,6 @@
           <a:ln w="12700">
             <a:miter lim="400000"/>
           </a:ln>
-          <a:extLst>
-            <a:ext uri="{C572A759-6A51-4108-AA02-DFA0A04FC94B}">
-              <ma14:wrappingTextBoxFlag xmlns:ma14="http://schemas.microsoft.com/office/mac/drawingml/2011/main" val="1"/>
-            </a:ext>
-          </a:extLst>
         </p:spPr>
         <p:txBody>
           <a:bodyPr lIns="46799" tIns="46799" rIns="46799" bIns="46799">
@@ -5482,7 +5349,7 @@
           </a:bodyPr>
           <a:lstStyle/>
           <a:p>
-            <a:pPr marL="442912" indent="-428625">
+            <a:pPr marL="442595" indent="-428625">
               <a:spcBef>
                 <a:spcPts val="600"/>
               </a:spcBef>
@@ -5509,11 +5376,11 @@
                 <a:tab pos="9144000" algn="l"/>
                 <a:tab pos="9601200" algn="l"/>
               </a:tabLst>
-              <a:defRPr b="1" sz="2400">
-                <a:latin typeface="Arial"/>
-                <a:ea typeface="Arial"/>
-                <a:cs typeface="Arial"/>
-                <a:sym typeface="Arial"/>
+              <a:defRPr sz="2400" b="1">
+                <a:latin typeface="Arial" panose="020B0604020202020204"/>
+                <a:ea typeface="Arial" panose="020B0604020202020204"/>
+                <a:cs typeface="Arial" panose="020B0604020202020204"/>
+                <a:sym typeface="Arial" panose="020B0604020202020204"/>
               </a:defRPr>
             </a:pPr>
             <a:r>
@@ -5521,7 +5388,7 @@
             </a:r>
           </a:p>
           <a:p>
-            <a:pPr marL="442912" indent="-428625" algn="just">
+            <a:pPr marL="442595" indent="-428625" algn="just">
               <a:spcBef>
                 <a:spcPts val="1100"/>
               </a:spcBef>
@@ -5549,10 +5416,10 @@
                 <a:tab pos="9601200" algn="l"/>
               </a:tabLst>
               <a:defRPr b="1">
-                <a:latin typeface="Arial"/>
-                <a:ea typeface="Arial"/>
-                <a:cs typeface="Arial"/>
-                <a:sym typeface="Arial"/>
+                <a:latin typeface="Arial" panose="020B0604020202020204"/>
+                <a:ea typeface="Arial" panose="020B0604020202020204"/>
+                <a:cs typeface="Arial" panose="020B0604020202020204"/>
+                <a:sym typeface="Arial" panose="020B0604020202020204"/>
               </a:defRPr>
             </a:pPr>
             <a:r>
@@ -5574,7 +5441,7 @@
             </a:r>
           </a:p>
           <a:p>
-            <a:pPr marL="442912" indent="-428625">
+            <a:pPr marL="442595" indent="-428625">
               <a:spcBef>
                 <a:spcPts val="1100"/>
               </a:spcBef>
@@ -5602,10 +5469,10 @@
                 <a:tab pos="9601200" algn="l"/>
               </a:tabLst>
               <a:defRPr>
-                <a:latin typeface="Arial"/>
-                <a:ea typeface="Arial"/>
-                <a:cs typeface="Arial"/>
-                <a:sym typeface="Arial"/>
+                <a:latin typeface="Arial" panose="020B0604020202020204"/>
+                <a:ea typeface="Arial" panose="020B0604020202020204"/>
+                <a:cs typeface="Arial" panose="020B0604020202020204"/>
+                <a:sym typeface="Arial" panose="020B0604020202020204"/>
               </a:defRPr>
             </a:pPr>
             <a:r>
@@ -5613,7 +5480,7 @@
             </a:r>
           </a:p>
           <a:p>
-            <a:pPr marL="442912" indent="-428625">
+            <a:pPr marL="442595" indent="-428625">
               <a:tabLst>
                 <a:tab pos="457200" algn="l"/>
                 <a:tab pos="914400" algn="l"/>
@@ -5638,10 +5505,10 @@
                 <a:tab pos="9601200" algn="l"/>
               </a:tabLst>
               <a:defRPr>
-                <a:latin typeface="Arial"/>
-                <a:ea typeface="Arial"/>
-                <a:cs typeface="Arial"/>
-                <a:sym typeface="Arial"/>
+                <a:latin typeface="Arial" panose="020B0604020202020204"/>
+                <a:ea typeface="Arial" panose="020B0604020202020204"/>
+                <a:cs typeface="Arial" panose="020B0604020202020204"/>
+                <a:sym typeface="Arial" panose="020B0604020202020204"/>
               </a:defRPr>
             </a:pPr>
             <a:r>
@@ -5649,7 +5516,7 @@
             </a:r>
           </a:p>
           <a:p>
-            <a:pPr marL="442912" indent="-428625">
+            <a:pPr marL="442595" indent="-428625">
               <a:tabLst>
                 <a:tab pos="457200" algn="l"/>
                 <a:tab pos="914400" algn="l"/>
@@ -5674,10 +5541,10 @@
                 <a:tab pos="9601200" algn="l"/>
               </a:tabLst>
               <a:defRPr>
-                <a:latin typeface="Arial"/>
-                <a:ea typeface="Arial"/>
-                <a:cs typeface="Arial"/>
-                <a:sym typeface="Arial"/>
+                <a:latin typeface="Arial" panose="020B0604020202020204"/>
+                <a:ea typeface="Arial" panose="020B0604020202020204"/>
+                <a:cs typeface="Arial" panose="020B0604020202020204"/>
+                <a:sym typeface="Arial" panose="020B0604020202020204"/>
               </a:defRPr>
             </a:pPr>
             <a:r>
@@ -5685,7 +5552,7 @@
             </a:r>
           </a:p>
           <a:p>
-            <a:pPr marL="442912" indent="-428625">
+            <a:pPr marL="442595" indent="-428625">
               <a:tabLst>
                 <a:tab pos="457200" algn="l"/>
                 <a:tab pos="914400" algn="l"/>
@@ -5710,10 +5577,10 @@
                 <a:tab pos="9601200" algn="l"/>
               </a:tabLst>
               <a:defRPr>
-                <a:latin typeface="Arial"/>
-                <a:ea typeface="Arial"/>
-                <a:cs typeface="Arial"/>
-                <a:sym typeface="Arial"/>
+                <a:latin typeface="Arial" panose="020B0604020202020204"/>
+                <a:ea typeface="Arial" panose="020B0604020202020204"/>
+                <a:cs typeface="Arial" panose="020B0604020202020204"/>
+                <a:sym typeface="Arial" panose="020B0604020202020204"/>
               </a:defRPr>
             </a:pPr>
             <a:r>
@@ -5721,7 +5588,7 @@
             </a:r>
           </a:p>
           <a:p>
-            <a:pPr marL="442912" indent="-428625">
+            <a:pPr marL="442595" indent="-428625">
               <a:tabLst>
                 <a:tab pos="457200" algn="l"/>
                 <a:tab pos="914400" algn="l"/>
@@ -5746,10 +5613,10 @@
                 <a:tab pos="9601200" algn="l"/>
               </a:tabLst>
               <a:defRPr>
-                <a:latin typeface="Arial"/>
-                <a:ea typeface="Arial"/>
-                <a:cs typeface="Arial"/>
-                <a:sym typeface="Arial"/>
+                <a:latin typeface="Arial" panose="020B0604020202020204"/>
+                <a:ea typeface="Arial" panose="020B0604020202020204"/>
+                <a:cs typeface="Arial" panose="020B0604020202020204"/>
+                <a:sym typeface="Arial" panose="020B0604020202020204"/>
               </a:defRPr>
             </a:pPr>
             <a:r>
@@ -5757,7 +5624,7 @@
             </a:r>
           </a:p>
           <a:p>
-            <a:pPr marL="442912" indent="-428625">
+            <a:pPr marL="442595" indent="-428625">
               <a:tabLst>
                 <a:tab pos="457200" algn="l"/>
                 <a:tab pos="914400" algn="l"/>
@@ -5782,10 +5649,10 @@
                 <a:tab pos="9601200" algn="l"/>
               </a:tabLst>
               <a:defRPr>
-                <a:latin typeface="Arial"/>
-                <a:ea typeface="Arial"/>
-                <a:cs typeface="Arial"/>
-                <a:sym typeface="Arial"/>
+                <a:latin typeface="Arial" panose="020B0604020202020204"/>
+                <a:ea typeface="Arial" panose="020B0604020202020204"/>
+                <a:cs typeface="Arial" panose="020B0604020202020204"/>
+                <a:sym typeface="Arial" panose="020B0604020202020204"/>
               </a:defRPr>
             </a:pPr>
             <a:r>
@@ -5793,7 +5660,7 @@
             </a:r>
           </a:p>
           <a:p>
-            <a:pPr marL="442912" indent="-428625">
+            <a:pPr marL="442595" indent="-428625">
               <a:tabLst>
                 <a:tab pos="457200" algn="l"/>
                 <a:tab pos="914400" algn="l"/>
@@ -5818,10 +5685,10 @@
                 <a:tab pos="9601200" algn="l"/>
               </a:tabLst>
               <a:defRPr>
-                <a:latin typeface="Arial"/>
-                <a:ea typeface="Arial"/>
-                <a:cs typeface="Arial"/>
-                <a:sym typeface="Arial"/>
+                <a:latin typeface="Arial" panose="020B0604020202020204"/>
+                <a:ea typeface="Arial" panose="020B0604020202020204"/>
+                <a:cs typeface="Arial" panose="020B0604020202020204"/>
+                <a:sym typeface="Arial" panose="020B0604020202020204"/>
               </a:defRPr>
             </a:pPr>
             <a:r>
@@ -5829,7 +5696,7 @@
             </a:r>
           </a:p>
           <a:p>
-            <a:pPr marL="442912" indent="-428625">
+            <a:pPr marL="442595" indent="-428625">
               <a:tabLst>
                 <a:tab pos="457200" algn="l"/>
                 <a:tab pos="914400" algn="l"/>
@@ -5854,10 +5721,10 @@
                 <a:tab pos="9601200" algn="l"/>
               </a:tabLst>
               <a:defRPr>
-                <a:latin typeface="Arial"/>
-                <a:ea typeface="Arial"/>
-                <a:cs typeface="Arial"/>
-                <a:sym typeface="Arial"/>
+                <a:latin typeface="Arial" panose="020B0604020202020204"/>
+                <a:ea typeface="Arial" panose="020B0604020202020204"/>
+                <a:cs typeface="Arial" panose="020B0604020202020204"/>
+                <a:sym typeface="Arial" panose="020B0604020202020204"/>
               </a:defRPr>
             </a:pPr>
             <a:r>
@@ -5901,10 +5768,10 @@
                 <a:tab pos="9601200" algn="l"/>
               </a:tabLst>
               <a:defRPr>
-                <a:latin typeface="Arial"/>
-                <a:ea typeface="Arial"/>
-                <a:cs typeface="Arial"/>
-                <a:sym typeface="Arial"/>
+                <a:latin typeface="Arial" panose="020B0604020202020204"/>
+                <a:ea typeface="Arial" panose="020B0604020202020204"/>
+                <a:cs typeface="Arial" panose="020B0604020202020204"/>
+                <a:sym typeface="Arial" panose="020B0604020202020204"/>
               </a:defRPr>
             </a:pPr>
             <a:r>
@@ -5937,9 +5804,7 @@
         <p:txBody>
           <a:bodyPr lIns="45719" rIns="45719"/>
           <a:lstStyle/>
-          <a:p>
-            <a:pPr/>
-          </a:p>
+          <a:p/>
         </p:txBody>
       </p:sp>
       <p:pic>
@@ -5951,9 +5816,7 @@
           <p:nvPr/>
         </p:nvPicPr>
         <p:blipFill>
-          <a:blip r:embed="rId2">
-            <a:extLst/>
-          </a:blip>
+          <a:blip r:embed="rId1"/>
           <a:stretch>
             <a:fillRect/>
           </a:stretch>
@@ -5968,6 +5831,8 @@
           </a:prstGeom>
           <a:ln w="12700">
             <a:miter lim="400000"/>
+            <a:headEnd/>
+            <a:tailEnd/>
           </a:ln>
         </p:spPr>
       </p:pic>
@@ -5976,12 +5841,12 @@
   <p:clrMapOvr>
     <a:masterClrMapping/>
   </p:clrMapOvr>
-  <p:transition xmlns:p14="http://schemas.microsoft.com/office/powerpoint/2010/main" spd="med" advClick="1"/>
+  <p:transition spd="med"/>
 </p:sld>
 </file>
 
-<file path=ppt/slides/slide18.xml><?xml version="1.0" encoding="utf-8"?>
-<p:sld xmlns:a="http://schemas.openxmlformats.org/drawingml/2006/main" xmlns:r="http://schemas.openxmlformats.org/officeDocument/2006/relationships" xmlns:p="http://schemas.openxmlformats.org/presentationml/2006/main" xmlns:m="http://schemas.openxmlformats.org/officeDocument/2006/math" xmlns:a14="http://schemas.microsoft.com/office/drawing/2010/main" showMasterSp="1" showMasterPhAnim="1">
+<file path=ppt/slides/slide17.xml><?xml version="1.0" encoding="utf-8"?>
+<p:sld xmlns:a="http://schemas.openxmlformats.org/drawingml/2006/main" xmlns:r="http://schemas.openxmlformats.org/officeDocument/2006/relationships" xmlns:p="http://schemas.openxmlformats.org/presentationml/2006/main">
   <p:cSld>
     <p:spTree>
       <p:nvGrpSpPr>
@@ -6040,11 +5905,10 @@
                 <a:tab pos="8686800" algn="l"/>
                 <a:tab pos="9144000" algn="l"/>
               </a:tabLst>
-              <a:defRPr b="1" sz="3600"/>
+              <a:defRPr sz="3600" b="1"/>
             </a:lvl1pPr>
           </a:lstStyle>
           <a:p>
-            <a:pPr/>
             <a:r>
               <a:t>2PL Concurrency Control (cont.)</a:t>
             </a:r>
@@ -6068,11 +5932,6 @@
           <a:ln w="12700">
             <a:miter lim="400000"/>
           </a:ln>
-          <a:extLst>
-            <a:ext uri="{C572A759-6A51-4108-AA02-DFA0A04FC94B}">
-              <ma14:wrappingTextBoxFlag xmlns:ma14="http://schemas.microsoft.com/office/mac/drawingml/2011/main" val="1"/>
-            </a:ext>
-          </a:extLst>
         </p:spPr>
         <p:txBody>
           <a:bodyPr lIns="46799" tIns="46799" rIns="46799" bIns="46799">
@@ -6080,7 +5939,7 @@
           </a:bodyPr>
           <a:lstStyle/>
           <a:p>
-            <a:pPr marL="900112" indent="-885825">
+            <a:pPr marL="899795" indent="-885825">
               <a:spcBef>
                 <a:spcPts val="600"/>
               </a:spcBef>
@@ -6107,11 +5966,11 @@
                 <a:tab pos="9601200" algn="l"/>
                 <a:tab pos="10058400" algn="l"/>
               </a:tabLst>
-              <a:defRPr b="1" sz="2400">
-                <a:latin typeface="Arial"/>
-                <a:ea typeface="Arial"/>
-                <a:cs typeface="Arial"/>
-                <a:sym typeface="Arial"/>
+              <a:defRPr sz="2400" b="1">
+                <a:latin typeface="Arial" panose="020B0604020202020204"/>
+                <a:ea typeface="Arial" panose="020B0604020202020204"/>
+                <a:cs typeface="Arial" panose="020B0604020202020204"/>
+                <a:sym typeface="Arial" panose="020B0604020202020204"/>
               </a:defRPr>
             </a:pPr>
             <a:r>
@@ -6119,7 +5978,7 @@
             </a:r>
           </a:p>
           <a:p>
-            <a:pPr marL="900112" indent="-885825">
+            <a:pPr marL="899795" indent="-885825">
               <a:spcBef>
                 <a:spcPts val="600"/>
               </a:spcBef>
@@ -6146,11 +6005,11 @@
                 <a:tab pos="9601200" algn="l"/>
                 <a:tab pos="10058400" algn="l"/>
               </a:tabLst>
-              <a:defRPr b="1" sz="2400">
-                <a:latin typeface="Arial"/>
-                <a:ea typeface="Arial"/>
-                <a:cs typeface="Arial"/>
-                <a:sym typeface="Arial"/>
+              <a:defRPr sz="2400" b="1">
+                <a:latin typeface="Arial" panose="020B0604020202020204"/>
+                <a:ea typeface="Arial" panose="020B0604020202020204"/>
+                <a:cs typeface="Arial" panose="020B0604020202020204"/>
+                <a:sym typeface="Arial" panose="020B0604020202020204"/>
               </a:defRPr>
             </a:pPr>
             <a:r>
@@ -6158,7 +6017,7 @@
             </a:r>
           </a:p>
           <a:p>
-            <a:pPr marL="900112" indent="-885825">
+            <a:pPr marL="899795" indent="-885825">
               <a:spcBef>
                 <a:spcPts val="600"/>
               </a:spcBef>
@@ -6185,11 +6044,11 @@
                 <a:tab pos="9601200" algn="l"/>
                 <a:tab pos="10058400" algn="l"/>
               </a:tabLst>
-              <a:defRPr b="1" sz="2400">
-                <a:latin typeface="Arial"/>
-                <a:ea typeface="Arial"/>
-                <a:cs typeface="Arial"/>
-                <a:sym typeface="Arial"/>
+              <a:defRPr sz="2400" b="1">
+                <a:latin typeface="Arial" panose="020B0604020202020204"/>
+                <a:ea typeface="Arial" panose="020B0604020202020204"/>
+                <a:cs typeface="Arial" panose="020B0604020202020204"/>
+                <a:sym typeface="Arial" panose="020B0604020202020204"/>
               </a:defRPr>
             </a:pPr>
             <a:r>
@@ -6197,7 +6056,7 @@
             </a:r>
           </a:p>
           <a:p>
-            <a:pPr marL="900112" indent="-885825" algn="just">
+            <a:pPr marL="899795" indent="-885825" algn="just">
               <a:spcBef>
                 <a:spcPts val="1100"/>
               </a:spcBef>
@@ -6225,10 +6084,10 @@
                 <a:tab pos="10058400" algn="l"/>
               </a:tabLst>
               <a:defRPr b="1">
-                <a:latin typeface="Arial"/>
-                <a:ea typeface="Arial"/>
-                <a:cs typeface="Arial"/>
-                <a:sym typeface="Arial"/>
+                <a:latin typeface="Arial" panose="020B0604020202020204"/>
+                <a:ea typeface="Arial" panose="020B0604020202020204"/>
+                <a:cs typeface="Arial" panose="020B0604020202020204"/>
+                <a:sym typeface="Arial" panose="020B0604020202020204"/>
               </a:defRPr>
             </a:pPr>
             <a:r>
@@ -6236,7 +6095,7 @@
             </a:r>
           </a:p>
           <a:p>
-            <a:pPr marL="900112" indent="-885825" algn="just">
+            <a:pPr marL="899795" indent="-885825" algn="just">
               <a:spcBef>
                 <a:spcPts val="1100"/>
               </a:spcBef>
@@ -6264,15 +6123,15 @@
                 <a:tab pos="10058400" algn="l"/>
               </a:tabLst>
               <a:defRPr>
-                <a:latin typeface="Arial"/>
-                <a:ea typeface="Arial"/>
-                <a:cs typeface="Arial"/>
-                <a:sym typeface="Arial"/>
+                <a:latin typeface="Arial" panose="020B0604020202020204"/>
+                <a:ea typeface="Arial" panose="020B0604020202020204"/>
+                <a:cs typeface="Arial" panose="020B0604020202020204"/>
+                <a:sym typeface="Arial" panose="020B0604020202020204"/>
               </a:defRPr>
             </a:pPr>
           </a:p>
           <a:p>
-            <a:pPr marL="900112" indent="-885825">
+            <a:pPr marL="899795" indent="-885825">
               <a:spcBef>
                 <a:spcPts val="600"/>
               </a:spcBef>
@@ -6299,29 +6158,29 @@
                 <a:tab pos="9601200" algn="l"/>
                 <a:tab pos="10058400" algn="l"/>
               </a:tabLst>
-              <a:defRPr b="1" sz="2400"/>
+              <a:defRPr sz="2400" b="1"/>
             </a:pPr>
             <a:r>
               <a:t>     </a:t>
             </a:r>
             <a:r>
               <a:rPr>
-                <a:latin typeface="Arial"/>
-                <a:ea typeface="Arial"/>
-                <a:cs typeface="Arial"/>
-                <a:sym typeface="Arial"/>
+                <a:latin typeface="Arial" panose="020B0604020202020204"/>
+                <a:ea typeface="Arial" panose="020B0604020202020204"/>
+                <a:cs typeface="Arial" panose="020B0604020202020204"/>
+                <a:sym typeface="Arial" panose="020B0604020202020204"/>
               </a:rPr>
               <a:t>Deadlock detection and resolution</a:t>
             </a:r>
             <a:endParaRPr>
-              <a:latin typeface="Arial"/>
-              <a:ea typeface="Arial"/>
-              <a:cs typeface="Arial"/>
-              <a:sym typeface="Arial"/>
+              <a:latin typeface="Arial" panose="020B0604020202020204"/>
+              <a:ea typeface="Arial" panose="020B0604020202020204"/>
+              <a:cs typeface="Arial" panose="020B0604020202020204"/>
+              <a:sym typeface="Arial" panose="020B0604020202020204"/>
             </a:endParaRPr>
           </a:p>
           <a:p>
-            <a:pPr marL="900112" indent="-885825" algn="just">
+            <a:pPr marL="899795" indent="-885825" algn="just">
               <a:spcBef>
                 <a:spcPts val="1100"/>
               </a:spcBef>
@@ -6349,10 +6208,10 @@
                 <a:tab pos="10058400" algn="l"/>
               </a:tabLst>
               <a:defRPr b="1">
-                <a:latin typeface="Arial"/>
-                <a:ea typeface="Arial"/>
-                <a:cs typeface="Arial"/>
-                <a:sym typeface="Arial"/>
+                <a:latin typeface="Arial" panose="020B0604020202020204"/>
+                <a:ea typeface="Arial" panose="020B0604020202020204"/>
+                <a:cs typeface="Arial" panose="020B0604020202020204"/>
+                <a:sym typeface="Arial" panose="020B0604020202020204"/>
               </a:defRPr>
             </a:pPr>
             <a:r>
@@ -6391,10 +6250,10 @@
                 <a:tab pos="10058400" algn="l"/>
               </a:tabLst>
               <a:defRPr>
-                <a:latin typeface="Arial"/>
-                <a:ea typeface="Arial"/>
-                <a:cs typeface="Arial"/>
-                <a:sym typeface="Arial"/>
+                <a:latin typeface="Arial" panose="020B0604020202020204"/>
+                <a:ea typeface="Arial" panose="020B0604020202020204"/>
+                <a:cs typeface="Arial" panose="020B0604020202020204"/>
+                <a:sym typeface="Arial" panose="020B0604020202020204"/>
               </a:defRPr>
             </a:pPr>
             <a:r>
@@ -6427,9 +6286,7 @@
         <p:txBody>
           <a:bodyPr lIns="45719" rIns="45719"/>
           <a:lstStyle/>
-          <a:p>
-            <a:pPr/>
-          </a:p>
+          <a:p/>
         </p:txBody>
       </p:sp>
     </p:spTree>
@@ -6437,12 +6294,12 @@
   <p:clrMapOvr>
     <a:masterClrMapping/>
   </p:clrMapOvr>
-  <p:transition xmlns:p14="http://schemas.microsoft.com/office/powerpoint/2010/main" spd="med" advClick="1"/>
+  <p:transition spd="med"/>
 </p:sld>
 </file>
 
-<file path=ppt/slides/slide19.xml><?xml version="1.0" encoding="utf-8"?>
-<p:sld xmlns:a="http://schemas.openxmlformats.org/drawingml/2006/main" xmlns:r="http://schemas.openxmlformats.org/officeDocument/2006/relationships" xmlns:p="http://schemas.openxmlformats.org/presentationml/2006/main" xmlns:m="http://schemas.openxmlformats.org/officeDocument/2006/math" xmlns:a14="http://schemas.microsoft.com/office/drawing/2010/main" showMasterSp="1" showMasterPhAnim="1">
+<file path=ppt/slides/slide18.xml><?xml version="1.0" encoding="utf-8"?>
+<p:sld xmlns:a="http://schemas.openxmlformats.org/drawingml/2006/main" xmlns:r="http://schemas.openxmlformats.org/officeDocument/2006/relationships" xmlns:p="http://schemas.openxmlformats.org/presentationml/2006/main">
   <p:cSld>
     <p:spTree>
       <p:nvGrpSpPr>
@@ -6501,11 +6358,10 @@
                 <a:tab pos="8686800" algn="l"/>
                 <a:tab pos="9144000" algn="l"/>
               </a:tabLst>
-              <a:defRPr b="1" sz="3600"/>
+              <a:defRPr sz="3600" b="1"/>
             </a:lvl1pPr>
           </a:lstStyle>
           <a:p>
-            <a:pPr/>
             <a:r>
               <a:t>2PL Concurrency Control (cont.)</a:t>
             </a:r>
@@ -6529,11 +6385,6 @@
           <a:ln w="12700">
             <a:miter lim="400000"/>
           </a:ln>
-          <a:extLst>
-            <a:ext uri="{C572A759-6A51-4108-AA02-DFA0A04FC94B}">
-              <ma14:wrappingTextBoxFlag xmlns:ma14="http://schemas.microsoft.com/office/mac/drawingml/2011/main" val="1"/>
-            </a:ext>
-          </a:extLst>
         </p:spPr>
         <p:txBody>
           <a:bodyPr lIns="46799" tIns="46799" rIns="46799" bIns="46799">
@@ -6541,7 +6392,7 @@
           </a:bodyPr>
           <a:lstStyle/>
           <a:p>
-            <a:pPr marL="900112" indent="-885825">
+            <a:pPr marL="899795" indent="-885825">
               <a:spcBef>
                 <a:spcPts val="600"/>
               </a:spcBef>
@@ -6568,16 +6419,16 @@
                 <a:tab pos="9601200" algn="l"/>
                 <a:tab pos="10058400" algn="l"/>
               </a:tabLst>
-              <a:defRPr b="1" sz="2400">
-                <a:latin typeface="Arial"/>
-                <a:ea typeface="Arial"/>
-                <a:cs typeface="Arial"/>
-                <a:sym typeface="Arial"/>
+              <a:defRPr sz="2400" b="1">
+                <a:latin typeface="Arial" panose="020B0604020202020204"/>
+                <a:ea typeface="Arial" panose="020B0604020202020204"/>
+                <a:cs typeface="Arial" panose="020B0604020202020204"/>
+                <a:sym typeface="Arial" panose="020B0604020202020204"/>
               </a:defRPr>
             </a:pPr>
           </a:p>
           <a:p>
-            <a:pPr marL="900112" indent="-885825">
+            <a:pPr marL="899795" indent="-885825">
               <a:spcBef>
                 <a:spcPts val="600"/>
               </a:spcBef>
@@ -6604,11 +6455,11 @@
                 <a:tab pos="9601200" algn="l"/>
                 <a:tab pos="10058400" algn="l"/>
               </a:tabLst>
-              <a:defRPr b="1" sz="2400">
-                <a:latin typeface="Arial"/>
-                <a:ea typeface="Arial"/>
-                <a:cs typeface="Arial"/>
-                <a:sym typeface="Arial"/>
+              <a:defRPr sz="2400" b="1">
+                <a:latin typeface="Arial" panose="020B0604020202020204"/>
+                <a:ea typeface="Arial" panose="020B0604020202020204"/>
+                <a:cs typeface="Arial" panose="020B0604020202020204"/>
+                <a:sym typeface="Arial" panose="020B0604020202020204"/>
               </a:defRPr>
             </a:pPr>
             <a:r>
@@ -6616,7 +6467,7 @@
             </a:r>
           </a:p>
           <a:p>
-            <a:pPr marL="900112" indent="-885825">
+            <a:pPr marL="899795" indent="-885825">
               <a:spcBef>
                 <a:spcPts val="600"/>
               </a:spcBef>
@@ -6643,11 +6494,11 @@
                 <a:tab pos="9601200" algn="l"/>
                 <a:tab pos="10058400" algn="l"/>
               </a:tabLst>
-              <a:defRPr b="1" sz="2400">
-                <a:latin typeface="Arial"/>
-                <a:ea typeface="Arial"/>
-                <a:cs typeface="Arial"/>
-                <a:sym typeface="Arial"/>
+              <a:defRPr sz="2400" b="1">
+                <a:latin typeface="Arial" panose="020B0604020202020204"/>
+                <a:ea typeface="Arial" panose="020B0604020202020204"/>
+                <a:cs typeface="Arial" panose="020B0604020202020204"/>
+                <a:sym typeface="Arial" panose="020B0604020202020204"/>
               </a:defRPr>
             </a:pPr>
             <a:r>
@@ -6655,7 +6506,7 @@
             </a:r>
           </a:p>
           <a:p>
-            <a:pPr marL="900112" indent="-885825" algn="just">
+            <a:pPr marL="899795" indent="-885825" algn="just">
               <a:spcBef>
                 <a:spcPts val="1100"/>
               </a:spcBef>
@@ -6683,10 +6534,10 @@
                 <a:tab pos="10058400" algn="l"/>
               </a:tabLst>
               <a:defRPr b="1">
-                <a:latin typeface="Arial"/>
-                <a:ea typeface="Arial"/>
-                <a:cs typeface="Arial"/>
-                <a:sym typeface="Arial"/>
+                <a:latin typeface="Arial" panose="020B0604020202020204"/>
+                <a:ea typeface="Arial" panose="020B0604020202020204"/>
+                <a:cs typeface="Arial" panose="020B0604020202020204"/>
+                <a:sym typeface="Arial" panose="020B0604020202020204"/>
               </a:defRPr>
             </a:pPr>
             <a:r>
@@ -6704,9 +6555,10 @@
               <a:rPr b="0"/>
               <a:t> for detecting cycles. If a cycle exists, then one transaction involved in the cycle is selected (victim) and rolled-back (aborted).</a:t>
             </a:r>
-          </a:p>
-          <a:p>
-            <a:pPr marL="900112" indent="-885825" algn="just">
+            <a:endParaRPr b="0"/>
+          </a:p>
+          <a:p>
+            <a:pPr marL="899795" indent="-885825" algn="just">
               <a:spcBef>
                 <a:spcPts val="1100"/>
               </a:spcBef>
@@ -6734,10 +6586,10 @@
                 <a:tab pos="10058400" algn="l"/>
               </a:tabLst>
               <a:defRPr>
-                <a:latin typeface="Arial"/>
-                <a:ea typeface="Arial"/>
-                <a:cs typeface="Arial"/>
-                <a:sym typeface="Arial"/>
+                <a:latin typeface="Arial" panose="020B0604020202020204"/>
+                <a:ea typeface="Arial" panose="020B0604020202020204"/>
+                <a:cs typeface="Arial" panose="020B0604020202020204"/>
+                <a:sym typeface="Arial" panose="020B0604020202020204"/>
               </a:defRPr>
             </a:pPr>
             <a:r>
@@ -6783,10 +6635,10 @@
                 <a:tab pos="10058400" algn="l"/>
               </a:tabLst>
               <a:defRPr>
-                <a:latin typeface="Arial"/>
-                <a:ea typeface="Arial"/>
-                <a:cs typeface="Arial"/>
-                <a:sym typeface="Arial"/>
+                <a:latin typeface="Arial" panose="020B0604020202020204"/>
+                <a:ea typeface="Arial" panose="020B0604020202020204"/>
+                <a:cs typeface="Arial" panose="020B0604020202020204"/>
+                <a:sym typeface="Arial" panose="020B0604020202020204"/>
               </a:defRPr>
             </a:pPr>
             <a:r>
@@ -6819,9 +6671,7 @@
         <p:txBody>
           <a:bodyPr lIns="45719" rIns="45719"/>
           <a:lstStyle/>
-          <a:p>
-            <a:pPr/>
-          </a:p>
+          <a:p/>
         </p:txBody>
       </p:sp>
     </p:spTree>
@@ -6829,12 +6679,388 @@
   <p:clrMapOvr>
     <a:masterClrMapping/>
   </p:clrMapOvr>
-  <p:transition xmlns:p14="http://schemas.microsoft.com/office/powerpoint/2010/main" spd="med" advClick="1"/>
+  <p:transition spd="med"/>
+</p:sld>
+</file>
+
+<file path=ppt/slides/slide19.xml><?xml version="1.0" encoding="utf-8"?>
+<p:sld xmlns:a="http://schemas.openxmlformats.org/drawingml/2006/main" xmlns:r="http://schemas.openxmlformats.org/officeDocument/2006/relationships" xmlns:p="http://schemas.openxmlformats.org/presentationml/2006/main">
+  <p:cSld>
+    <p:spTree>
+      <p:nvGrpSpPr>
+        <p:cNvPr id="1" name=""/>
+        <p:cNvGrpSpPr/>
+        <p:nvPr/>
+      </p:nvGrpSpPr>
+      <p:grpSpPr>
+        <a:xfrm>
+          <a:off x="0" y="0"/>
+          <a:ext cx="0" cy="0"/>
+          <a:chOff x="0" y="0"/>
+          <a:chExt cx="0" cy="0"/>
+        </a:xfrm>
+      </p:grpSpPr>
+      <p:sp>
+        <p:nvSpPr>
+          <p:cNvPr id="122" name="2PL Concurrency Control (cont.)"/>
+          <p:cNvSpPr txBox="1"/>
+          <p:nvPr>
+            <p:ph type="title"/>
+          </p:nvPr>
+        </p:nvSpPr>
+        <p:spPr>
+          <a:xfrm>
+            <a:off x="0" y="131762"/>
+            <a:ext cx="8485188" cy="914401"/>
+          </a:xfrm>
+          <a:prstGeom prst="rect">
+            <a:avLst/>
+          </a:prstGeom>
+        </p:spPr>
+        <p:txBody>
+          <a:bodyPr lIns="46079" tIns="46079" rIns="46079" bIns="46079"/>
+          <a:lstStyle>
+            <a:lvl1pPr>
+              <a:tabLst>
+                <a:tab pos="457200" algn="l"/>
+                <a:tab pos="914400" algn="l"/>
+                <a:tab pos="1371600" algn="l"/>
+                <a:tab pos="1828800" algn="l"/>
+                <a:tab pos="2286000" algn="l"/>
+                <a:tab pos="2743200" algn="l"/>
+                <a:tab pos="3200400" algn="l"/>
+                <a:tab pos="3657600" algn="l"/>
+                <a:tab pos="4114800" algn="l"/>
+                <a:tab pos="4572000" algn="l"/>
+                <a:tab pos="5029200" algn="l"/>
+                <a:tab pos="5486400" algn="l"/>
+                <a:tab pos="5943600" algn="l"/>
+                <a:tab pos="6400800" algn="l"/>
+                <a:tab pos="6858000" algn="l"/>
+                <a:tab pos="7315200" algn="l"/>
+                <a:tab pos="7772400" algn="l"/>
+                <a:tab pos="8229600" algn="l"/>
+                <a:tab pos="8686800" algn="l"/>
+                <a:tab pos="9144000" algn="l"/>
+              </a:tabLst>
+              <a:defRPr sz="3600" b="1"/>
+            </a:lvl1pPr>
+          </a:lstStyle>
+          <a:p>
+            <a:r>
+              <a:t>2PL Concurrency Control (cont.)</a:t>
+            </a:r>
+          </a:p>
+        </p:txBody>
+      </p:sp>
+      <p:sp>
+        <p:nvSpPr>
+          <p:cNvPr id="123" name="2. Deadlock prevention…"/>
+          <p:cNvSpPr txBox="1"/>
+          <p:nvPr/>
+        </p:nvSpPr>
+        <p:spPr>
+          <a:xfrm>
+            <a:off x="685800" y="1020762"/>
+            <a:ext cx="7772400" cy="3616722"/>
+          </a:xfrm>
+          <a:prstGeom prst="rect">
+            <a:avLst/>
+          </a:prstGeom>
+          <a:ln w="12700">
+            <a:miter lim="400000"/>
+          </a:ln>
+        </p:spPr>
+        <p:txBody>
+          <a:bodyPr lIns="46799" tIns="46799" rIns="46799" bIns="46799">
+            <a:spAutoFit/>
+          </a:bodyPr>
+          <a:lstStyle/>
+          <a:p>
+            <a:pPr marL="899795" indent="-885825">
+              <a:spcBef>
+                <a:spcPts val="600"/>
+              </a:spcBef>
+              <a:tabLst>
+                <a:tab pos="914400" algn="l"/>
+                <a:tab pos="1371600" algn="l"/>
+                <a:tab pos="1828800" algn="l"/>
+                <a:tab pos="2286000" algn="l"/>
+                <a:tab pos="2743200" algn="l"/>
+                <a:tab pos="3200400" algn="l"/>
+                <a:tab pos="3657600" algn="l"/>
+                <a:tab pos="4114800" algn="l"/>
+                <a:tab pos="4572000" algn="l"/>
+                <a:tab pos="5029200" algn="l"/>
+                <a:tab pos="5486400" algn="l"/>
+                <a:tab pos="5943600" algn="l"/>
+                <a:tab pos="6400800" algn="l"/>
+                <a:tab pos="6858000" algn="l"/>
+                <a:tab pos="7315200" algn="l"/>
+                <a:tab pos="7772400" algn="l"/>
+                <a:tab pos="8229600" algn="l"/>
+                <a:tab pos="8686800" algn="l"/>
+                <a:tab pos="9144000" algn="l"/>
+                <a:tab pos="9601200" algn="l"/>
+                <a:tab pos="10058400" algn="l"/>
+              </a:tabLst>
+              <a:defRPr sz="2400" b="1">
+                <a:latin typeface="Arial" panose="020B0604020202020204"/>
+                <a:ea typeface="Arial" panose="020B0604020202020204"/>
+                <a:cs typeface="Arial" panose="020B0604020202020204"/>
+                <a:sym typeface="Arial" panose="020B0604020202020204"/>
+              </a:defRPr>
+            </a:pPr>
+          </a:p>
+          <a:p>
+            <a:pPr marL="899795" indent="-885825">
+              <a:spcBef>
+                <a:spcPts val="600"/>
+              </a:spcBef>
+              <a:tabLst>
+                <a:tab pos="914400" algn="l"/>
+                <a:tab pos="1371600" algn="l"/>
+                <a:tab pos="1828800" algn="l"/>
+                <a:tab pos="2286000" algn="l"/>
+                <a:tab pos="2743200" algn="l"/>
+                <a:tab pos="3200400" algn="l"/>
+                <a:tab pos="3657600" algn="l"/>
+                <a:tab pos="4114800" algn="l"/>
+                <a:tab pos="4572000" algn="l"/>
+                <a:tab pos="5029200" algn="l"/>
+                <a:tab pos="5486400" algn="l"/>
+                <a:tab pos="5943600" algn="l"/>
+                <a:tab pos="6400800" algn="l"/>
+                <a:tab pos="6858000" algn="l"/>
+                <a:tab pos="7315200" algn="l"/>
+                <a:tab pos="7772400" algn="l"/>
+                <a:tab pos="8229600" algn="l"/>
+                <a:tab pos="8686800" algn="l"/>
+                <a:tab pos="9144000" algn="l"/>
+                <a:tab pos="9601200" algn="l"/>
+                <a:tab pos="10058400" algn="l"/>
+              </a:tabLst>
+              <a:defRPr sz="2400" b="1">
+                <a:latin typeface="Arial" panose="020B0604020202020204"/>
+                <a:ea typeface="Arial" panose="020B0604020202020204"/>
+                <a:cs typeface="Arial" panose="020B0604020202020204"/>
+                <a:sym typeface="Arial" panose="020B0604020202020204"/>
+              </a:defRPr>
+            </a:pPr>
+            <a:r>
+              <a:t>2. Deadlock prevention</a:t>
+            </a:r>
+          </a:p>
+          <a:p>
+            <a:pPr marL="899795" indent="-885825" algn="just">
+              <a:spcBef>
+                <a:spcPts val="1200"/>
+              </a:spcBef>
+              <a:tabLst>
+                <a:tab pos="914400" algn="l"/>
+                <a:tab pos="1371600" algn="l"/>
+                <a:tab pos="1828800" algn="l"/>
+                <a:tab pos="2286000" algn="l"/>
+                <a:tab pos="2743200" algn="l"/>
+                <a:tab pos="3200400" algn="l"/>
+                <a:tab pos="3657600" algn="l"/>
+                <a:tab pos="4114800" algn="l"/>
+                <a:tab pos="4572000" algn="l"/>
+                <a:tab pos="5029200" algn="l"/>
+                <a:tab pos="5486400" algn="l"/>
+                <a:tab pos="5943600" algn="l"/>
+                <a:tab pos="6400800" algn="l"/>
+                <a:tab pos="6858000" algn="l"/>
+                <a:tab pos="7315200" algn="l"/>
+                <a:tab pos="7772400" algn="l"/>
+                <a:tab pos="8229600" algn="l"/>
+                <a:tab pos="8686800" algn="l"/>
+                <a:tab pos="9144000" algn="l"/>
+                <a:tab pos="9601200" algn="l"/>
+                <a:tab pos="10058400" algn="l"/>
+              </a:tabLst>
+              <a:defRPr b="1">
+                <a:latin typeface="Arial" panose="020B0604020202020204"/>
+                <a:ea typeface="Arial" panose="020B0604020202020204"/>
+                <a:cs typeface="Arial" panose="020B0604020202020204"/>
+                <a:sym typeface="Arial" panose="020B0604020202020204"/>
+              </a:defRPr>
+            </a:pPr>
+            <a:r>
+              <a:t>	There are several protocols. Some of them are:</a:t>
+            </a:r>
+          </a:p>
+          <a:p>
+            <a:pPr marL="899795" indent="-885825" algn="just">
+              <a:spcBef>
+                <a:spcPts val="1200"/>
+              </a:spcBef>
+              <a:tabLst>
+                <a:tab pos="914400" algn="l"/>
+                <a:tab pos="1371600" algn="l"/>
+                <a:tab pos="1828800" algn="l"/>
+                <a:tab pos="2286000" algn="l"/>
+                <a:tab pos="2743200" algn="l"/>
+                <a:tab pos="3200400" algn="l"/>
+                <a:tab pos="3657600" algn="l"/>
+                <a:tab pos="4114800" algn="l"/>
+                <a:tab pos="4572000" algn="l"/>
+                <a:tab pos="5029200" algn="l"/>
+                <a:tab pos="5486400" algn="l"/>
+                <a:tab pos="5943600" algn="l"/>
+                <a:tab pos="6400800" algn="l"/>
+                <a:tab pos="6858000" algn="l"/>
+                <a:tab pos="7315200" algn="l"/>
+                <a:tab pos="7772400" algn="l"/>
+                <a:tab pos="8229600" algn="l"/>
+                <a:tab pos="8686800" algn="l"/>
+                <a:tab pos="9144000" algn="l"/>
+                <a:tab pos="9601200" algn="l"/>
+                <a:tab pos="10058400" algn="l"/>
+              </a:tabLst>
+              <a:defRPr b="1">
+                <a:latin typeface="Arial" panose="020B0604020202020204"/>
+                <a:ea typeface="Arial" panose="020B0604020202020204"/>
+                <a:cs typeface="Arial" panose="020B0604020202020204"/>
+                <a:sym typeface="Arial" panose="020B0604020202020204"/>
+              </a:defRPr>
+            </a:pPr>
+            <a:r>
+              <a:t>1. Conservative 2PL, as we discussed earlier.</a:t>
+            </a:r>
+          </a:p>
+          <a:p>
+            <a:pPr marL="899795" indent="-885825" algn="just">
+              <a:spcBef>
+                <a:spcPts val="1200"/>
+              </a:spcBef>
+              <a:tabLst>
+                <a:tab pos="914400" algn="l"/>
+                <a:tab pos="1371600" algn="l"/>
+                <a:tab pos="1828800" algn="l"/>
+                <a:tab pos="2286000" algn="l"/>
+                <a:tab pos="2743200" algn="l"/>
+                <a:tab pos="3200400" algn="l"/>
+                <a:tab pos="3657600" algn="l"/>
+                <a:tab pos="4114800" algn="l"/>
+                <a:tab pos="4572000" algn="l"/>
+                <a:tab pos="5029200" algn="l"/>
+                <a:tab pos="5486400" algn="l"/>
+                <a:tab pos="5943600" algn="l"/>
+                <a:tab pos="6400800" algn="l"/>
+                <a:tab pos="6858000" algn="l"/>
+                <a:tab pos="7315200" algn="l"/>
+                <a:tab pos="7772400" algn="l"/>
+                <a:tab pos="8229600" algn="l"/>
+                <a:tab pos="8686800" algn="l"/>
+                <a:tab pos="9144000" algn="l"/>
+                <a:tab pos="9601200" algn="l"/>
+                <a:tab pos="10058400" algn="l"/>
+              </a:tabLst>
+              <a:defRPr b="1">
+                <a:latin typeface="Arial" panose="020B0604020202020204"/>
+                <a:ea typeface="Arial" panose="020B0604020202020204"/>
+                <a:cs typeface="Arial" panose="020B0604020202020204"/>
+                <a:sym typeface="Arial" panose="020B0604020202020204"/>
+              </a:defRPr>
+            </a:pPr>
+            <a:r>
+              <a:t>2. No-waiting protocol: A transaction never waits; if Ti requests an item that is held by Tj in conflicting mode, Ti is aborted. </a:t>
+            </a:r>
+          </a:p>
+          <a:p>
+            <a:pPr marL="899795" indent="-885825" algn="just">
+              <a:spcBef>
+                <a:spcPts val="1200"/>
+              </a:spcBef>
+              <a:tabLst>
+                <a:tab pos="914400" algn="l"/>
+                <a:tab pos="1371600" algn="l"/>
+                <a:tab pos="1828800" algn="l"/>
+                <a:tab pos="2286000" algn="l"/>
+                <a:tab pos="2743200" algn="l"/>
+                <a:tab pos="3200400" algn="l"/>
+                <a:tab pos="3657600" algn="l"/>
+                <a:tab pos="4114800" algn="l"/>
+                <a:tab pos="4572000" algn="l"/>
+                <a:tab pos="5029200" algn="l"/>
+                <a:tab pos="5486400" algn="l"/>
+                <a:tab pos="5943600" algn="l"/>
+                <a:tab pos="6400800" algn="l"/>
+                <a:tab pos="6858000" algn="l"/>
+                <a:tab pos="7315200" algn="l"/>
+                <a:tab pos="7772400" algn="l"/>
+                <a:tab pos="8229600" algn="l"/>
+                <a:tab pos="8686800" algn="l"/>
+                <a:tab pos="9144000" algn="l"/>
+                <a:tab pos="9601200" algn="l"/>
+                <a:tab pos="10058400" algn="l"/>
+              </a:tabLst>
+              <a:defRPr b="1">
+                <a:latin typeface="Arial" panose="020B0604020202020204"/>
+                <a:ea typeface="Arial" panose="020B0604020202020204"/>
+                <a:cs typeface="Arial" panose="020B0604020202020204"/>
+                <a:sym typeface="Arial" panose="020B0604020202020204"/>
+              </a:defRPr>
+            </a:pPr>
+            <a:r>
+              <a:t>3. Cautious waiting protocol: If Ti requests an item that is held by Tj in conflicting mode, the system checks the status of Tj; if Tj is </a:t>
+            </a:r>
+            <a:r>
+              <a:rPr i="1"/>
+              <a:t>not blocked, </a:t>
+            </a:r>
+            <a:r>
+              <a:t>then Ti waits – if Tj </a:t>
+            </a:r>
+            <a:r>
+              <a:rPr i="1"/>
+              <a:t>is blocked, </a:t>
+            </a:r>
+            <a:r>
+              <a:t>then Ti aborts. Reduces the number of needlessly aborted transactions</a:t>
+            </a:r>
+          </a:p>
+        </p:txBody>
+      </p:sp>
+      <p:sp>
+        <p:nvSpPr>
+          <p:cNvPr id="124" name="Line"/>
+          <p:cNvSpPr/>
+          <p:nvPr/>
+        </p:nvSpPr>
+        <p:spPr>
+          <a:xfrm>
+            <a:off x="885824" y="2800349"/>
+            <a:ext cx="1589" cy="1143002"/>
+          </a:xfrm>
+          <a:prstGeom prst="line">
+            <a:avLst/>
+          </a:prstGeom>
+          <a:ln w="9360">
+            <a:solidFill>
+              <a:srgbClr val="FFFFFF"/>
+            </a:solidFill>
+            <a:miter/>
+          </a:ln>
+        </p:spPr>
+        <p:txBody>
+          <a:bodyPr lIns="45719" rIns="45719"/>
+          <a:lstStyle/>
+          <a:p/>
+        </p:txBody>
+      </p:sp>
+    </p:spTree>
+  </p:cSld>
+  <p:clrMapOvr>
+    <a:masterClrMapping/>
+  </p:clrMapOvr>
+  <p:transition spd="med"/>
 </p:sld>
 </file>
 
 <file path=ppt/slides/slide2.xml><?xml version="1.0" encoding="utf-8"?>
-<p:sld xmlns:a="http://schemas.openxmlformats.org/drawingml/2006/main" xmlns:r="http://schemas.openxmlformats.org/officeDocument/2006/relationships" xmlns:p="http://schemas.openxmlformats.org/presentationml/2006/main" xmlns:m="http://schemas.openxmlformats.org/officeDocument/2006/math" xmlns:a14="http://schemas.microsoft.com/office/drawing/2010/main" showMasterSp="1" showMasterPhAnim="1">
+<p:sld xmlns:a="http://schemas.openxmlformats.org/drawingml/2006/main" xmlns:r="http://schemas.openxmlformats.org/officeDocument/2006/relationships" xmlns:p="http://schemas.openxmlformats.org/presentationml/2006/main">
   <p:cSld>
     <p:spTree>
       <p:nvGrpSpPr>
@@ -6893,11 +7119,10 @@
                 <a:tab pos="8686800" algn="l"/>
                 <a:tab pos="9144000" algn="l"/>
               </a:tabLst>
-              <a:defRPr b="1" sz="3600"/>
+              <a:defRPr sz="3600" b="1"/>
             </a:lvl1pPr>
           </a:lstStyle>
           <a:p>
-            <a:pPr/>
             <a:r>
               <a:t>Purpose of Concurrency Control</a:t>
             </a:r>
@@ -6954,11 +7179,11 @@
                 <a:tab pos="8331200" algn="l"/>
                 <a:tab pos="8788400" algn="l"/>
               </a:tabLst>
-              <a:defRPr b="1" sz="2400"/>
-            </a:pPr>
-          </a:p>
-          <a:p>
-            <a:pPr lvl="2" marL="914400" indent="-342900">
+              <a:defRPr sz="2400" b="1"/>
+            </a:pPr>
+          </a:p>
+          <a:p>
+            <a:pPr marL="914400" lvl="2" indent="-342900">
               <a:lnSpc>
                 <a:spcPct val="90000"/>
               </a:lnSpc>
@@ -6969,7 +7194,7 @@
                 <a:srgbClr val="FF0000"/>
               </a:buClr>
               <a:buSzPct val="100000"/>
-              <a:buFont typeface="Times New Roman"/>
+              <a:buFont typeface="Times New Roman" panose="02020603050405020304"/>
               <a:buChar char="•"/>
               <a:tabLst>
                 <a:tab pos="101600" algn="l"/>
@@ -7007,7 +7232,7 @@
             </a:r>
           </a:p>
           <a:p>
-            <a:pPr lvl="2" marL="914400" indent="-342900">
+            <a:pPr marL="914400" lvl="2" indent="-342900">
               <a:lnSpc>
                 <a:spcPct val="90000"/>
               </a:lnSpc>
@@ -7018,7 +7243,7 @@
                 <a:srgbClr val="FF0000"/>
               </a:buClr>
               <a:buSzPct val="100000"/>
-              <a:buFont typeface="Times New Roman"/>
+              <a:buFont typeface="Times New Roman" panose="02020603050405020304"/>
               <a:buChar char="•"/>
               <a:tabLst>
                 <a:tab pos="101600" algn="l"/>
@@ -7049,7 +7274,7 @@
             </a:r>
           </a:p>
           <a:p>
-            <a:pPr lvl="2" marL="914400" indent="-342900">
+            <a:pPr marL="914400" lvl="2" indent="-342900">
               <a:lnSpc>
                 <a:spcPct val="90000"/>
               </a:lnSpc>
@@ -7060,7 +7285,7 @@
                 <a:srgbClr val="FF0000"/>
               </a:buClr>
               <a:buSzPct val="100000"/>
-              <a:buFont typeface="Times New Roman"/>
+              <a:buFont typeface="Times New Roman" panose="02020603050405020304"/>
               <a:buChar char="•"/>
               <a:tabLst>
                 <a:tab pos="101600" algn="l"/>
@@ -7091,7 +7316,7 @@
             </a:r>
           </a:p>
           <a:p>
-            <a:pPr lvl="1" marL="0" indent="457200" algn="just">
+            <a:pPr marL="0" lvl="1" indent="457200" algn="just">
               <a:lnSpc>
                 <a:spcPct val="90000"/>
               </a:lnSpc>
@@ -7133,396 +7358,12 @@
   <p:clrMapOvr>
     <a:masterClrMapping/>
   </p:clrMapOvr>
-  <p:transition xmlns:p14="http://schemas.microsoft.com/office/powerpoint/2010/main" spd="med" advClick="1"/>
+  <p:transition spd="med"/>
 </p:sld>
 </file>
 
 <file path=ppt/slides/slide20.xml><?xml version="1.0" encoding="utf-8"?>
-<p:sld xmlns:a="http://schemas.openxmlformats.org/drawingml/2006/main" xmlns:r="http://schemas.openxmlformats.org/officeDocument/2006/relationships" xmlns:p="http://schemas.openxmlformats.org/presentationml/2006/main" xmlns:m="http://schemas.openxmlformats.org/officeDocument/2006/math" xmlns:a14="http://schemas.microsoft.com/office/drawing/2010/main" showMasterSp="1" showMasterPhAnim="1">
-  <p:cSld>
-    <p:spTree>
-      <p:nvGrpSpPr>
-        <p:cNvPr id="1" name=""/>
-        <p:cNvGrpSpPr/>
-        <p:nvPr/>
-      </p:nvGrpSpPr>
-      <p:grpSpPr>
-        <a:xfrm>
-          <a:off x="0" y="0"/>
-          <a:ext cx="0" cy="0"/>
-          <a:chOff x="0" y="0"/>
-          <a:chExt cx="0" cy="0"/>
-        </a:xfrm>
-      </p:grpSpPr>
-      <p:sp>
-        <p:nvSpPr>
-          <p:cNvPr id="122" name="2PL Concurrency Control (cont.)"/>
-          <p:cNvSpPr txBox="1"/>
-          <p:nvPr>
-            <p:ph type="title"/>
-          </p:nvPr>
-        </p:nvSpPr>
-        <p:spPr>
-          <a:xfrm>
-            <a:off x="0" y="131762"/>
-            <a:ext cx="8485188" cy="914401"/>
-          </a:xfrm>
-          <a:prstGeom prst="rect">
-            <a:avLst/>
-          </a:prstGeom>
-        </p:spPr>
-        <p:txBody>
-          <a:bodyPr lIns="46079" tIns="46079" rIns="46079" bIns="46079"/>
-          <a:lstStyle>
-            <a:lvl1pPr>
-              <a:tabLst>
-                <a:tab pos="457200" algn="l"/>
-                <a:tab pos="914400" algn="l"/>
-                <a:tab pos="1371600" algn="l"/>
-                <a:tab pos="1828800" algn="l"/>
-                <a:tab pos="2286000" algn="l"/>
-                <a:tab pos="2743200" algn="l"/>
-                <a:tab pos="3200400" algn="l"/>
-                <a:tab pos="3657600" algn="l"/>
-                <a:tab pos="4114800" algn="l"/>
-                <a:tab pos="4572000" algn="l"/>
-                <a:tab pos="5029200" algn="l"/>
-                <a:tab pos="5486400" algn="l"/>
-                <a:tab pos="5943600" algn="l"/>
-                <a:tab pos="6400800" algn="l"/>
-                <a:tab pos="6858000" algn="l"/>
-                <a:tab pos="7315200" algn="l"/>
-                <a:tab pos="7772400" algn="l"/>
-                <a:tab pos="8229600" algn="l"/>
-                <a:tab pos="8686800" algn="l"/>
-                <a:tab pos="9144000" algn="l"/>
-              </a:tabLst>
-              <a:defRPr b="1" sz="3600"/>
-            </a:lvl1pPr>
-          </a:lstStyle>
-          <a:p>
-            <a:pPr/>
-            <a:r>
-              <a:t>2PL Concurrency Control (cont.)</a:t>
-            </a:r>
-          </a:p>
-        </p:txBody>
-      </p:sp>
-      <p:sp>
-        <p:nvSpPr>
-          <p:cNvPr id="123" name="2. Deadlock prevention…"/>
-          <p:cNvSpPr txBox="1"/>
-          <p:nvPr/>
-        </p:nvSpPr>
-        <p:spPr>
-          <a:xfrm>
-            <a:off x="685800" y="1020762"/>
-            <a:ext cx="7772400" cy="3616722"/>
-          </a:xfrm>
-          <a:prstGeom prst="rect">
-            <a:avLst/>
-          </a:prstGeom>
-          <a:ln w="12700">
-            <a:miter lim="400000"/>
-          </a:ln>
-          <a:extLst>
-            <a:ext uri="{C572A759-6A51-4108-AA02-DFA0A04FC94B}">
-              <ma14:wrappingTextBoxFlag xmlns:ma14="http://schemas.microsoft.com/office/mac/drawingml/2011/main" val="1"/>
-            </a:ext>
-          </a:extLst>
-        </p:spPr>
-        <p:txBody>
-          <a:bodyPr lIns="46799" tIns="46799" rIns="46799" bIns="46799">
-            <a:spAutoFit/>
-          </a:bodyPr>
-          <a:lstStyle/>
-          <a:p>
-            <a:pPr marL="900112" indent="-885825">
-              <a:spcBef>
-                <a:spcPts val="600"/>
-              </a:spcBef>
-              <a:tabLst>
-                <a:tab pos="914400" algn="l"/>
-                <a:tab pos="1371600" algn="l"/>
-                <a:tab pos="1828800" algn="l"/>
-                <a:tab pos="2286000" algn="l"/>
-                <a:tab pos="2743200" algn="l"/>
-                <a:tab pos="3200400" algn="l"/>
-                <a:tab pos="3657600" algn="l"/>
-                <a:tab pos="4114800" algn="l"/>
-                <a:tab pos="4572000" algn="l"/>
-                <a:tab pos="5029200" algn="l"/>
-                <a:tab pos="5486400" algn="l"/>
-                <a:tab pos="5943600" algn="l"/>
-                <a:tab pos="6400800" algn="l"/>
-                <a:tab pos="6858000" algn="l"/>
-                <a:tab pos="7315200" algn="l"/>
-                <a:tab pos="7772400" algn="l"/>
-                <a:tab pos="8229600" algn="l"/>
-                <a:tab pos="8686800" algn="l"/>
-                <a:tab pos="9144000" algn="l"/>
-                <a:tab pos="9601200" algn="l"/>
-                <a:tab pos="10058400" algn="l"/>
-              </a:tabLst>
-              <a:defRPr b="1" sz="2400">
-                <a:latin typeface="Arial"/>
-                <a:ea typeface="Arial"/>
-                <a:cs typeface="Arial"/>
-                <a:sym typeface="Arial"/>
-              </a:defRPr>
-            </a:pPr>
-          </a:p>
-          <a:p>
-            <a:pPr marL="900112" indent="-885825">
-              <a:spcBef>
-                <a:spcPts val="600"/>
-              </a:spcBef>
-              <a:tabLst>
-                <a:tab pos="914400" algn="l"/>
-                <a:tab pos="1371600" algn="l"/>
-                <a:tab pos="1828800" algn="l"/>
-                <a:tab pos="2286000" algn="l"/>
-                <a:tab pos="2743200" algn="l"/>
-                <a:tab pos="3200400" algn="l"/>
-                <a:tab pos="3657600" algn="l"/>
-                <a:tab pos="4114800" algn="l"/>
-                <a:tab pos="4572000" algn="l"/>
-                <a:tab pos="5029200" algn="l"/>
-                <a:tab pos="5486400" algn="l"/>
-                <a:tab pos="5943600" algn="l"/>
-                <a:tab pos="6400800" algn="l"/>
-                <a:tab pos="6858000" algn="l"/>
-                <a:tab pos="7315200" algn="l"/>
-                <a:tab pos="7772400" algn="l"/>
-                <a:tab pos="8229600" algn="l"/>
-                <a:tab pos="8686800" algn="l"/>
-                <a:tab pos="9144000" algn="l"/>
-                <a:tab pos="9601200" algn="l"/>
-                <a:tab pos="10058400" algn="l"/>
-              </a:tabLst>
-              <a:defRPr b="1" sz="2400">
-                <a:latin typeface="Arial"/>
-                <a:ea typeface="Arial"/>
-                <a:cs typeface="Arial"/>
-                <a:sym typeface="Arial"/>
-              </a:defRPr>
-            </a:pPr>
-            <a:r>
-              <a:t>2. Deadlock prevention</a:t>
-            </a:r>
-          </a:p>
-          <a:p>
-            <a:pPr marL="900112" indent="-885825" algn="just">
-              <a:spcBef>
-                <a:spcPts val="1200"/>
-              </a:spcBef>
-              <a:tabLst>
-                <a:tab pos="914400" algn="l"/>
-                <a:tab pos="1371600" algn="l"/>
-                <a:tab pos="1828800" algn="l"/>
-                <a:tab pos="2286000" algn="l"/>
-                <a:tab pos="2743200" algn="l"/>
-                <a:tab pos="3200400" algn="l"/>
-                <a:tab pos="3657600" algn="l"/>
-                <a:tab pos="4114800" algn="l"/>
-                <a:tab pos="4572000" algn="l"/>
-                <a:tab pos="5029200" algn="l"/>
-                <a:tab pos="5486400" algn="l"/>
-                <a:tab pos="5943600" algn="l"/>
-                <a:tab pos="6400800" algn="l"/>
-                <a:tab pos="6858000" algn="l"/>
-                <a:tab pos="7315200" algn="l"/>
-                <a:tab pos="7772400" algn="l"/>
-                <a:tab pos="8229600" algn="l"/>
-                <a:tab pos="8686800" algn="l"/>
-                <a:tab pos="9144000" algn="l"/>
-                <a:tab pos="9601200" algn="l"/>
-                <a:tab pos="10058400" algn="l"/>
-              </a:tabLst>
-              <a:defRPr b="1">
-                <a:latin typeface="Arial"/>
-                <a:ea typeface="Arial"/>
-                <a:cs typeface="Arial"/>
-                <a:sym typeface="Arial"/>
-              </a:defRPr>
-            </a:pPr>
-            <a:r>
-              <a:t>	There are several protocols. Some of them are:</a:t>
-            </a:r>
-          </a:p>
-          <a:p>
-            <a:pPr marL="900112" indent="-885825" algn="just">
-              <a:spcBef>
-                <a:spcPts val="1200"/>
-              </a:spcBef>
-              <a:tabLst>
-                <a:tab pos="914400" algn="l"/>
-                <a:tab pos="1371600" algn="l"/>
-                <a:tab pos="1828800" algn="l"/>
-                <a:tab pos="2286000" algn="l"/>
-                <a:tab pos="2743200" algn="l"/>
-                <a:tab pos="3200400" algn="l"/>
-                <a:tab pos="3657600" algn="l"/>
-                <a:tab pos="4114800" algn="l"/>
-                <a:tab pos="4572000" algn="l"/>
-                <a:tab pos="5029200" algn="l"/>
-                <a:tab pos="5486400" algn="l"/>
-                <a:tab pos="5943600" algn="l"/>
-                <a:tab pos="6400800" algn="l"/>
-                <a:tab pos="6858000" algn="l"/>
-                <a:tab pos="7315200" algn="l"/>
-                <a:tab pos="7772400" algn="l"/>
-                <a:tab pos="8229600" algn="l"/>
-                <a:tab pos="8686800" algn="l"/>
-                <a:tab pos="9144000" algn="l"/>
-                <a:tab pos="9601200" algn="l"/>
-                <a:tab pos="10058400" algn="l"/>
-              </a:tabLst>
-              <a:defRPr b="1">
-                <a:latin typeface="Arial"/>
-                <a:ea typeface="Arial"/>
-                <a:cs typeface="Arial"/>
-                <a:sym typeface="Arial"/>
-              </a:defRPr>
-            </a:pPr>
-            <a:r>
-              <a:t>1. Conservative 2PL, as we discussed earlier.</a:t>
-            </a:r>
-          </a:p>
-          <a:p>
-            <a:pPr marL="900112" indent="-885825" algn="just">
-              <a:spcBef>
-                <a:spcPts val="1200"/>
-              </a:spcBef>
-              <a:tabLst>
-                <a:tab pos="914400" algn="l"/>
-                <a:tab pos="1371600" algn="l"/>
-                <a:tab pos="1828800" algn="l"/>
-                <a:tab pos="2286000" algn="l"/>
-                <a:tab pos="2743200" algn="l"/>
-                <a:tab pos="3200400" algn="l"/>
-                <a:tab pos="3657600" algn="l"/>
-                <a:tab pos="4114800" algn="l"/>
-                <a:tab pos="4572000" algn="l"/>
-                <a:tab pos="5029200" algn="l"/>
-                <a:tab pos="5486400" algn="l"/>
-                <a:tab pos="5943600" algn="l"/>
-                <a:tab pos="6400800" algn="l"/>
-                <a:tab pos="6858000" algn="l"/>
-                <a:tab pos="7315200" algn="l"/>
-                <a:tab pos="7772400" algn="l"/>
-                <a:tab pos="8229600" algn="l"/>
-                <a:tab pos="8686800" algn="l"/>
-                <a:tab pos="9144000" algn="l"/>
-                <a:tab pos="9601200" algn="l"/>
-                <a:tab pos="10058400" algn="l"/>
-              </a:tabLst>
-              <a:defRPr b="1">
-                <a:latin typeface="Arial"/>
-                <a:ea typeface="Arial"/>
-                <a:cs typeface="Arial"/>
-                <a:sym typeface="Arial"/>
-              </a:defRPr>
-            </a:pPr>
-            <a:r>
-              <a:t>2. No-waiting protocol: A transaction never waits; if Ti requests an item that is held by Tj in conflicting mode, Ti is aborted. </a:t>
-            </a:r>
-          </a:p>
-          <a:p>
-            <a:pPr marL="900112" indent="-885825" algn="just">
-              <a:spcBef>
-                <a:spcPts val="1200"/>
-              </a:spcBef>
-              <a:tabLst>
-                <a:tab pos="914400" algn="l"/>
-                <a:tab pos="1371600" algn="l"/>
-                <a:tab pos="1828800" algn="l"/>
-                <a:tab pos="2286000" algn="l"/>
-                <a:tab pos="2743200" algn="l"/>
-                <a:tab pos="3200400" algn="l"/>
-                <a:tab pos="3657600" algn="l"/>
-                <a:tab pos="4114800" algn="l"/>
-                <a:tab pos="4572000" algn="l"/>
-                <a:tab pos="5029200" algn="l"/>
-                <a:tab pos="5486400" algn="l"/>
-                <a:tab pos="5943600" algn="l"/>
-                <a:tab pos="6400800" algn="l"/>
-                <a:tab pos="6858000" algn="l"/>
-                <a:tab pos="7315200" algn="l"/>
-                <a:tab pos="7772400" algn="l"/>
-                <a:tab pos="8229600" algn="l"/>
-                <a:tab pos="8686800" algn="l"/>
-                <a:tab pos="9144000" algn="l"/>
-                <a:tab pos="9601200" algn="l"/>
-                <a:tab pos="10058400" algn="l"/>
-              </a:tabLst>
-              <a:defRPr b="1">
-                <a:latin typeface="Arial"/>
-                <a:ea typeface="Arial"/>
-                <a:cs typeface="Arial"/>
-                <a:sym typeface="Arial"/>
-              </a:defRPr>
-            </a:pPr>
-            <a:r>
-              <a:t>3. Cautious waiting protocol: If Ti requests an item that is held by Tj in conflicting mode, the system checks the status of Tj; if Tj is </a:t>
-            </a:r>
-            <a:r>
-              <a:rPr i="1"/>
-              <a:t>not blocked, </a:t>
-            </a:r>
-            <a:r>
-              <a:t>then Ti waits – if Tj </a:t>
-            </a:r>
-            <a:r>
-              <a:rPr i="1"/>
-              <a:t>is blocked, </a:t>
-            </a:r>
-            <a:r>
-              <a:t>then Ti aborts. Reduces the number of needlessly aborted transactions</a:t>
-            </a:r>
-          </a:p>
-        </p:txBody>
-      </p:sp>
-      <p:sp>
-        <p:nvSpPr>
-          <p:cNvPr id="124" name="Line"/>
-          <p:cNvSpPr/>
-          <p:nvPr/>
-        </p:nvSpPr>
-        <p:spPr>
-          <a:xfrm>
-            <a:off x="885824" y="2800349"/>
-            <a:ext cx="1589" cy="1143002"/>
-          </a:xfrm>
-          <a:prstGeom prst="line">
-            <a:avLst/>
-          </a:prstGeom>
-          <a:ln w="9360">
-            <a:solidFill>
-              <a:srgbClr val="FFFFFF"/>
-            </a:solidFill>
-            <a:miter/>
-          </a:ln>
-        </p:spPr>
-        <p:txBody>
-          <a:bodyPr lIns="45719" rIns="45719"/>
-          <a:lstStyle/>
-          <a:p>
-            <a:pPr/>
-          </a:p>
-        </p:txBody>
-      </p:sp>
-    </p:spTree>
-  </p:cSld>
-  <p:clrMapOvr>
-    <a:masterClrMapping/>
-  </p:clrMapOvr>
-  <p:transition xmlns:p14="http://schemas.microsoft.com/office/powerpoint/2010/main" spd="med" advClick="1"/>
-</p:sld>
-</file>
-
-<file path=ppt/slides/slide21.xml><?xml version="1.0" encoding="utf-8"?>
-<p:sld xmlns:a="http://schemas.openxmlformats.org/drawingml/2006/main" xmlns:r="http://schemas.openxmlformats.org/officeDocument/2006/relationships" xmlns:p="http://schemas.openxmlformats.org/presentationml/2006/main" xmlns:m="http://schemas.openxmlformats.org/officeDocument/2006/math" xmlns:a14="http://schemas.microsoft.com/office/drawing/2010/main" showMasterSp="1" showMasterPhAnim="1">
+<p:sld xmlns:a="http://schemas.openxmlformats.org/drawingml/2006/main" xmlns:r="http://schemas.openxmlformats.org/officeDocument/2006/relationships" xmlns:p="http://schemas.openxmlformats.org/presentationml/2006/main">
   <p:cSld>
     <p:spTree>
       <p:nvGrpSpPr>
@@ -7581,11 +7422,10 @@
                 <a:tab pos="8686800" algn="l"/>
                 <a:tab pos="9144000" algn="l"/>
               </a:tabLst>
-              <a:defRPr b="1" sz="3600"/>
+              <a:defRPr sz="3600" b="1"/>
             </a:lvl1pPr>
           </a:lstStyle>
           <a:p>
-            <a:pPr/>
             <a:r>
               <a:t>2PL Concurrency Control (cont.)</a:t>
             </a:r>
@@ -7609,11 +7449,6 @@
           <a:ln w="12700">
             <a:miter lim="400000"/>
           </a:ln>
-          <a:extLst>
-            <a:ext uri="{C572A759-6A51-4108-AA02-DFA0A04FC94B}">
-              <ma14:wrappingTextBoxFlag xmlns:ma14="http://schemas.microsoft.com/office/mac/drawingml/2011/main" val="1"/>
-            </a:ext>
-          </a:extLst>
         </p:spPr>
         <p:txBody>
           <a:bodyPr lIns="46799" tIns="46799" rIns="46799" bIns="46799">
@@ -7621,7 +7456,7 @@
           </a:bodyPr>
           <a:lstStyle/>
           <a:p>
-            <a:pPr marL="900112" indent="-885825">
+            <a:pPr marL="899795" indent="-885825">
               <a:spcBef>
                 <a:spcPts val="600"/>
               </a:spcBef>
@@ -7648,11 +7483,11 @@
                 <a:tab pos="9601200" algn="l"/>
                 <a:tab pos="10058400" algn="l"/>
               </a:tabLst>
-              <a:defRPr b="1" sz="2400">
-                <a:latin typeface="Arial"/>
-                <a:ea typeface="Arial"/>
-                <a:cs typeface="Arial"/>
-                <a:sym typeface="Arial"/>
+              <a:defRPr sz="2400" b="1">
+                <a:latin typeface="Arial" panose="020B0604020202020204"/>
+                <a:ea typeface="Arial" panose="020B0604020202020204"/>
+                <a:cs typeface="Arial" panose="020B0604020202020204"/>
+                <a:sym typeface="Arial" panose="020B0604020202020204"/>
               </a:defRPr>
             </a:pPr>
             <a:r>
@@ -7660,7 +7495,7 @@
             </a:r>
           </a:p>
           <a:p>
-            <a:pPr marL="900112" indent="-885825" algn="just">
+            <a:pPr marL="899795" indent="-885825" algn="just">
               <a:spcBef>
                 <a:spcPts val="1200"/>
               </a:spcBef>
@@ -7688,10 +7523,10 @@
                 <a:tab pos="10058400" algn="l"/>
               </a:tabLst>
               <a:defRPr b="1">
-                <a:latin typeface="Arial"/>
-                <a:ea typeface="Arial"/>
-                <a:cs typeface="Arial"/>
-                <a:sym typeface="Arial"/>
+                <a:latin typeface="Arial" panose="020B0604020202020204"/>
+                <a:ea typeface="Arial" panose="020B0604020202020204"/>
+                <a:cs typeface="Arial" panose="020B0604020202020204"/>
+                <a:sym typeface="Arial" panose="020B0604020202020204"/>
               </a:defRPr>
             </a:pPr>
             <a:r>
@@ -7699,7 +7534,7 @@
             </a:r>
           </a:p>
           <a:p>
-            <a:pPr marL="900112" indent="-885825" algn="just">
+            <a:pPr marL="899795" indent="-885825" algn="just">
               <a:spcBef>
                 <a:spcPts val="1200"/>
               </a:spcBef>
@@ -7727,10 +7562,10 @@
                 <a:tab pos="10058400" algn="l"/>
               </a:tabLst>
               <a:defRPr b="1">
-                <a:latin typeface="Arial"/>
-                <a:ea typeface="Arial"/>
-                <a:cs typeface="Arial"/>
-                <a:sym typeface="Arial"/>
+                <a:latin typeface="Arial" panose="020B0604020202020204"/>
+                <a:ea typeface="Arial" panose="020B0604020202020204"/>
+                <a:cs typeface="Arial" panose="020B0604020202020204"/>
+                <a:sym typeface="Arial" panose="020B0604020202020204"/>
               </a:defRPr>
             </a:pPr>
             <a:r>
@@ -7745,7 +7580,7 @@
             </a:r>
           </a:p>
           <a:p>
-            <a:pPr marL="900112" indent="-885825" algn="just">
+            <a:pPr marL="899795" indent="-885825" algn="just">
               <a:spcBef>
                 <a:spcPts val="1200"/>
               </a:spcBef>
@@ -7773,10 +7608,10 @@
                 <a:tab pos="10058400" algn="l"/>
               </a:tabLst>
               <a:defRPr b="1">
-                <a:latin typeface="Arial"/>
-                <a:ea typeface="Arial"/>
-                <a:cs typeface="Arial"/>
-                <a:sym typeface="Arial"/>
+                <a:latin typeface="Arial" panose="020B0604020202020204"/>
+                <a:ea typeface="Arial" panose="020B0604020202020204"/>
+                <a:cs typeface="Arial" panose="020B0604020202020204"/>
+                <a:sym typeface="Arial" panose="020B0604020202020204"/>
               </a:defRPr>
             </a:pPr>
             <a:r>
@@ -7791,7 +7626,7 @@
             </a:r>
           </a:p>
           <a:p>
-            <a:pPr marL="900112" indent="-885825" algn="just">
+            <a:pPr marL="899795" indent="-885825" algn="just">
               <a:spcBef>
                 <a:spcPts val="1200"/>
               </a:spcBef>
@@ -7819,10 +7654,10 @@
                 <a:tab pos="10058400" algn="l"/>
               </a:tabLst>
               <a:defRPr b="1" u="sng">
-                <a:latin typeface="Arial"/>
-                <a:ea typeface="Arial"/>
-                <a:cs typeface="Arial"/>
-                <a:sym typeface="Arial"/>
+                <a:latin typeface="Arial" panose="020B0604020202020204"/>
+                <a:ea typeface="Arial" panose="020B0604020202020204"/>
+                <a:cs typeface="Arial" panose="020B0604020202020204"/>
+                <a:sym typeface="Arial" panose="020B0604020202020204"/>
               </a:defRPr>
             </a:pPr>
             <a:r>
@@ -7830,7 +7665,7 @@
             </a:r>
           </a:p>
           <a:p>
-            <a:pPr marL="900112" indent="-885825" algn="just">
+            <a:pPr marL="899795" indent="-885825" algn="just">
               <a:spcBef>
                 <a:spcPts val="1200"/>
               </a:spcBef>
@@ -7858,10 +7693,10 @@
                 <a:tab pos="10058400" algn="l"/>
               </a:tabLst>
               <a:defRPr b="1">
-                <a:latin typeface="Arial"/>
-                <a:ea typeface="Arial"/>
-                <a:cs typeface="Arial"/>
-                <a:sym typeface="Arial"/>
+                <a:latin typeface="Arial" panose="020B0604020202020204"/>
+                <a:ea typeface="Arial" panose="020B0604020202020204"/>
+                <a:cs typeface="Arial" panose="020B0604020202020204"/>
+                <a:sym typeface="Arial" panose="020B0604020202020204"/>
               </a:defRPr>
             </a:pPr>
             <a:r>
@@ -7869,7 +7704,7 @@
             </a:r>
           </a:p>
           <a:p>
-            <a:pPr lvl="1" marL="1184275" indent="-712787" algn="just">
+            <a:pPr marL="1184275" lvl="1" indent="-712470" algn="just">
               <a:spcBef>
                 <a:spcPts val="1200"/>
               </a:spcBef>
@@ -7897,10 +7732,10 @@
                 <a:tab pos="10058400" algn="l"/>
               </a:tabLst>
               <a:defRPr b="1">
-                <a:latin typeface="Arial"/>
-                <a:ea typeface="Arial"/>
-                <a:cs typeface="Arial"/>
-                <a:sym typeface="Arial"/>
+                <a:latin typeface="Arial" panose="020B0604020202020204"/>
+                <a:ea typeface="Arial" panose="020B0604020202020204"/>
+                <a:cs typeface="Arial" panose="020B0604020202020204"/>
+                <a:sym typeface="Arial" panose="020B0604020202020204"/>
               </a:defRPr>
             </a:pPr>
             <a:r>
@@ -7908,7 +7743,7 @@
             </a:r>
           </a:p>
           <a:p>
-            <a:pPr lvl="2" marL="1128712" indent="-200025" algn="just">
+            <a:pPr marL="1128395" lvl="2" indent="-200025" algn="just">
               <a:spcBef>
                 <a:spcPts val="1200"/>
               </a:spcBef>
@@ -7936,10 +7771,10 @@
                 <a:tab pos="10058400" algn="l"/>
               </a:tabLst>
               <a:defRPr b="1">
-                <a:latin typeface="Arial"/>
-                <a:ea typeface="Arial"/>
-                <a:cs typeface="Arial"/>
-                <a:sym typeface="Arial"/>
+                <a:latin typeface="Arial" panose="020B0604020202020204"/>
+                <a:ea typeface="Arial" panose="020B0604020202020204"/>
+                <a:cs typeface="Arial" panose="020B0604020202020204"/>
+                <a:sym typeface="Arial" panose="020B0604020202020204"/>
               </a:defRPr>
             </a:pPr>
             <a:r>
@@ -7947,7 +7782,7 @@
             </a:r>
           </a:p>
           <a:p>
-            <a:pPr lvl="2" marL="1128712" indent="-200025">
+            <a:pPr marL="1128395" lvl="2" indent="-200025">
               <a:tabLst>
                 <a:tab pos="914400" algn="l"/>
                 <a:tab pos="1371600" algn="l"/>
@@ -7972,10 +7807,10 @@
                 <a:tab pos="10058400" algn="l"/>
               </a:tabLst>
               <a:defRPr>
-                <a:latin typeface="Arial"/>
-                <a:ea typeface="Arial"/>
-                <a:cs typeface="Arial"/>
-                <a:sym typeface="Arial"/>
+                <a:latin typeface="Arial" panose="020B0604020202020204"/>
+                <a:ea typeface="Arial" panose="020B0604020202020204"/>
+                <a:cs typeface="Arial" panose="020B0604020202020204"/>
+                <a:sym typeface="Arial" panose="020B0604020202020204"/>
               </a:defRPr>
             </a:pPr>
             <a:r>
@@ -8015,9 +7850,7 @@
         <p:txBody>
           <a:bodyPr lIns="45719" rIns="45719"/>
           <a:lstStyle/>
-          <a:p>
-            <a:pPr/>
-          </a:p>
+          <a:p/>
         </p:txBody>
       </p:sp>
     </p:spTree>
@@ -8025,12 +7858,12 @@
   <p:clrMapOvr>
     <a:masterClrMapping/>
   </p:clrMapOvr>
-  <p:transition xmlns:p14="http://schemas.microsoft.com/office/powerpoint/2010/main" spd="med" advClick="1"/>
+  <p:transition spd="med"/>
 </p:sld>
 </file>
 
-<file path=ppt/slides/slide22.xml><?xml version="1.0" encoding="utf-8"?>
-<p:sld xmlns:a="http://schemas.openxmlformats.org/drawingml/2006/main" xmlns:r="http://schemas.openxmlformats.org/officeDocument/2006/relationships" xmlns:p="http://schemas.openxmlformats.org/presentationml/2006/main" xmlns:m="http://schemas.openxmlformats.org/officeDocument/2006/math" xmlns:a14="http://schemas.microsoft.com/office/drawing/2010/main" showMasterSp="1" showMasterPhAnim="1">
+<file path=ppt/slides/slide21.xml><?xml version="1.0" encoding="utf-8"?>
+<p:sld xmlns:a="http://schemas.openxmlformats.org/drawingml/2006/main" xmlns:r="http://schemas.openxmlformats.org/officeDocument/2006/relationships" xmlns:p="http://schemas.openxmlformats.org/presentationml/2006/main">
   <p:cSld>
     <p:spTree>
       <p:nvGrpSpPr>
@@ -8089,11 +7922,10 @@
                 <a:tab pos="8686800" algn="l"/>
                 <a:tab pos="9144000" algn="l"/>
               </a:tabLst>
-              <a:defRPr b="1" sz="3600"/>
+              <a:defRPr sz="3600" b="1"/>
             </a:lvl1pPr>
           </a:lstStyle>
           <a:p>
-            <a:pPr/>
             <a:r>
               <a:t>2PL Concurrency Control (cont.)</a:t>
             </a:r>
@@ -8117,11 +7949,6 @@
           <a:ln w="12700">
             <a:miter lim="400000"/>
           </a:ln>
-          <a:extLst>
-            <a:ext uri="{C572A759-6A51-4108-AA02-DFA0A04FC94B}">
-              <ma14:wrappingTextBoxFlag xmlns:ma14="http://schemas.microsoft.com/office/mac/drawingml/2011/main" val="1"/>
-            </a:ext>
-          </a:extLst>
         </p:spPr>
         <p:txBody>
           <a:bodyPr lIns="46799" tIns="46799" rIns="46799" bIns="46799">
@@ -8129,7 +7956,7 @@
           </a:bodyPr>
           <a:lstStyle/>
           <a:p>
-            <a:pPr marL="900112" indent="-885825">
+            <a:pPr marL="899795" indent="-885825">
               <a:spcBef>
                 <a:spcPts val="600"/>
               </a:spcBef>
@@ -8156,11 +7983,11 @@
                 <a:tab pos="9601200" algn="l"/>
                 <a:tab pos="10058400" algn="l"/>
               </a:tabLst>
-              <a:defRPr b="1" sz="2400">
-                <a:latin typeface="Arial"/>
-                <a:ea typeface="Arial"/>
-                <a:cs typeface="Arial"/>
-                <a:sym typeface="Arial"/>
+              <a:defRPr sz="2400" b="1">
+                <a:latin typeface="Arial" panose="020B0604020202020204"/>
+                <a:ea typeface="Arial" panose="020B0604020202020204"/>
+                <a:cs typeface="Arial" panose="020B0604020202020204"/>
+                <a:sym typeface="Arial" panose="020B0604020202020204"/>
               </a:defRPr>
             </a:pPr>
             <a:r>
@@ -8168,7 +7995,7 @@
             </a:r>
           </a:p>
           <a:p>
-            <a:pPr marL="900112" indent="-885825" algn="just">
+            <a:pPr marL="899795" indent="-885825" algn="just">
               <a:spcBef>
                 <a:spcPts val="1200"/>
               </a:spcBef>
@@ -8196,10 +8023,10 @@
                 <a:tab pos="10058400" algn="l"/>
               </a:tabLst>
               <a:defRPr b="1">
-                <a:latin typeface="Arial"/>
-                <a:ea typeface="Arial"/>
-                <a:cs typeface="Arial"/>
-                <a:sym typeface="Arial"/>
+                <a:latin typeface="Arial" panose="020B0604020202020204"/>
+                <a:ea typeface="Arial" panose="020B0604020202020204"/>
+                <a:cs typeface="Arial" panose="020B0604020202020204"/>
+                <a:sym typeface="Arial" panose="020B0604020202020204"/>
               </a:defRPr>
             </a:pPr>
             <a:r>
@@ -8207,7 +8034,7 @@
             </a:r>
           </a:p>
           <a:p>
-            <a:pPr marL="900112" indent="-885825" algn="just">
+            <a:pPr marL="899795" indent="-885825" algn="just">
               <a:spcBef>
                 <a:spcPts val="1200"/>
               </a:spcBef>
@@ -8235,10 +8062,10 @@
                 <a:tab pos="10058400" algn="l"/>
               </a:tabLst>
               <a:defRPr b="1" u="sng">
-                <a:latin typeface="Arial"/>
-                <a:ea typeface="Arial"/>
-                <a:cs typeface="Arial"/>
-                <a:sym typeface="Arial"/>
+                <a:latin typeface="Arial" panose="020B0604020202020204"/>
+                <a:ea typeface="Arial" panose="020B0604020202020204"/>
+                <a:cs typeface="Arial" panose="020B0604020202020204"/>
+                <a:sym typeface="Arial" panose="020B0604020202020204"/>
               </a:defRPr>
             </a:pPr>
             <a:r>
@@ -8246,7 +8073,7 @@
             </a:r>
           </a:p>
           <a:p>
-            <a:pPr marL="900112" indent="-885825" algn="just">
+            <a:pPr marL="899795" indent="-885825" algn="just">
               <a:spcBef>
                 <a:spcPts val="1200"/>
               </a:spcBef>
@@ -8274,10 +8101,10 @@
                 <a:tab pos="10058400" algn="l"/>
               </a:tabLst>
               <a:defRPr b="1">
-                <a:latin typeface="Arial"/>
-                <a:ea typeface="Arial"/>
-                <a:cs typeface="Arial"/>
-                <a:sym typeface="Arial"/>
+                <a:latin typeface="Arial" panose="020B0604020202020204"/>
+                <a:ea typeface="Arial" panose="020B0604020202020204"/>
+                <a:cs typeface="Arial" panose="020B0604020202020204"/>
+                <a:sym typeface="Arial" panose="020B0604020202020204"/>
               </a:defRPr>
             </a:pPr>
             <a:r>
@@ -8285,7 +8112,7 @@
             </a:r>
           </a:p>
           <a:p>
-            <a:pPr lvl="1" marL="1184275" indent="-712787" algn="just">
+            <a:pPr marL="1184275" lvl="1" indent="-712470" algn="just">
               <a:spcBef>
                 <a:spcPts val="1200"/>
               </a:spcBef>
@@ -8313,10 +8140,10 @@
                 <a:tab pos="10058400" algn="l"/>
               </a:tabLst>
               <a:defRPr b="1">
-                <a:latin typeface="Arial"/>
-                <a:ea typeface="Arial"/>
-                <a:cs typeface="Arial"/>
-                <a:sym typeface="Arial"/>
+                <a:latin typeface="Arial" panose="020B0604020202020204"/>
+                <a:ea typeface="Arial" panose="020B0604020202020204"/>
+                <a:cs typeface="Arial" panose="020B0604020202020204"/>
+                <a:sym typeface="Arial" panose="020B0604020202020204"/>
               </a:defRPr>
             </a:pPr>
             <a:r>
@@ -8324,7 +8151,7 @@
             </a:r>
           </a:p>
           <a:p>
-            <a:pPr lvl="2" marL="1128712" indent="-200025" algn="just">
+            <a:pPr marL="1128395" lvl="2" indent="-200025" algn="just">
               <a:spcBef>
                 <a:spcPts val="1200"/>
               </a:spcBef>
@@ -8352,10 +8179,10 @@
                 <a:tab pos="10058400" algn="l"/>
               </a:tabLst>
               <a:defRPr b="1">
-                <a:latin typeface="Arial"/>
-                <a:ea typeface="Arial"/>
-                <a:cs typeface="Arial"/>
-                <a:sym typeface="Arial"/>
+                <a:latin typeface="Arial" panose="020B0604020202020204"/>
+                <a:ea typeface="Arial" panose="020B0604020202020204"/>
+                <a:cs typeface="Arial" panose="020B0604020202020204"/>
+                <a:sym typeface="Arial" panose="020B0604020202020204"/>
               </a:defRPr>
             </a:pPr>
             <a:r>
@@ -8363,7 +8190,7 @@
             </a:r>
           </a:p>
           <a:p>
-            <a:pPr lvl="2" marL="1128712" indent="-200025">
+            <a:pPr marL="1128395" lvl="2" indent="-200025">
               <a:tabLst>
                 <a:tab pos="914400" algn="l"/>
                 <a:tab pos="1371600" algn="l"/>
@@ -8388,10 +8215,10 @@
                 <a:tab pos="10058400" algn="l"/>
               </a:tabLst>
               <a:defRPr>
-                <a:latin typeface="Arial"/>
-                <a:ea typeface="Arial"/>
-                <a:cs typeface="Arial"/>
-                <a:sym typeface="Arial"/>
+                <a:latin typeface="Arial" panose="020B0604020202020204"/>
+                <a:ea typeface="Arial" panose="020B0604020202020204"/>
+                <a:cs typeface="Arial" panose="020B0604020202020204"/>
+                <a:sym typeface="Arial" panose="020B0604020202020204"/>
               </a:defRPr>
             </a:pPr>
             <a:r>
@@ -8431,9 +8258,7 @@
         <p:txBody>
           <a:bodyPr lIns="45719" rIns="45719"/>
           <a:lstStyle/>
-          <a:p>
-            <a:pPr/>
-          </a:p>
+          <a:p/>
         </p:txBody>
       </p:sp>
     </p:spTree>
@@ -8441,12 +8266,12 @@
   <p:clrMapOvr>
     <a:masterClrMapping/>
   </p:clrMapOvr>
-  <p:transition xmlns:p14="http://schemas.microsoft.com/office/powerpoint/2010/main" spd="med" advClick="1"/>
+  <p:transition spd="med"/>
 </p:sld>
 </file>
 
-<file path=ppt/slides/slide23.xml><?xml version="1.0" encoding="utf-8"?>
-<p:sld xmlns:a="http://schemas.openxmlformats.org/drawingml/2006/main" xmlns:r="http://schemas.openxmlformats.org/officeDocument/2006/relationships" xmlns:p="http://schemas.openxmlformats.org/presentationml/2006/main" xmlns:m="http://schemas.openxmlformats.org/officeDocument/2006/math" xmlns:a14="http://schemas.microsoft.com/office/drawing/2010/main" showMasterSp="1" showMasterPhAnim="1">
+<file path=ppt/slides/slide22.xml><?xml version="1.0" encoding="utf-8"?>
+<p:sld xmlns:a="http://schemas.openxmlformats.org/drawingml/2006/main" xmlns:r="http://schemas.openxmlformats.org/officeDocument/2006/relationships" xmlns:p="http://schemas.openxmlformats.org/presentationml/2006/main">
   <p:cSld>
     <p:spTree>
       <p:nvGrpSpPr>
@@ -8505,11 +8330,10 @@
                 <a:tab pos="8686800" algn="l"/>
                 <a:tab pos="9144000" algn="l"/>
               </a:tabLst>
-              <a:defRPr b="1" sz="3600"/>
+              <a:defRPr sz="3600" b="1"/>
             </a:lvl1pPr>
           </a:lstStyle>
           <a:p>
-            <a:pPr/>
             <a:r>
               <a:t>Database Concurrency Control</a:t>
             </a:r>
@@ -8533,11 +8357,6 @@
           <a:ln w="12700">
             <a:miter lim="400000"/>
           </a:ln>
-          <a:extLst>
-            <a:ext uri="{C572A759-6A51-4108-AA02-DFA0A04FC94B}">
-              <ma14:wrappingTextBoxFlag xmlns:ma14="http://schemas.microsoft.com/office/mac/drawingml/2011/main" val="1"/>
-            </a:ext>
-          </a:extLst>
         </p:spPr>
         <p:txBody>
           <a:bodyPr lIns="46799" tIns="46799" rIns="46799" bIns="46799">
@@ -8545,7 +8364,7 @@
           </a:bodyPr>
           <a:lstStyle/>
           <a:p>
-            <a:pPr marL="900112" indent="-885825">
+            <a:pPr marL="899795" indent="-885825">
               <a:spcBef>
                 <a:spcPts val="600"/>
               </a:spcBef>
@@ -8572,11 +8391,11 @@
                 <a:tab pos="9601200" algn="l"/>
                 <a:tab pos="10058400" algn="l"/>
               </a:tabLst>
-              <a:defRPr b="1" sz="2400">
-                <a:latin typeface="Arial"/>
-                <a:ea typeface="Arial"/>
-                <a:cs typeface="Arial"/>
-                <a:sym typeface="Arial"/>
+              <a:defRPr sz="2400" b="1">
+                <a:latin typeface="Arial" panose="020B0604020202020204"/>
+                <a:ea typeface="Arial" panose="020B0604020202020204"/>
+                <a:cs typeface="Arial" panose="020B0604020202020204"/>
+                <a:sym typeface="Arial" panose="020B0604020202020204"/>
               </a:defRPr>
             </a:pPr>
             <a:r>
@@ -8584,7 +8403,7 @@
             </a:r>
           </a:p>
           <a:p>
-            <a:pPr marL="900112" indent="-885825" algn="just">
+            <a:pPr marL="899795" indent="-885825" algn="just">
               <a:spcBef>
                 <a:spcPts val="1100"/>
               </a:spcBef>
@@ -8612,10 +8431,10 @@
                 <a:tab pos="10058400" algn="l"/>
               </a:tabLst>
               <a:defRPr b="1">
-                <a:latin typeface="Arial"/>
-                <a:ea typeface="Arial"/>
-                <a:cs typeface="Arial"/>
-                <a:sym typeface="Arial"/>
+                <a:latin typeface="Arial" panose="020B0604020202020204"/>
+                <a:ea typeface="Arial" panose="020B0604020202020204"/>
+                <a:cs typeface="Arial" panose="020B0604020202020204"/>
+                <a:sym typeface="Arial" panose="020B0604020202020204"/>
               </a:defRPr>
             </a:pPr>
             <a:r>
@@ -8633,9 +8452,10 @@
               <a:rPr b="0"/>
               <a:t> that increases the priority for transaction the longer they wait.</a:t>
             </a:r>
-          </a:p>
-          <a:p>
-            <a:pPr marL="900112" indent="-885825" algn="just">
+            <a:endParaRPr b="0"/>
+          </a:p>
+          <a:p>
+            <a:pPr marL="899795" indent="-885825" algn="just">
               <a:spcBef>
                 <a:spcPts val="1100"/>
               </a:spcBef>
@@ -8663,10 +8483,10 @@
                 <a:tab pos="10058400" algn="l"/>
               </a:tabLst>
               <a:defRPr b="1">
-                <a:latin typeface="Arial"/>
-                <a:ea typeface="Arial"/>
-                <a:cs typeface="Arial"/>
-                <a:sym typeface="Arial"/>
+                <a:latin typeface="Arial" panose="020B0604020202020204"/>
+                <a:ea typeface="Arial" panose="020B0604020202020204"/>
+                <a:cs typeface="Arial" panose="020B0604020202020204"/>
+                <a:sym typeface="Arial" panose="020B0604020202020204"/>
               </a:defRPr>
             </a:pPr>
             <a:r>
@@ -8674,7 +8494,7 @@
             </a:r>
           </a:p>
           <a:p>
-            <a:pPr marL="900112" indent="-885825" algn="just">
+            <a:pPr marL="899795" indent="-885825" algn="just">
               <a:spcBef>
                 <a:spcPts val="1100"/>
               </a:spcBef>
@@ -8702,10 +8522,10 @@
                 <a:tab pos="10058400" algn="l"/>
               </a:tabLst>
               <a:defRPr>
-                <a:latin typeface="Arial"/>
-                <a:ea typeface="Arial"/>
-                <a:cs typeface="Arial"/>
-                <a:sym typeface="Arial"/>
+                <a:latin typeface="Arial" panose="020B0604020202020204"/>
+                <a:ea typeface="Arial" panose="020B0604020202020204"/>
+                <a:cs typeface="Arial" panose="020B0604020202020204"/>
+                <a:sym typeface="Arial" panose="020B0604020202020204"/>
               </a:defRPr>
             </a:pPr>
             <a:r>
@@ -8713,7 +8533,7 @@
             </a:r>
           </a:p>
           <a:p>
-            <a:pPr marL="900112" indent="-885825" algn="just">
+            <a:pPr marL="899795" indent="-885825" algn="just">
               <a:spcBef>
                 <a:spcPts val="1100"/>
               </a:spcBef>
@@ -8741,10 +8561,10 @@
                 <a:tab pos="10058400" algn="l"/>
               </a:tabLst>
               <a:defRPr>
-                <a:latin typeface="Arial"/>
-                <a:ea typeface="Arial"/>
-                <a:cs typeface="Arial"/>
-                <a:sym typeface="Arial"/>
+                <a:latin typeface="Arial" panose="020B0604020202020204"/>
+                <a:ea typeface="Arial" panose="020B0604020202020204"/>
+                <a:cs typeface="Arial" panose="020B0604020202020204"/>
+                <a:sym typeface="Arial" panose="020B0604020202020204"/>
               </a:defRPr>
             </a:pPr>
             <a:r>
@@ -8752,7 +8572,7 @@
             </a:r>
           </a:p>
           <a:p>
-            <a:pPr marL="900112" indent="-885825" algn="just">
+            <a:pPr marL="899795" indent="-885825" algn="just">
               <a:spcBef>
                 <a:spcPts val="1100"/>
               </a:spcBef>
@@ -8780,10 +8600,10 @@
                 <a:tab pos="10058400" algn="l"/>
               </a:tabLst>
               <a:defRPr>
-                <a:latin typeface="Arial"/>
-                <a:ea typeface="Arial"/>
-                <a:cs typeface="Arial"/>
-                <a:sym typeface="Arial"/>
+                <a:latin typeface="Arial" panose="020B0604020202020204"/>
+                <a:ea typeface="Arial" panose="020B0604020202020204"/>
+                <a:cs typeface="Arial" panose="020B0604020202020204"/>
+                <a:sym typeface="Arial" panose="020B0604020202020204"/>
               </a:defRPr>
             </a:pPr>
             <a:r>
@@ -8816,9 +8636,7 @@
         <p:txBody>
           <a:bodyPr lIns="45719" rIns="45719"/>
           <a:lstStyle/>
-          <a:p>
-            <a:pPr/>
-          </a:p>
+          <a:p/>
         </p:txBody>
       </p:sp>
     </p:spTree>
@@ -8826,12 +8644,12 @@
   <p:clrMapOvr>
     <a:masterClrMapping/>
   </p:clrMapOvr>
-  <p:transition xmlns:p14="http://schemas.microsoft.com/office/powerpoint/2010/main" spd="med" advClick="1"/>
+  <p:transition spd="med"/>
 </p:sld>
 </file>
 
 <file path=ppt/slides/slide3.xml><?xml version="1.0" encoding="utf-8"?>
-<p:sld xmlns:a="http://schemas.openxmlformats.org/drawingml/2006/main" xmlns:r="http://schemas.openxmlformats.org/officeDocument/2006/relationships" xmlns:p="http://schemas.openxmlformats.org/presentationml/2006/main" xmlns:m="http://schemas.openxmlformats.org/officeDocument/2006/math" xmlns:a14="http://schemas.microsoft.com/office/drawing/2010/main" showMasterSp="1" showMasterPhAnim="1">
+<p:sld xmlns:a="http://schemas.openxmlformats.org/drawingml/2006/main" xmlns:r="http://schemas.openxmlformats.org/officeDocument/2006/relationships" xmlns:p="http://schemas.openxmlformats.org/presentationml/2006/main">
   <p:cSld>
     <p:spTree>
       <p:nvGrpSpPr>
@@ -8890,11 +8708,10 @@
                 <a:tab pos="8686800" algn="l"/>
                 <a:tab pos="9144000" algn="l"/>
               </a:tabLst>
-              <a:defRPr b="1" sz="3600"/>
+              <a:defRPr sz="3600" b="1"/>
             </a:lvl1pPr>
           </a:lstStyle>
           <a:p>
-            <a:pPr/>
             <a:r>
               <a:t>Concurrency Control Protocols (CCPs)</a:t>
             </a:r>
@@ -8951,11 +8768,11 @@
                 <a:tab pos="8331200" algn="l"/>
                 <a:tab pos="8788400" algn="l"/>
               </a:tabLst>
-              <a:defRPr b="1" sz="2400"/>
-            </a:pPr>
-          </a:p>
-          <a:p>
-            <a:pPr lvl="2" marL="914400" indent="-342900" algn="just">
+              <a:defRPr sz="2400" b="1"/>
+            </a:pPr>
+          </a:p>
+          <a:p>
+            <a:pPr marL="914400" lvl="2" indent="-342900" algn="just">
               <a:lnSpc>
                 <a:spcPct val="90000"/>
               </a:lnSpc>
@@ -8966,7 +8783,7 @@
                 <a:srgbClr val="FF0000"/>
               </a:buClr>
               <a:buSzPct val="100000"/>
-              <a:buFont typeface="Times New Roman"/>
+              <a:buFont typeface="Times New Roman" panose="02020603050405020304"/>
               <a:buChar char="•"/>
               <a:tabLst>
                 <a:tab pos="101600" algn="l"/>
@@ -8997,7 +8814,7 @@
             </a:r>
           </a:p>
           <a:p>
-            <a:pPr lvl="2" marL="914400" indent="-342900" algn="just">
+            <a:pPr marL="914400" lvl="2" indent="-342900" algn="just">
               <a:lnSpc>
                 <a:spcPct val="90000"/>
               </a:lnSpc>
@@ -9008,7 +8825,7 @@
                 <a:srgbClr val="FF0000"/>
               </a:buClr>
               <a:buSzPct val="100000"/>
-              <a:buFont typeface="Times New Roman"/>
+              <a:buFont typeface="Times New Roman" panose="02020603050405020304"/>
               <a:buChar char="•"/>
               <a:tabLst>
                 <a:tab pos="101600" algn="l"/>
@@ -9039,7 +8856,7 @@
             </a:r>
           </a:p>
           <a:p>
-            <a:pPr lvl="2" marL="914400" indent="-342900" algn="just">
+            <a:pPr marL="914400" lvl="2" indent="-342900" algn="just">
               <a:lnSpc>
                 <a:spcPct val="90000"/>
               </a:lnSpc>
@@ -9050,7 +8867,7 @@
                 <a:srgbClr val="FF0000"/>
               </a:buClr>
               <a:buSzPct val="100000"/>
-              <a:buFont typeface="Times New Roman"/>
+              <a:buFont typeface="Times New Roman" panose="02020603050405020304"/>
               <a:buChar char="•"/>
               <a:tabLst>
                 <a:tab pos="101600" algn="l"/>
@@ -9086,7 +8903,7 @@
             <a:endParaRPr i="1"/>
           </a:p>
           <a:p>
-            <a:pPr lvl="1" marL="0" indent="457200" algn="just">
+            <a:pPr marL="0" lvl="1" indent="457200" algn="just">
               <a:lnSpc>
                 <a:spcPct val="90000"/>
               </a:lnSpc>
@@ -9128,12 +8945,12 @@
   <p:clrMapOvr>
     <a:masterClrMapping/>
   </p:clrMapOvr>
-  <p:transition xmlns:p14="http://schemas.microsoft.com/office/powerpoint/2010/main" spd="med" advClick="1"/>
+  <p:transition spd="med"/>
 </p:sld>
 </file>
 
 <file path=ppt/slides/slide4.xml><?xml version="1.0" encoding="utf-8"?>
-<p:sld xmlns:a="http://schemas.openxmlformats.org/drawingml/2006/main" xmlns:r="http://schemas.openxmlformats.org/officeDocument/2006/relationships" xmlns:p="http://schemas.openxmlformats.org/presentationml/2006/main" xmlns:m="http://schemas.openxmlformats.org/officeDocument/2006/math" xmlns:a14="http://schemas.microsoft.com/office/drawing/2010/main" showMasterSp="1" showMasterPhAnim="1">
+<p:sld xmlns:a="http://schemas.openxmlformats.org/drawingml/2006/main" xmlns:r="http://schemas.openxmlformats.org/officeDocument/2006/relationships" xmlns:p="http://schemas.openxmlformats.org/presentationml/2006/main">
   <p:cSld>
     <p:spTree>
       <p:nvGrpSpPr>
@@ -9192,11 +9009,10 @@
                 <a:tab pos="8686800" algn="l"/>
                 <a:tab pos="9144000" algn="l"/>
               </a:tabLst>
-              <a:defRPr b="1" sz="3600"/>
+              <a:defRPr sz="3600" b="1"/>
             </a:lvl1pPr>
           </a:lstStyle>
           <a:p>
-            <a:pPr/>
             <a:r>
               <a:t>2PL Concurrency Control Protocol</a:t>
             </a:r>
@@ -9264,7 +9080,7 @@
             </a:r>
           </a:p>
           <a:p>
-            <a:pPr lvl="1" marL="0" indent="457200" algn="just">
+            <a:pPr marL="0" lvl="1" indent="457200" algn="just">
               <a:spcBef>
                 <a:spcPts val="600"/>
               </a:spcBef>
@@ -9316,7 +9132,7 @@
             <a:endParaRPr sz="2600"/>
           </a:p>
           <a:p>
-            <a:pPr lvl="1" marL="0" indent="457200" algn="just">
+            <a:pPr marL="0" lvl="1" indent="457200" algn="just">
               <a:spcBef>
                 <a:spcPts val="600"/>
               </a:spcBef>
@@ -9356,7 +9172,7 @@
             </a:r>
           </a:p>
           <a:p>
-            <a:pPr lvl="1" marL="0" indent="457200" algn="just">
+            <a:pPr marL="0" lvl="1" indent="457200" algn="just">
               <a:spcBef>
                 <a:spcPts val="600"/>
               </a:spcBef>
@@ -9386,7 +9202,7 @@
             </a:pPr>
           </a:p>
           <a:p>
-            <a:pPr lvl="1" marL="0" indent="457200" algn="just">
+            <a:pPr marL="0" lvl="1" indent="457200" algn="just">
               <a:spcBef>
                 <a:spcPts val="600"/>
               </a:spcBef>
@@ -9419,7 +9235,7 @@
             </a:r>
           </a:p>
           <a:p>
-            <a:pPr lvl="1" marL="0" indent="457200" algn="just">
+            <a:pPr marL="0" lvl="1" indent="457200" algn="just">
               <a:spcBef>
                 <a:spcPts val="600"/>
               </a:spcBef>
@@ -9458,12 +9274,12 @@
   <p:clrMapOvr>
     <a:masterClrMapping/>
   </p:clrMapOvr>
-  <p:transition xmlns:p14="http://schemas.microsoft.com/office/powerpoint/2010/main" spd="med" advClick="1"/>
+  <p:transition spd="med"/>
 </p:sld>
 </file>
 
 <file path=ppt/slides/slide5.xml><?xml version="1.0" encoding="utf-8"?>
-<p:sld xmlns:a="http://schemas.openxmlformats.org/drawingml/2006/main" xmlns:r="http://schemas.openxmlformats.org/officeDocument/2006/relationships" xmlns:p="http://schemas.openxmlformats.org/presentationml/2006/main" xmlns:m="http://schemas.openxmlformats.org/officeDocument/2006/math" xmlns:a14="http://schemas.microsoft.com/office/drawing/2010/main" showMasterSp="1" showMasterPhAnim="1">
+<p:sld xmlns:a="http://schemas.openxmlformats.org/drawingml/2006/main" xmlns:r="http://schemas.openxmlformats.org/officeDocument/2006/relationships" xmlns:p="http://schemas.openxmlformats.org/presentationml/2006/main">
   <p:cSld>
     <p:spTree>
       <p:nvGrpSpPr>
@@ -9522,11 +9338,10 @@
                 <a:tab pos="8686800" algn="l"/>
                 <a:tab pos="9144000" algn="l"/>
               </a:tabLst>
-              <a:defRPr b="1" sz="3600"/>
+              <a:defRPr sz="3600" b="1"/>
             </a:lvl1pPr>
           </a:lstStyle>
           <a:p>
-            <a:pPr/>
             <a:r>
               <a:t>2PL Concurrency Control Protocol</a:t>
             </a:r>
@@ -9584,7 +9399,7 @@
             </a:pPr>
           </a:p>
           <a:p>
-            <a:pPr lvl="1" marL="0" indent="457200" algn="just">
+            <a:pPr marL="0" lvl="1" indent="457200" algn="just">
               <a:spcBef>
                 <a:spcPts val="600"/>
               </a:spcBef>
@@ -9624,7 +9439,7 @@
             </a:r>
           </a:p>
           <a:p>
-            <a:pPr lvl="1" marL="0" indent="457200" algn="just">
+            <a:pPr marL="0" lvl="1" indent="457200" algn="just">
               <a:spcBef>
                 <a:spcPts val="600"/>
               </a:spcBef>
@@ -9654,7 +9469,7 @@
             </a:pPr>
           </a:p>
           <a:p>
-            <a:pPr lvl="1" marL="0" indent="457200" algn="just">
+            <a:pPr marL="0" lvl="1" indent="457200" algn="just">
               <a:spcBef>
                 <a:spcPts val="600"/>
               </a:spcBef>
@@ -9692,7 +9507,7 @@
             <a:endParaRPr b="1"/>
           </a:p>
           <a:p>
-            <a:pPr lvl="1" marL="0" indent="457200" algn="just">
+            <a:pPr marL="0" lvl="1" indent="457200" algn="just">
               <a:spcBef>
                 <a:spcPts val="600"/>
               </a:spcBef>
@@ -9718,11 +9533,11 @@
                 <a:tab pos="8331200" algn="l"/>
                 <a:tab pos="8788400" algn="l"/>
               </a:tabLst>
-              <a:defRPr b="1" sz="2200"/>
-            </a:pPr>
-          </a:p>
-          <a:p>
-            <a:pPr lvl="1" marL="0" indent="457200" algn="just">
+              <a:defRPr sz="2200" b="1"/>
+            </a:pPr>
+          </a:p>
+          <a:p>
+            <a:pPr marL="0" lvl="1" indent="457200" algn="just">
               <a:spcBef>
                 <a:spcPts val="600"/>
               </a:spcBef>
@@ -9762,7 +9577,7 @@
             </a:r>
           </a:p>
           <a:p>
-            <a:pPr lvl="1" marL="0" indent="457200" algn="just">
+            <a:pPr marL="0" lvl="1" indent="457200" algn="just">
               <a:spcBef>
                 <a:spcPts val="600"/>
               </a:spcBef>
@@ -9792,7 +9607,7 @@
             </a:pPr>
           </a:p>
           <a:p>
-            <a:pPr lvl="1" marL="0" indent="457200" algn="just">
+            <a:pPr marL="0" lvl="1" indent="457200" algn="just">
               <a:spcBef>
                 <a:spcPts val="600"/>
               </a:spcBef>
@@ -9825,7 +9640,7 @@
             </a:r>
           </a:p>
           <a:p>
-            <a:pPr lvl="1" marL="0" indent="457200" algn="just">
+            <a:pPr marL="0" lvl="1" indent="457200" algn="just">
               <a:spcBef>
                 <a:spcPts val="600"/>
               </a:spcBef>
@@ -9855,7 +9670,7 @@
             </a:pPr>
           </a:p>
           <a:p>
-            <a:pPr lvl="1" marL="0" indent="457200" algn="just">
+            <a:pPr marL="0" lvl="1" indent="457200" algn="just">
               <a:spcBef>
                 <a:spcPts val="600"/>
               </a:spcBef>
@@ -9894,12 +9709,12 @@
   <p:clrMapOvr>
     <a:masterClrMapping/>
   </p:clrMapOvr>
-  <p:transition xmlns:p14="http://schemas.microsoft.com/office/powerpoint/2010/main" spd="med" advClick="1"/>
+  <p:transition spd="med"/>
 </p:sld>
 </file>
 
 <file path=ppt/slides/slide6.xml><?xml version="1.0" encoding="utf-8"?>
-<p:sld xmlns:a="http://schemas.openxmlformats.org/drawingml/2006/main" xmlns:r="http://schemas.openxmlformats.org/officeDocument/2006/relationships" xmlns:p="http://schemas.openxmlformats.org/presentationml/2006/main" xmlns:m="http://schemas.openxmlformats.org/officeDocument/2006/math" xmlns:a14="http://schemas.microsoft.com/office/drawing/2010/main" showMasterSp="1" showMasterPhAnim="1">
+<p:sld xmlns:a="http://schemas.openxmlformats.org/drawingml/2006/main" xmlns:r="http://schemas.openxmlformats.org/officeDocument/2006/relationships" xmlns:p="http://schemas.openxmlformats.org/presentationml/2006/main">
   <p:cSld>
     <p:spTree>
       <p:nvGrpSpPr>
@@ -9924,9 +9739,7 @@
           <p:nvPr/>
         </p:nvPicPr>
         <p:blipFill>
-          <a:blip r:embed="rId2">
-            <a:extLst/>
-          </a:blip>
+          <a:blip r:embed="rId1"/>
           <a:stretch>
             <a:fillRect/>
           </a:stretch>
@@ -9941,6 +9754,8 @@
           </a:prstGeom>
           <a:ln w="12700">
             <a:miter lim="400000"/>
+            <a:headEnd/>
+            <a:tailEnd/>
           </a:ln>
         </p:spPr>
       </p:pic>
@@ -9949,12 +9764,12 @@
   <p:clrMapOvr>
     <a:masterClrMapping/>
   </p:clrMapOvr>
-  <p:transition xmlns:p14="http://schemas.microsoft.com/office/powerpoint/2010/main" spd="med" advClick="1"/>
+  <p:transition spd="med"/>
 </p:sld>
 </file>
 
 <file path=ppt/slides/slide7.xml><?xml version="1.0" encoding="utf-8"?>
-<p:sld xmlns:a="http://schemas.openxmlformats.org/drawingml/2006/main" xmlns:r="http://schemas.openxmlformats.org/officeDocument/2006/relationships" xmlns:p="http://schemas.openxmlformats.org/presentationml/2006/main" xmlns:m="http://schemas.openxmlformats.org/officeDocument/2006/math" xmlns:a14="http://schemas.microsoft.com/office/drawing/2010/main" showMasterSp="1" showMasterPhAnim="1">
+<p:sld xmlns:a="http://schemas.openxmlformats.org/drawingml/2006/main" xmlns:r="http://schemas.openxmlformats.org/officeDocument/2006/relationships" xmlns:p="http://schemas.openxmlformats.org/presentationml/2006/main">
   <p:cSld>
     <p:spTree>
       <p:nvGrpSpPr>
@@ -10013,11 +9828,10 @@
                 <a:tab pos="8686800" algn="l"/>
                 <a:tab pos="9144000" algn="l"/>
               </a:tabLst>
-              <a:defRPr b="1" sz="3600"/>
+              <a:defRPr sz="3600" b="1"/>
             </a:lvl1pPr>
           </a:lstStyle>
           <a:p>
-            <a:pPr/>
             <a:r>
               <a:t>2PL Concurrency Control (cont.)</a:t>
             </a:r>
@@ -10045,7 +9859,7 @@
           <a:bodyPr lIns="46799" tIns="46799" rIns="46799" bIns="46799"/>
           <a:lstStyle/>
           <a:p>
-            <a:pPr marL="214312" indent="-200025">
+            <a:pPr marL="213995" indent="-200025">
               <a:lnSpc>
                 <a:spcPct val="90000"/>
               </a:lnSpc>
@@ -10075,7 +9889,7 @@
                 <a:tab pos="8559800" algn="l"/>
                 <a:tab pos="9017000" algn="l"/>
               </a:tabLst>
-              <a:defRPr b="1" sz="2000"/>
+              <a:defRPr sz="2000" b="1"/>
             </a:pPr>
             <a:r>
               <a:t>Locking for database items:</a:t>
@@ -10084,9 +9898,10 @@
               <a:rPr b="0"/>
               <a:t> </a:t>
             </a:r>
-          </a:p>
-          <a:p>
-            <a:pPr marL="214312" indent="-200025">
+            <a:endParaRPr b="0"/>
+          </a:p>
+          <a:p>
+            <a:pPr marL="213995" indent="-200025">
               <a:lnSpc>
                 <a:spcPct val="90000"/>
               </a:lnSpc>
@@ -10130,7 +9945,7 @@
             </a:r>
           </a:p>
           <a:p>
-            <a:pPr lvl="1" marL="728662" indent="-271462">
+            <a:pPr marL="728345" lvl="1" indent="-271145">
               <a:spcBef>
                 <a:spcPts val="700"/>
               </a:spcBef>
@@ -10138,7 +9953,7 @@
                 <a:srgbClr val="FF0000"/>
               </a:buClr>
               <a:buSzPct val="100000"/>
-              <a:buFont typeface="Times New Roman"/>
+              <a:buFont typeface="Times New Roman" panose="02020603050405020304"/>
               <a:buChar char="–"/>
               <a:tabLst>
                 <a:tab pos="228600" algn="l"/>
@@ -10184,7 +9999,7 @@
             </a:r>
           </a:p>
           <a:p>
-            <a:pPr lvl="1" marL="271462" indent="185737" algn="just">
+            <a:pPr marL="271145" lvl="1" indent="185420" algn="just">
               <a:lnSpc>
                 <a:spcPct val="90000"/>
               </a:lnSpc>
@@ -10221,7 +10036,7 @@
             </a:r>
           </a:p>
           <a:p>
-            <a:pPr lvl="1" marL="271462" indent="185737" algn="just">
+            <a:pPr marL="271145" lvl="1" indent="185420" algn="just">
               <a:lnSpc>
                 <a:spcPct val="90000"/>
               </a:lnSpc>
@@ -10258,7 +10073,7 @@
             </a:r>
           </a:p>
           <a:p>
-            <a:pPr lvl="1" marL="271462" indent="185737" algn="ctr">
+            <a:pPr marL="271145" lvl="1" indent="185420" algn="ctr">
               <a:lnSpc>
                 <a:spcPct val="90000"/>
               </a:lnSpc>
@@ -10305,9 +10120,7 @@
           <p:nvPr/>
         </p:nvPicPr>
         <p:blipFill>
-          <a:blip r:embed="rId2">
-            <a:extLst/>
-          </a:blip>
+          <a:blip r:embed="rId1"/>
           <a:stretch>
             <a:fillRect/>
           </a:stretch>
@@ -10322,6 +10135,8 @@
           </a:prstGeom>
           <a:ln w="12700">
             <a:miter lim="400000"/>
+            <a:headEnd/>
+            <a:tailEnd/>
           </a:ln>
         </p:spPr>
       </p:pic>
@@ -10330,12 +10145,12 @@
   <p:clrMapOvr>
     <a:masterClrMapping/>
   </p:clrMapOvr>
-  <p:transition xmlns:p14="http://schemas.microsoft.com/office/powerpoint/2010/main" spd="med" advClick="1"/>
+  <p:transition spd="med"/>
 </p:sld>
 </file>
 
 <file path=ppt/slides/slide8.xml><?xml version="1.0" encoding="utf-8"?>
-<p:sld xmlns:a="http://schemas.openxmlformats.org/drawingml/2006/main" xmlns:r="http://schemas.openxmlformats.org/officeDocument/2006/relationships" xmlns:p="http://schemas.openxmlformats.org/presentationml/2006/main" xmlns:m="http://schemas.openxmlformats.org/officeDocument/2006/math" xmlns:a14="http://schemas.microsoft.com/office/drawing/2010/main" showMasterSp="1" showMasterPhAnim="1">
+<p:sld xmlns:a="http://schemas.openxmlformats.org/drawingml/2006/main" xmlns:r="http://schemas.openxmlformats.org/officeDocument/2006/relationships" xmlns:p="http://schemas.openxmlformats.org/presentationml/2006/main">
   <p:cSld>
     <p:spTree>
       <p:nvGrpSpPr>
@@ -10394,11 +10209,10 @@
                 <a:tab pos="8686800" algn="l"/>
                 <a:tab pos="9144000" algn="l"/>
               </a:tabLst>
-              <a:defRPr b="1" sz="3600"/>
+              <a:defRPr sz="3600" b="1"/>
             </a:lvl1pPr>
           </a:lstStyle>
           <a:p>
-            <a:pPr/>
             <a:r>
               <a:t>2PL Concurrency Control (cont.)</a:t>
             </a:r>
@@ -10426,7 +10240,7 @@
           <a:bodyPr lIns="46799" tIns="46799" rIns="46799" bIns="46799"/>
           <a:lstStyle/>
           <a:p>
-            <a:pPr marL="214312" indent="-200025">
+            <a:pPr marL="213995" indent="-200025">
               <a:lnSpc>
                 <a:spcPct val="90000"/>
               </a:lnSpc>
@@ -10463,7 +10277,7 @@
             </a:r>
           </a:p>
           <a:p>
-            <a:pPr marL="214312" indent="-200025">
+            <a:pPr marL="213995" indent="-200025">
               <a:lnSpc>
                 <a:spcPct val="90000"/>
               </a:lnSpc>
@@ -10500,7 +10314,7 @@
             </a:r>
           </a:p>
           <a:p>
-            <a:pPr lvl="1" marL="728662" indent="-271462">
+            <a:pPr marL="728345" lvl="1" indent="-271145">
               <a:spcBef>
                 <a:spcPts val="700"/>
               </a:spcBef>
@@ -10508,7 +10322,7 @@
                 <a:srgbClr val="FF0000"/>
               </a:buClr>
               <a:buSzPct val="100000"/>
-              <a:buFont typeface="Times New Roman"/>
+              <a:buFont typeface="Times New Roman" panose="02020603050405020304"/>
               <a:buChar char="–"/>
               <a:tabLst>
                 <a:tab pos="228600" algn="l"/>
@@ -10540,7 +10354,7 @@
             </a:r>
           </a:p>
           <a:p>
-            <a:pPr lvl="1" marL="728662" indent="-271462">
+            <a:pPr marL="728345" lvl="1" indent="-271145">
               <a:spcBef>
                 <a:spcPts val="700"/>
               </a:spcBef>
@@ -10548,7 +10362,7 @@
                 <a:srgbClr val="FF0000"/>
               </a:buClr>
               <a:buSzPct val="100000"/>
-              <a:buFont typeface="Times New Roman"/>
+              <a:buFont typeface="Times New Roman" panose="02020603050405020304"/>
               <a:buChar char="–"/>
               <a:tabLst>
                 <a:tab pos="228600" algn="l"/>
@@ -10580,7 +10394,7 @@
             </a:r>
           </a:p>
           <a:p>
-            <a:pPr lvl="1" marL="728662" indent="-271462">
+            <a:pPr marL="728345" lvl="1" indent="-271145">
               <a:spcBef>
                 <a:spcPts val="700"/>
               </a:spcBef>
@@ -10588,7 +10402,7 @@
                 <a:srgbClr val="FF0000"/>
               </a:buClr>
               <a:buSzPct val="100000"/>
-              <a:buFont typeface="Times New Roman"/>
+              <a:buFont typeface="Times New Roman" panose="02020603050405020304"/>
               <a:buChar char="–"/>
               <a:tabLst>
                 <a:tab pos="228600" algn="l"/>
@@ -10620,7 +10434,7 @@
             </a:r>
           </a:p>
           <a:p>
-            <a:pPr lvl="1" marL="271462" indent="185737" algn="just">
+            <a:pPr marL="271145" lvl="1" indent="185420" algn="just">
               <a:lnSpc>
                 <a:spcPct val="90000"/>
               </a:lnSpc>
@@ -10662,7 +10476,7 @@
             <a:endParaRPr b="1"/>
           </a:p>
           <a:p>
-            <a:pPr lvl="1" marL="271462" indent="185737" algn="just">
+            <a:pPr marL="271145" lvl="1" indent="185420" algn="just">
               <a:lnSpc>
                 <a:spcPct val="90000"/>
               </a:lnSpc>
@@ -10699,7 +10513,7 @@
             </a:r>
           </a:p>
           <a:p>
-            <a:pPr lvl="1" marL="271462" indent="185737" algn="just">
+            <a:pPr marL="271145" lvl="1" indent="185420" algn="just">
               <a:lnSpc>
                 <a:spcPct val="90000"/>
               </a:lnSpc>
@@ -10742,12 +10556,12 @@
   <p:clrMapOvr>
     <a:masterClrMapping/>
   </p:clrMapOvr>
-  <p:transition xmlns:p14="http://schemas.microsoft.com/office/powerpoint/2010/main" spd="med" advClick="1"/>
+  <p:transition spd="med"/>
 </p:sld>
 </file>
 
 <file path=ppt/slides/slide9.xml><?xml version="1.0" encoding="utf-8"?>
-<p:sld xmlns:a="http://schemas.openxmlformats.org/drawingml/2006/main" xmlns:r="http://schemas.openxmlformats.org/officeDocument/2006/relationships" xmlns:p="http://schemas.openxmlformats.org/presentationml/2006/main" xmlns:m="http://schemas.openxmlformats.org/officeDocument/2006/math" xmlns:a14="http://schemas.microsoft.com/office/drawing/2010/main" showMasterSp="1" showMasterPhAnim="1">
+<p:sld xmlns:a="http://schemas.openxmlformats.org/drawingml/2006/main" xmlns:r="http://schemas.openxmlformats.org/officeDocument/2006/relationships" xmlns:p="http://schemas.openxmlformats.org/presentationml/2006/main">
   <p:cSld>
     <p:spTree>
       <p:nvGrpSpPr>
@@ -10772,9 +10586,7 @@
           <p:nvPr/>
         </p:nvPicPr>
         <p:blipFill>
-          <a:blip r:embed="rId2">
-            <a:extLst/>
-          </a:blip>
+          <a:blip r:embed="rId1"/>
           <a:stretch>
             <a:fillRect/>
           </a:stretch>
@@ -10789,6 +10601,8 @@
           </a:prstGeom>
           <a:ln w="12700">
             <a:miter lim="400000"/>
+            <a:headEnd/>
+            <a:tailEnd/>
           </a:ln>
         </p:spPr>
       </p:pic>
@@ -10797,12 +10611,12 @@
   <p:clrMapOvr>
     <a:masterClrMapping/>
   </p:clrMapOvr>
-  <p:transition xmlns:p14="http://schemas.microsoft.com/office/powerpoint/2010/main" spd="med" advClick="1"/>
+  <p:transition spd="med"/>
 </p:sld>
 </file>
 
 <file path=ppt/theme/theme1.xml><?xml version="1.0" encoding="utf-8"?>
-<a:theme xmlns:a="http://schemas.openxmlformats.org/drawingml/2006/main" xmlns:r="http://schemas.openxmlformats.org/officeDocument/2006/relationships" name="Office">
+<a:theme xmlns:a="http://schemas.openxmlformats.org/drawingml/2006/main" name="Office">
   <a:themeElements>
     <a:clrScheme name="Office">
       <a:dk1>
@@ -10934,7 +10748,7 @@
         </a:effectStyle>
         <a:effectStyle>
           <a:effectLst>
-            <a:outerShdw sx="100000" sy="100000" kx="0" ky="0" algn="b" rotWithShape="0" blurRad="38100" dist="20000" dir="5400000">
+            <a:outerShdw blurRad="38100" dist="20000" dir="5400000" rotWithShape="0">
               <a:srgbClr val="000000">
                 <a:alpha val="38000"/>
               </a:srgbClr>
@@ -11007,8 +10821,6 @@
           <a:prstDash val="solid"/>
           <a:round/>
         </a:ln>
-        <a:effectLst/>
-        <a:sp3d/>
       </a:spPr>
       <a:bodyPr rot="0" spcFirstLastPara="1" vertOverflow="overflow" horzOverflow="overflow" vert="horz" wrap="square" lIns="45719" tIns="45719" rIns="45719" bIns="45719" numCol="1" spcCol="38100" rtlCol="0" anchor="t" upright="0">
         <a:spAutoFit/>
@@ -11028,8 +10840,7 @@
           <a:buSzTx/>
           <a:buFontTx/>
           <a:buNone/>
-          <a:tabLst/>
-          <a:defRPr b="0" baseline="0" cap="none" i="0" spc="0" strike="noStrike" sz="1800" u="none" kumimoji="0" normalizeH="0">
+          <a:defRPr kumimoji="0" sz="1800" b="0" i="0" u="none" strike="noStrike" cap="none" spc="0" normalizeH="0" baseline="0">
             <a:ln>
               <a:noFill/>
             </a:ln>
@@ -11041,7 +10852,7 @@
             <a:latin typeface="+mj-lt"/>
             <a:ea typeface="+mj-ea"/>
             <a:cs typeface="+mj-cs"/>
-            <a:sym typeface="Times New Roman"/>
+            <a:sym typeface="Times New Roman" panose="02020603050405020304"/>
           </a:defRPr>
         </a:defPPr>
         <a:lvl1pPr marL="0" marR="0" indent="0" algn="l" defTabSz="914400" rtl="0" fontAlgn="auto" latinLnBrk="1" hangingPunct="0">
@@ -11058,8 +10869,7 @@
           <a:buSzTx/>
           <a:buFontTx/>
           <a:buNone/>
-          <a:tabLst/>
-          <a:defRPr b="0" baseline="0" cap="none" i="0" spc="0" strike="noStrike" sz="1800" u="none" kumimoji="0" normalizeH="0">
+          <a:defRPr kumimoji="0" sz="1800" b="0" i="0" u="none" strike="noStrike" cap="none" spc="0" normalizeH="0" baseline="0">
             <a:ln>
               <a:noFill/>
             </a:ln>
@@ -11084,8 +10894,7 @@
           <a:buSzTx/>
           <a:buFontTx/>
           <a:buNone/>
-          <a:tabLst/>
-          <a:defRPr b="0" baseline="0" cap="none" i="0" spc="0" strike="noStrike" sz="1800" u="none" kumimoji="0" normalizeH="0">
+          <a:defRPr kumimoji="0" sz="1800" b="0" i="0" u="none" strike="noStrike" cap="none" spc="0" normalizeH="0" baseline="0">
             <a:ln>
               <a:noFill/>
             </a:ln>
@@ -11110,8 +10919,7 @@
           <a:buSzTx/>
           <a:buFontTx/>
           <a:buNone/>
-          <a:tabLst/>
-          <a:defRPr b="0" baseline="0" cap="none" i="0" spc="0" strike="noStrike" sz="1800" u="none" kumimoji="0" normalizeH="0">
+          <a:defRPr kumimoji="0" sz="1800" b="0" i="0" u="none" strike="noStrike" cap="none" spc="0" normalizeH="0" baseline="0">
             <a:ln>
               <a:noFill/>
             </a:ln>
@@ -11136,8 +10944,7 @@
           <a:buSzTx/>
           <a:buFontTx/>
           <a:buNone/>
-          <a:tabLst/>
-          <a:defRPr b="0" baseline="0" cap="none" i="0" spc="0" strike="noStrike" sz="1800" u="none" kumimoji="0" normalizeH="0">
+          <a:defRPr kumimoji="0" sz="1800" b="0" i="0" u="none" strike="noStrike" cap="none" spc="0" normalizeH="0" baseline="0">
             <a:ln>
               <a:noFill/>
             </a:ln>
@@ -11162,8 +10969,7 @@
           <a:buSzTx/>
           <a:buFontTx/>
           <a:buNone/>
-          <a:tabLst/>
-          <a:defRPr b="0" baseline="0" cap="none" i="0" spc="0" strike="noStrike" sz="1800" u="none" kumimoji="0" normalizeH="0">
+          <a:defRPr kumimoji="0" sz="1800" b="0" i="0" u="none" strike="noStrike" cap="none" spc="0" normalizeH="0" baseline="0">
             <a:ln>
               <a:noFill/>
             </a:ln>
@@ -11188,8 +10994,7 @@
           <a:buSzTx/>
           <a:buFontTx/>
           <a:buNone/>
-          <a:tabLst/>
-          <a:defRPr b="0" baseline="0" cap="none" i="0" spc="0" strike="noStrike" sz="1800" u="none" kumimoji="0" normalizeH="0">
+          <a:defRPr kumimoji="0" sz="1800" b="0" i="0" u="none" strike="noStrike" cap="none" spc="0" normalizeH="0" baseline="0">
             <a:ln>
               <a:noFill/>
             </a:ln>
@@ -11214,8 +11019,7 @@
           <a:buSzTx/>
           <a:buFontTx/>
           <a:buNone/>
-          <a:tabLst/>
-          <a:defRPr b="0" baseline="0" cap="none" i="0" spc="0" strike="noStrike" sz="1800" u="none" kumimoji="0" normalizeH="0">
+          <a:defRPr kumimoji="0" sz="1800" b="0" i="0" u="none" strike="noStrike" cap="none" spc="0" normalizeH="0" baseline="0">
             <a:ln>
               <a:noFill/>
             </a:ln>
@@ -11240,8 +11044,7 @@
           <a:buSzTx/>
           <a:buFontTx/>
           <a:buNone/>
-          <a:tabLst/>
-          <a:defRPr b="0" baseline="0" cap="none" i="0" spc="0" strike="noStrike" sz="1800" u="none" kumimoji="0" normalizeH="0">
+          <a:defRPr kumimoji="0" sz="1800" b="0" i="0" u="none" strike="noStrike" cap="none" spc="0" normalizeH="0" baseline="0">
             <a:ln>
               <a:noFill/>
             </a:ln>
@@ -11266,8 +11069,7 @@
           <a:buSzTx/>
           <a:buFontTx/>
           <a:buNone/>
-          <a:tabLst/>
-          <a:defRPr b="0" baseline="0" cap="none" i="0" spc="0" strike="noStrike" sz="1800" u="none" kumimoji="0" normalizeH="0">
+          <a:defRPr kumimoji="0" sz="1800" b="0" i="0" u="none" strike="noStrike" cap="none" spc="0" normalizeH="0" baseline="0">
             <a:ln>
               <a:noFill/>
             </a:ln>
@@ -11280,9 +11082,15 @@
         </a:lvl9pPr>
       </a:lstStyle>
       <a:style>
-        <a:lnRef idx="0"/>
-        <a:fillRef idx="0"/>
-        <a:effectRef idx="0"/>
+        <a:lnRef idx="0">
+          <a:srgbClr val="FFFFFF"/>
+        </a:lnRef>
+        <a:fillRef idx="0">
+          <a:srgbClr val="FFFFFF"/>
+        </a:fillRef>
+        <a:effectRef idx="0">
+          <a:srgbClr val="FFFFFF"/>
+        </a:effectRef>
         <a:fontRef idx="none"/>
       </a:style>
     </a:spDef>
@@ -11297,13 +11105,12 @@
           <a:round/>
         </a:ln>
         <a:effectLst>
-          <a:outerShdw sx="100000" sy="100000" kx="0" ky="0" algn="b" rotWithShape="0" blurRad="38100" dist="20000" dir="5400000">
+          <a:outerShdw blurRad="38100" dist="20000" dir="5400000" rotWithShape="0">
             <a:srgbClr val="000000">
               <a:alpha val="38000"/>
             </a:srgbClr>
           </a:outerShdw>
         </a:effectLst>
-        <a:sp3d/>
       </a:spPr>
       <a:bodyPr rot="0" spcFirstLastPara="1" vertOverflow="overflow" horzOverflow="overflow" vert="horz" wrap="square" lIns="91439" tIns="45719" rIns="91439" bIns="45719" numCol="1" spcCol="38100" rtlCol="0" anchor="t" upright="0">
         <a:noAutofit/>
@@ -11323,8 +11130,7 @@
           <a:buSzTx/>
           <a:buFontTx/>
           <a:buNone/>
-          <a:tabLst/>
-          <a:defRPr b="0" baseline="0" cap="none" i="0" spc="0" strike="noStrike" sz="1800" u="none" kumimoji="0" normalizeH="0">
+          <a:defRPr kumimoji="0" sz="1800" b="0" i="0" u="none" strike="noStrike" cap="none" spc="0" normalizeH="0" baseline="0">
             <a:ln>
               <a:noFill/>
             </a:ln>
@@ -11349,8 +11155,7 @@
           <a:buSzTx/>
           <a:buFontTx/>
           <a:buNone/>
-          <a:tabLst/>
-          <a:defRPr b="0" baseline="0" cap="none" i="0" spc="0" strike="noStrike" sz="1800" u="none" kumimoji="0" normalizeH="0">
+          <a:defRPr kumimoji="0" sz="1800" b="0" i="0" u="none" strike="noStrike" cap="none" spc="0" normalizeH="0" baseline="0">
             <a:ln>
               <a:noFill/>
             </a:ln>
@@ -11375,8 +11180,7 @@
           <a:buSzTx/>
           <a:buFontTx/>
           <a:buNone/>
-          <a:tabLst/>
-          <a:defRPr b="0" baseline="0" cap="none" i="0" spc="0" strike="noStrike" sz="1800" u="none" kumimoji="0" normalizeH="0">
+          <a:defRPr kumimoji="0" sz="1800" b="0" i="0" u="none" strike="noStrike" cap="none" spc="0" normalizeH="0" baseline="0">
             <a:ln>
               <a:noFill/>
             </a:ln>
@@ -11401,8 +11205,7 @@
           <a:buSzTx/>
           <a:buFontTx/>
           <a:buNone/>
-          <a:tabLst/>
-          <a:defRPr b="0" baseline="0" cap="none" i="0" spc="0" strike="noStrike" sz="1800" u="none" kumimoji="0" normalizeH="0">
+          <a:defRPr kumimoji="0" sz="1800" b="0" i="0" u="none" strike="noStrike" cap="none" spc="0" normalizeH="0" baseline="0">
             <a:ln>
               <a:noFill/>
             </a:ln>
@@ -11427,8 +11230,7 @@
           <a:buSzTx/>
           <a:buFontTx/>
           <a:buNone/>
-          <a:tabLst/>
-          <a:defRPr b="0" baseline="0" cap="none" i="0" spc="0" strike="noStrike" sz="1800" u="none" kumimoji="0" normalizeH="0">
+          <a:defRPr kumimoji="0" sz="1800" b="0" i="0" u="none" strike="noStrike" cap="none" spc="0" normalizeH="0" baseline="0">
             <a:ln>
               <a:noFill/>
             </a:ln>
@@ -11453,8 +11255,7 @@
           <a:buSzTx/>
           <a:buFontTx/>
           <a:buNone/>
-          <a:tabLst/>
-          <a:defRPr b="0" baseline="0" cap="none" i="0" spc="0" strike="noStrike" sz="1800" u="none" kumimoji="0" normalizeH="0">
+          <a:defRPr kumimoji="0" sz="1800" b="0" i="0" u="none" strike="noStrike" cap="none" spc="0" normalizeH="0" baseline="0">
             <a:ln>
               <a:noFill/>
             </a:ln>
@@ -11479,8 +11280,7 @@
           <a:buSzTx/>
           <a:buFontTx/>
           <a:buNone/>
-          <a:tabLst/>
-          <a:defRPr b="0" baseline="0" cap="none" i="0" spc="0" strike="noStrike" sz="1800" u="none" kumimoji="0" normalizeH="0">
+          <a:defRPr kumimoji="0" sz="1800" b="0" i="0" u="none" strike="noStrike" cap="none" spc="0" normalizeH="0" baseline="0">
             <a:ln>
               <a:noFill/>
             </a:ln>
@@ -11505,8 +11305,7 @@
           <a:buSzTx/>
           <a:buFontTx/>
           <a:buNone/>
-          <a:tabLst/>
-          <a:defRPr b="0" baseline="0" cap="none" i="0" spc="0" strike="noStrike" sz="1800" u="none" kumimoji="0" normalizeH="0">
+          <a:defRPr kumimoji="0" sz="1800" b="0" i="0" u="none" strike="noStrike" cap="none" spc="0" normalizeH="0" baseline="0">
             <a:ln>
               <a:noFill/>
             </a:ln>
@@ -11531,8 +11330,7 @@
           <a:buSzTx/>
           <a:buFontTx/>
           <a:buNone/>
-          <a:tabLst/>
-          <a:defRPr b="0" baseline="0" cap="none" i="0" spc="0" strike="noStrike" sz="1800" u="none" kumimoji="0" normalizeH="0">
+          <a:defRPr kumimoji="0" sz="1800" b="0" i="0" u="none" strike="noStrike" cap="none" spc="0" normalizeH="0" baseline="0">
             <a:ln>
               <a:noFill/>
             </a:ln>
@@ -11557,8 +11355,7 @@
           <a:buSzTx/>
           <a:buFontTx/>
           <a:buNone/>
-          <a:tabLst/>
-          <a:defRPr b="0" baseline="0" cap="none" i="0" spc="0" strike="noStrike" sz="1800" u="none" kumimoji="0" normalizeH="0">
+          <a:defRPr kumimoji="0" sz="1800" b="0" i="0" u="none" strike="noStrike" cap="none" spc="0" normalizeH="0" baseline="0">
             <a:ln>
               <a:noFill/>
             </a:ln>
@@ -11571,9 +11368,15 @@
         </a:lvl9pPr>
       </a:lstStyle>
       <a:style>
-        <a:lnRef idx="0"/>
-        <a:fillRef idx="0"/>
-        <a:effectRef idx="0"/>
+        <a:lnRef idx="0">
+          <a:srgbClr val="FFFFFF"/>
+        </a:lnRef>
+        <a:fillRef idx="0">
+          <a:srgbClr val="FFFFFF"/>
+        </a:fillRef>
+        <a:effectRef idx="0">
+          <a:srgbClr val="FFFFFF"/>
+        </a:effectRef>
         <a:fontRef idx="none"/>
       </a:style>
     </a:lnDef>
@@ -11584,8 +11387,6 @@
           <a:noFill/>
           <a:miter lim="400000"/>
         </a:ln>
-        <a:effectLst/>
-        <a:sp3d/>
       </a:spPr>
       <a:bodyPr rot="0" spcFirstLastPara="1" vertOverflow="overflow" horzOverflow="overflow" vert="horz" wrap="square" lIns="45719" tIns="45719" rIns="45719" bIns="45719" numCol="1" spcCol="38100" rtlCol="0" anchor="t" upright="0">
         <a:spAutoFit/>
@@ -11605,8 +11406,7 @@
           <a:buSzTx/>
           <a:buFontTx/>
           <a:buNone/>
-          <a:tabLst/>
-          <a:defRPr b="0" baseline="0" cap="none" i="0" spc="0" strike="noStrike" sz="1800" u="none" kumimoji="0" normalizeH="0">
+          <a:defRPr kumimoji="0" sz="1800" b="0" i="0" u="none" strike="noStrike" cap="none" spc="0" normalizeH="0" baseline="0">
             <a:ln>
               <a:noFill/>
             </a:ln>
@@ -11618,7 +11418,7 @@
             <a:latin typeface="+mj-lt"/>
             <a:ea typeface="+mj-ea"/>
             <a:cs typeface="+mj-cs"/>
-            <a:sym typeface="Times New Roman"/>
+            <a:sym typeface="Times New Roman" panose="02020603050405020304"/>
           </a:defRPr>
         </a:defPPr>
         <a:lvl1pPr marL="0" marR="0" indent="0" algn="l" defTabSz="914400" rtl="0" fontAlgn="auto" latinLnBrk="1" hangingPunct="0">
@@ -11635,8 +11435,7 @@
           <a:buSzTx/>
           <a:buFontTx/>
           <a:buNone/>
-          <a:tabLst/>
-          <a:defRPr b="0" baseline="0" cap="none" i="0" spc="0" strike="noStrike" sz="1800" u="none" kumimoji="0" normalizeH="0">
+          <a:defRPr kumimoji="0" sz="1800" b="0" i="0" u="none" strike="noStrike" cap="none" spc="0" normalizeH="0" baseline="0">
             <a:ln>
               <a:noFill/>
             </a:ln>
@@ -11661,8 +11460,7 @@
           <a:buSzTx/>
           <a:buFontTx/>
           <a:buNone/>
-          <a:tabLst/>
-          <a:defRPr b="0" baseline="0" cap="none" i="0" spc="0" strike="noStrike" sz="1800" u="none" kumimoji="0" normalizeH="0">
+          <a:defRPr kumimoji="0" sz="1800" b="0" i="0" u="none" strike="noStrike" cap="none" spc="0" normalizeH="0" baseline="0">
             <a:ln>
               <a:noFill/>
             </a:ln>
@@ -11687,8 +11485,7 @@
           <a:buSzTx/>
           <a:buFontTx/>
           <a:buNone/>
-          <a:tabLst/>
-          <a:defRPr b="0" baseline="0" cap="none" i="0" spc="0" strike="noStrike" sz="1800" u="none" kumimoji="0" normalizeH="0">
+          <a:defRPr kumimoji="0" sz="1800" b="0" i="0" u="none" strike="noStrike" cap="none" spc="0" normalizeH="0" baseline="0">
             <a:ln>
               <a:noFill/>
             </a:ln>
@@ -11713,8 +11510,7 @@
           <a:buSzTx/>
           <a:buFontTx/>
           <a:buNone/>
-          <a:tabLst/>
-          <a:defRPr b="0" baseline="0" cap="none" i="0" spc="0" strike="noStrike" sz="1800" u="none" kumimoji="0" normalizeH="0">
+          <a:defRPr kumimoji="0" sz="1800" b="0" i="0" u="none" strike="noStrike" cap="none" spc="0" normalizeH="0" baseline="0">
             <a:ln>
               <a:noFill/>
             </a:ln>
@@ -11739,8 +11535,7 @@
           <a:buSzTx/>
           <a:buFontTx/>
           <a:buNone/>
-          <a:tabLst/>
-          <a:defRPr b="0" baseline="0" cap="none" i="0" spc="0" strike="noStrike" sz="1800" u="none" kumimoji="0" normalizeH="0">
+          <a:defRPr kumimoji="0" sz="1800" b="0" i="0" u="none" strike="noStrike" cap="none" spc="0" normalizeH="0" baseline="0">
             <a:ln>
               <a:noFill/>
             </a:ln>
@@ -11765,8 +11560,7 @@
           <a:buSzTx/>
           <a:buFontTx/>
           <a:buNone/>
-          <a:tabLst/>
-          <a:defRPr b="0" baseline="0" cap="none" i="0" spc="0" strike="noStrike" sz="1800" u="none" kumimoji="0" normalizeH="0">
+          <a:defRPr kumimoji="0" sz="1800" b="0" i="0" u="none" strike="noStrike" cap="none" spc="0" normalizeH="0" baseline="0">
             <a:ln>
               <a:noFill/>
             </a:ln>
@@ -11791,8 +11585,7 @@
           <a:buSzTx/>
           <a:buFontTx/>
           <a:buNone/>
-          <a:tabLst/>
-          <a:defRPr b="0" baseline="0" cap="none" i="0" spc="0" strike="noStrike" sz="1800" u="none" kumimoji="0" normalizeH="0">
+          <a:defRPr kumimoji="0" sz="1800" b="0" i="0" u="none" strike="noStrike" cap="none" spc="0" normalizeH="0" baseline="0">
             <a:ln>
               <a:noFill/>
             </a:ln>
@@ -11817,8 +11610,7 @@
           <a:buSzTx/>
           <a:buFontTx/>
           <a:buNone/>
-          <a:tabLst/>
-          <a:defRPr b="0" baseline="0" cap="none" i="0" spc="0" strike="noStrike" sz="1800" u="none" kumimoji="0" normalizeH="0">
+          <a:defRPr kumimoji="0" sz="1800" b="0" i="0" u="none" strike="noStrike" cap="none" spc="0" normalizeH="0" baseline="0">
             <a:ln>
               <a:noFill/>
             </a:ln>
@@ -11843,8 +11635,7 @@
           <a:buSzTx/>
           <a:buFontTx/>
           <a:buNone/>
-          <a:tabLst/>
-          <a:defRPr b="0" baseline="0" cap="none" i="0" spc="0" strike="noStrike" sz="1800" u="none" kumimoji="0" normalizeH="0">
+          <a:defRPr kumimoji="0" sz="1800" b="0" i="0" u="none" strike="noStrike" cap="none" spc="0" normalizeH="0" baseline="0">
             <a:ln>
               <a:noFill/>
             </a:ln>
@@ -11857,18 +11648,29 @@
         </a:lvl9pPr>
       </a:lstStyle>
       <a:style>
-        <a:lnRef idx="0"/>
-        <a:fillRef idx="0"/>
-        <a:effectRef idx="0"/>
+        <a:lnRef idx="0">
+          <a:srgbClr val="FFFFFF"/>
+        </a:lnRef>
+        <a:fillRef idx="0">
+          <a:srgbClr val="FFFFFF"/>
+        </a:fillRef>
+        <a:effectRef idx="0">
+          <a:srgbClr val="FFFFFF"/>
+        </a:effectRef>
         <a:fontRef idx="none"/>
       </a:style>
     </a:txDef>
   </a:objectDefaults>
+  <a:extLst>
+    <a:ext uri="{05A4C25C-085E-4340-85A3-A5531E510DB2}">
+      <thm15:themeFamily xmlns:thm15="http://schemas.microsoft.com/office/thememl/2012/main" name="Office Theme" id="{62F939B6-93AF-4DB8-9C6B-D6C7DFDC589F}" vid="{4A3C46E8-61CC-4603-A589-7422A47A8E4A}"/>
+    </a:ext>
+  </a:extLst>
 </a:theme>
 </file>
 
 <file path=ppt/theme/theme2.xml><?xml version="1.0" encoding="utf-8"?>
-<a:theme xmlns:a="http://schemas.openxmlformats.org/drawingml/2006/main" xmlns:r="http://schemas.openxmlformats.org/officeDocument/2006/relationships" name="Office">
+<a:theme xmlns:a="http://schemas.openxmlformats.org/drawingml/2006/main" name="Office">
   <a:themeElements>
     <a:clrScheme name="Office">
       <a:dk1>
@@ -12000,7 +11802,7 @@
         </a:effectStyle>
         <a:effectStyle>
           <a:effectLst>
-            <a:outerShdw sx="100000" sy="100000" kx="0" ky="0" algn="b" rotWithShape="0" blurRad="38100" dist="20000" dir="5400000">
+            <a:outerShdw blurRad="38100" dist="20000" dir="5400000" rotWithShape="0">
               <a:srgbClr val="000000">
                 <a:alpha val="38000"/>
               </a:srgbClr>
@@ -12073,8 +11875,6 @@
           <a:prstDash val="solid"/>
           <a:round/>
         </a:ln>
-        <a:effectLst/>
-        <a:sp3d/>
       </a:spPr>
       <a:bodyPr rot="0" spcFirstLastPara="1" vertOverflow="overflow" horzOverflow="overflow" vert="horz" wrap="square" lIns="45719" tIns="45719" rIns="45719" bIns="45719" numCol="1" spcCol="38100" rtlCol="0" anchor="t" upright="0">
         <a:spAutoFit/>
@@ -12094,8 +11894,7 @@
           <a:buSzTx/>
           <a:buFontTx/>
           <a:buNone/>
-          <a:tabLst/>
-          <a:defRPr b="0" baseline="0" cap="none" i="0" spc="0" strike="noStrike" sz="1800" u="none" kumimoji="0" normalizeH="0">
+          <a:defRPr kumimoji="0" sz="1800" b="0" i="0" u="none" strike="noStrike" cap="none" spc="0" normalizeH="0" baseline="0">
             <a:ln>
               <a:noFill/>
             </a:ln>
@@ -12107,7 +11906,7 @@
             <a:latin typeface="+mj-lt"/>
             <a:ea typeface="+mj-ea"/>
             <a:cs typeface="+mj-cs"/>
-            <a:sym typeface="Times New Roman"/>
+            <a:sym typeface="Times New Roman" panose="02020603050405020304"/>
           </a:defRPr>
         </a:defPPr>
         <a:lvl1pPr marL="0" marR="0" indent="0" algn="l" defTabSz="914400" rtl="0" fontAlgn="auto" latinLnBrk="1" hangingPunct="0">
@@ -12124,8 +11923,7 @@
           <a:buSzTx/>
           <a:buFontTx/>
           <a:buNone/>
-          <a:tabLst/>
-          <a:defRPr b="0" baseline="0" cap="none" i="0" spc="0" strike="noStrike" sz="1800" u="none" kumimoji="0" normalizeH="0">
+          <a:defRPr kumimoji="0" sz="1800" b="0" i="0" u="none" strike="noStrike" cap="none" spc="0" normalizeH="0" baseline="0">
             <a:ln>
               <a:noFill/>
             </a:ln>
@@ -12150,8 +11948,7 @@
           <a:buSzTx/>
           <a:buFontTx/>
           <a:buNone/>
-          <a:tabLst/>
-          <a:defRPr b="0" baseline="0" cap="none" i="0" spc="0" strike="noStrike" sz="1800" u="none" kumimoji="0" normalizeH="0">
+          <a:defRPr kumimoji="0" sz="1800" b="0" i="0" u="none" strike="noStrike" cap="none" spc="0" normalizeH="0" baseline="0">
             <a:ln>
               <a:noFill/>
             </a:ln>
@@ -12176,8 +11973,7 @@
           <a:buSzTx/>
           <a:buFontTx/>
           <a:buNone/>
-          <a:tabLst/>
-          <a:defRPr b="0" baseline="0" cap="none" i="0" spc="0" strike="noStrike" sz="1800" u="none" kumimoji="0" normalizeH="0">
+          <a:defRPr kumimoji="0" sz="1800" b="0" i="0" u="none" strike="noStrike" cap="none" spc="0" normalizeH="0" baseline="0">
             <a:ln>
               <a:noFill/>
             </a:ln>
@@ -12202,8 +11998,7 @@
           <a:buSzTx/>
           <a:buFontTx/>
           <a:buNone/>
-          <a:tabLst/>
-          <a:defRPr b="0" baseline="0" cap="none" i="0" spc="0" strike="noStrike" sz="1800" u="none" kumimoji="0" normalizeH="0">
+          <a:defRPr kumimoji="0" sz="1800" b="0" i="0" u="none" strike="noStrike" cap="none" spc="0" normalizeH="0" baseline="0">
             <a:ln>
               <a:noFill/>
             </a:ln>
@@ -12228,8 +12023,7 @@
           <a:buSzTx/>
           <a:buFontTx/>
           <a:buNone/>
-          <a:tabLst/>
-          <a:defRPr b="0" baseline="0" cap="none" i="0" spc="0" strike="noStrike" sz="1800" u="none" kumimoji="0" normalizeH="0">
+          <a:defRPr kumimoji="0" sz="1800" b="0" i="0" u="none" strike="noStrike" cap="none" spc="0" normalizeH="0" baseline="0">
             <a:ln>
               <a:noFill/>
             </a:ln>
@@ -12254,8 +12048,7 @@
           <a:buSzTx/>
           <a:buFontTx/>
           <a:buNone/>
-          <a:tabLst/>
-          <a:defRPr b="0" baseline="0" cap="none" i="0" spc="0" strike="noStrike" sz="1800" u="none" kumimoji="0" normalizeH="0">
+          <a:defRPr kumimoji="0" sz="1800" b="0" i="0" u="none" strike="noStrike" cap="none" spc="0" normalizeH="0" baseline="0">
             <a:ln>
               <a:noFill/>
             </a:ln>
@@ -12280,8 +12073,7 @@
           <a:buSzTx/>
           <a:buFontTx/>
           <a:buNone/>
-          <a:tabLst/>
-          <a:defRPr b="0" baseline="0" cap="none" i="0" spc="0" strike="noStrike" sz="1800" u="none" kumimoji="0" normalizeH="0">
+          <a:defRPr kumimoji="0" sz="1800" b="0" i="0" u="none" strike="noStrike" cap="none" spc="0" normalizeH="0" baseline="0">
             <a:ln>
               <a:noFill/>
             </a:ln>
@@ -12306,8 +12098,7 @@
           <a:buSzTx/>
           <a:buFontTx/>
           <a:buNone/>
-          <a:tabLst/>
-          <a:defRPr b="0" baseline="0" cap="none" i="0" spc="0" strike="noStrike" sz="1800" u="none" kumimoji="0" normalizeH="0">
+          <a:defRPr kumimoji="0" sz="1800" b="0" i="0" u="none" strike="noStrike" cap="none" spc="0" normalizeH="0" baseline="0">
             <a:ln>
               <a:noFill/>
             </a:ln>
@@ -12332,8 +12123,7 @@
           <a:buSzTx/>
           <a:buFontTx/>
           <a:buNone/>
-          <a:tabLst/>
-          <a:defRPr b="0" baseline="0" cap="none" i="0" spc="0" strike="noStrike" sz="1800" u="none" kumimoji="0" normalizeH="0">
+          <a:defRPr kumimoji="0" sz="1800" b="0" i="0" u="none" strike="noStrike" cap="none" spc="0" normalizeH="0" baseline="0">
             <a:ln>
               <a:noFill/>
             </a:ln>
@@ -12346,9 +12136,15 @@
         </a:lvl9pPr>
       </a:lstStyle>
       <a:style>
-        <a:lnRef idx="0"/>
-        <a:fillRef idx="0"/>
-        <a:effectRef idx="0"/>
+        <a:lnRef idx="0">
+          <a:srgbClr val="FFFFFF"/>
+        </a:lnRef>
+        <a:fillRef idx="0">
+          <a:srgbClr val="FFFFFF"/>
+        </a:fillRef>
+        <a:effectRef idx="0">
+          <a:srgbClr val="FFFFFF"/>
+        </a:effectRef>
         <a:fontRef idx="none"/>
       </a:style>
     </a:spDef>
@@ -12363,13 +12159,12 @@
           <a:round/>
         </a:ln>
         <a:effectLst>
-          <a:outerShdw sx="100000" sy="100000" kx="0" ky="0" algn="b" rotWithShape="0" blurRad="38100" dist="20000" dir="5400000">
+          <a:outerShdw blurRad="38100" dist="20000" dir="5400000" rotWithShape="0">
             <a:srgbClr val="000000">
               <a:alpha val="38000"/>
             </a:srgbClr>
           </a:outerShdw>
         </a:effectLst>
-        <a:sp3d/>
       </a:spPr>
       <a:bodyPr rot="0" spcFirstLastPara="1" vertOverflow="overflow" horzOverflow="overflow" vert="horz" wrap="square" lIns="91439" tIns="45719" rIns="91439" bIns="45719" numCol="1" spcCol="38100" rtlCol="0" anchor="t" upright="0">
         <a:noAutofit/>
@@ -12389,8 +12184,7 @@
           <a:buSzTx/>
           <a:buFontTx/>
           <a:buNone/>
-          <a:tabLst/>
-          <a:defRPr b="0" baseline="0" cap="none" i="0" spc="0" strike="noStrike" sz="1800" u="none" kumimoji="0" normalizeH="0">
+          <a:defRPr kumimoji="0" sz="1800" b="0" i="0" u="none" strike="noStrike" cap="none" spc="0" normalizeH="0" baseline="0">
             <a:ln>
               <a:noFill/>
             </a:ln>
@@ -12415,8 +12209,7 @@
           <a:buSzTx/>
           <a:buFontTx/>
           <a:buNone/>
-          <a:tabLst/>
-          <a:defRPr b="0" baseline="0" cap="none" i="0" spc="0" strike="noStrike" sz="1800" u="none" kumimoji="0" normalizeH="0">
+          <a:defRPr kumimoji="0" sz="1800" b="0" i="0" u="none" strike="noStrike" cap="none" spc="0" normalizeH="0" baseline="0">
             <a:ln>
               <a:noFill/>
             </a:ln>
@@ -12441,8 +12234,7 @@
           <a:buSzTx/>
           <a:buFontTx/>
           <a:buNone/>
-          <a:tabLst/>
-          <a:defRPr b="0" baseline="0" cap="none" i="0" spc="0" strike="noStrike" sz="1800" u="none" kumimoji="0" normalizeH="0">
+          <a:defRPr kumimoji="0" sz="1800" b="0" i="0" u="none" strike="noStrike" cap="none" spc="0" normalizeH="0" baseline="0">
             <a:ln>
               <a:noFill/>
             </a:ln>
@@ -12467,8 +12259,7 @@
           <a:buSzTx/>
           <a:buFontTx/>
           <a:buNone/>
-          <a:tabLst/>
-          <a:defRPr b="0" baseline="0" cap="none" i="0" spc="0" strike="noStrike" sz="1800" u="none" kumimoji="0" normalizeH="0">
+          <a:defRPr kumimoji="0" sz="1800" b="0" i="0" u="none" strike="noStrike" cap="none" spc="0" normalizeH="0" baseline="0">
             <a:ln>
               <a:noFill/>
             </a:ln>
@@ -12493,8 +12284,7 @@
           <a:buSzTx/>
           <a:buFontTx/>
           <a:buNone/>
-          <a:tabLst/>
-          <a:defRPr b="0" baseline="0" cap="none" i="0" spc="0" strike="noStrike" sz="1800" u="none" kumimoji="0" normalizeH="0">
+          <a:defRPr kumimoji="0" sz="1800" b="0" i="0" u="none" strike="noStrike" cap="none" spc="0" normalizeH="0" baseline="0">
             <a:ln>
               <a:noFill/>
             </a:ln>
@@ -12519,8 +12309,7 @@
           <a:buSzTx/>
           <a:buFontTx/>
           <a:buNone/>
-          <a:tabLst/>
-          <a:defRPr b="0" baseline="0" cap="none" i="0" spc="0" strike="noStrike" sz="1800" u="none" kumimoji="0" normalizeH="0">
+          <a:defRPr kumimoji="0" sz="1800" b="0" i="0" u="none" strike="noStrike" cap="none" spc="0" normalizeH="0" baseline="0">
             <a:ln>
               <a:noFill/>
             </a:ln>
@@ -12545,8 +12334,7 @@
           <a:buSzTx/>
           <a:buFontTx/>
           <a:buNone/>
-          <a:tabLst/>
-          <a:defRPr b="0" baseline="0" cap="none" i="0" spc="0" strike="noStrike" sz="1800" u="none" kumimoji="0" normalizeH="0">
+          <a:defRPr kumimoji="0" sz="1800" b="0" i="0" u="none" strike="noStrike" cap="none" spc="0" normalizeH="0" baseline="0">
             <a:ln>
               <a:noFill/>
             </a:ln>
@@ -12571,8 +12359,7 @@
           <a:buSzTx/>
           <a:buFontTx/>
           <a:buNone/>
-          <a:tabLst/>
-          <a:defRPr b="0" baseline="0" cap="none" i="0" spc="0" strike="noStrike" sz="1800" u="none" kumimoji="0" normalizeH="0">
+          <a:defRPr kumimoji="0" sz="1800" b="0" i="0" u="none" strike="noStrike" cap="none" spc="0" normalizeH="0" baseline="0">
             <a:ln>
               <a:noFill/>
             </a:ln>
@@ -12597,8 +12384,7 @@
           <a:buSzTx/>
           <a:buFontTx/>
           <a:buNone/>
-          <a:tabLst/>
-          <a:defRPr b="0" baseline="0" cap="none" i="0" spc="0" strike="noStrike" sz="1800" u="none" kumimoji="0" normalizeH="0">
+          <a:defRPr kumimoji="0" sz="1800" b="0" i="0" u="none" strike="noStrike" cap="none" spc="0" normalizeH="0" baseline="0">
             <a:ln>
               <a:noFill/>
             </a:ln>
@@ -12623,8 +12409,7 @@
           <a:buSzTx/>
           <a:buFontTx/>
           <a:buNone/>
-          <a:tabLst/>
-          <a:defRPr b="0" baseline="0" cap="none" i="0" spc="0" strike="noStrike" sz="1800" u="none" kumimoji="0" normalizeH="0">
+          <a:defRPr kumimoji="0" sz="1800" b="0" i="0" u="none" strike="noStrike" cap="none" spc="0" normalizeH="0" baseline="0">
             <a:ln>
               <a:noFill/>
             </a:ln>
@@ -12637,9 +12422,15 @@
         </a:lvl9pPr>
       </a:lstStyle>
       <a:style>
-        <a:lnRef idx="0"/>
-        <a:fillRef idx="0"/>
-        <a:effectRef idx="0"/>
+        <a:lnRef idx="0">
+          <a:srgbClr val="FFFFFF"/>
+        </a:lnRef>
+        <a:fillRef idx="0">
+          <a:srgbClr val="FFFFFF"/>
+        </a:fillRef>
+        <a:effectRef idx="0">
+          <a:srgbClr val="FFFFFF"/>
+        </a:effectRef>
         <a:fontRef idx="none"/>
       </a:style>
     </a:lnDef>
@@ -12650,8 +12441,6 @@
           <a:noFill/>
           <a:miter lim="400000"/>
         </a:ln>
-        <a:effectLst/>
-        <a:sp3d/>
       </a:spPr>
       <a:bodyPr rot="0" spcFirstLastPara="1" vertOverflow="overflow" horzOverflow="overflow" vert="horz" wrap="square" lIns="45719" tIns="45719" rIns="45719" bIns="45719" numCol="1" spcCol="38100" rtlCol="0" anchor="t" upright="0">
         <a:spAutoFit/>
@@ -12671,8 +12460,7 @@
           <a:buSzTx/>
           <a:buFontTx/>
           <a:buNone/>
-          <a:tabLst/>
-          <a:defRPr b="0" baseline="0" cap="none" i="0" spc="0" strike="noStrike" sz="1800" u="none" kumimoji="0" normalizeH="0">
+          <a:defRPr kumimoji="0" sz="1800" b="0" i="0" u="none" strike="noStrike" cap="none" spc="0" normalizeH="0" baseline="0">
             <a:ln>
               <a:noFill/>
             </a:ln>
@@ -12684,7 +12472,7 @@
             <a:latin typeface="+mj-lt"/>
             <a:ea typeface="+mj-ea"/>
             <a:cs typeface="+mj-cs"/>
-            <a:sym typeface="Times New Roman"/>
+            <a:sym typeface="Times New Roman" panose="02020603050405020304"/>
           </a:defRPr>
         </a:defPPr>
         <a:lvl1pPr marL="0" marR="0" indent="0" algn="l" defTabSz="914400" rtl="0" fontAlgn="auto" latinLnBrk="1" hangingPunct="0">
@@ -12701,8 +12489,7 @@
           <a:buSzTx/>
           <a:buFontTx/>
           <a:buNone/>
-          <a:tabLst/>
-          <a:defRPr b="0" baseline="0" cap="none" i="0" spc="0" strike="noStrike" sz="1800" u="none" kumimoji="0" normalizeH="0">
+          <a:defRPr kumimoji="0" sz="1800" b="0" i="0" u="none" strike="noStrike" cap="none" spc="0" normalizeH="0" baseline="0">
             <a:ln>
               <a:noFill/>
             </a:ln>
@@ -12727,8 +12514,7 @@
           <a:buSzTx/>
           <a:buFontTx/>
           <a:buNone/>
-          <a:tabLst/>
-          <a:defRPr b="0" baseline="0" cap="none" i="0" spc="0" strike="noStrike" sz="1800" u="none" kumimoji="0" normalizeH="0">
+          <a:defRPr kumimoji="0" sz="1800" b="0" i="0" u="none" strike="noStrike" cap="none" spc="0" normalizeH="0" baseline="0">
             <a:ln>
               <a:noFill/>
             </a:ln>
@@ -12753,8 +12539,7 @@
           <a:buSzTx/>
           <a:buFontTx/>
           <a:buNone/>
-          <a:tabLst/>
-          <a:defRPr b="0" baseline="0" cap="none" i="0" spc="0" strike="noStrike" sz="1800" u="none" kumimoji="0" normalizeH="0">
+          <a:defRPr kumimoji="0" sz="1800" b="0" i="0" u="none" strike="noStrike" cap="none" spc="0" normalizeH="0" baseline="0">
             <a:ln>
               <a:noFill/>
             </a:ln>
@@ -12779,8 +12564,7 @@
           <a:buSzTx/>
           <a:buFontTx/>
           <a:buNone/>
-          <a:tabLst/>
-          <a:defRPr b="0" baseline="0" cap="none" i="0" spc="0" strike="noStrike" sz="1800" u="none" kumimoji="0" normalizeH="0">
+          <a:defRPr kumimoji="0" sz="1800" b="0" i="0" u="none" strike="noStrike" cap="none" spc="0" normalizeH="0" baseline="0">
             <a:ln>
               <a:noFill/>
             </a:ln>
@@ -12805,8 +12589,7 @@
           <a:buSzTx/>
           <a:buFontTx/>
           <a:buNone/>
-          <a:tabLst/>
-          <a:defRPr b="0" baseline="0" cap="none" i="0" spc="0" strike="noStrike" sz="1800" u="none" kumimoji="0" normalizeH="0">
+          <a:defRPr kumimoji="0" sz="1800" b="0" i="0" u="none" strike="noStrike" cap="none" spc="0" normalizeH="0" baseline="0">
             <a:ln>
               <a:noFill/>
             </a:ln>
@@ -12831,8 +12614,7 @@
           <a:buSzTx/>
           <a:buFontTx/>
           <a:buNone/>
-          <a:tabLst/>
-          <a:defRPr b="0" baseline="0" cap="none" i="0" spc="0" strike="noStrike" sz="1800" u="none" kumimoji="0" normalizeH="0">
+          <a:defRPr kumimoji="0" sz="1800" b="0" i="0" u="none" strike="noStrike" cap="none" spc="0" normalizeH="0" baseline="0">
             <a:ln>
               <a:noFill/>
             </a:ln>
@@ -12857,8 +12639,7 @@
           <a:buSzTx/>
           <a:buFontTx/>
           <a:buNone/>
-          <a:tabLst/>
-          <a:defRPr b="0" baseline="0" cap="none" i="0" spc="0" strike="noStrike" sz="1800" u="none" kumimoji="0" normalizeH="0">
+          <a:defRPr kumimoji="0" sz="1800" b="0" i="0" u="none" strike="noStrike" cap="none" spc="0" normalizeH="0" baseline="0">
             <a:ln>
               <a:noFill/>
             </a:ln>
@@ -12883,8 +12664,7 @@
           <a:buSzTx/>
           <a:buFontTx/>
           <a:buNone/>
-          <a:tabLst/>
-          <a:defRPr b="0" baseline="0" cap="none" i="0" spc="0" strike="noStrike" sz="1800" u="none" kumimoji="0" normalizeH="0">
+          <a:defRPr kumimoji="0" sz="1800" b="0" i="0" u="none" strike="noStrike" cap="none" spc="0" normalizeH="0" baseline="0">
             <a:ln>
               <a:noFill/>
             </a:ln>
@@ -12909,8 +12689,7 @@
           <a:buSzTx/>
           <a:buFontTx/>
           <a:buNone/>
-          <a:tabLst/>
-          <a:defRPr b="0" baseline="0" cap="none" i="0" spc="0" strike="noStrike" sz="1800" u="none" kumimoji="0" normalizeH="0">
+          <a:defRPr kumimoji="0" sz="1800" b="0" i="0" u="none" strike="noStrike" cap="none" spc="0" normalizeH="0" baseline="0">
             <a:ln>
               <a:noFill/>
             </a:ln>
@@ -12923,12 +12702,23 @@
         </a:lvl9pPr>
       </a:lstStyle>
       <a:style>
-        <a:lnRef idx="0"/>
-        <a:fillRef idx="0"/>
-        <a:effectRef idx="0"/>
+        <a:lnRef idx="0">
+          <a:srgbClr val="FFFFFF"/>
+        </a:lnRef>
+        <a:fillRef idx="0">
+          <a:srgbClr val="FFFFFF"/>
+        </a:fillRef>
+        <a:effectRef idx="0">
+          <a:srgbClr val="FFFFFF"/>
+        </a:effectRef>
         <a:fontRef idx="none"/>
       </a:style>
     </a:txDef>
   </a:objectDefaults>
+  <a:extLst>
+    <a:ext uri="{05A4C25C-085E-4340-85A3-A5531E510DB2}">
+      <thm15:themeFamily xmlns:thm15="http://schemas.microsoft.com/office/thememl/2012/main" name="Office Theme" id="{62F939B6-93AF-4DB8-9C6B-D6C7DFDC589F}" vid="{4A3C46E8-61CC-4603-A589-7422A47A8E4A}"/>
+    </a:ext>
+  </a:extLst>
 </a:theme>
 </file>